--- a/3-Ozonolisis/seminario/Ozonolisis.pptx
+++ b/3-Ozonolisis/seminario/Ozonolisis.pptx
@@ -5,26 +5,25 @@
     <p:sldMasterId id="2147483648" r:id="rId1"/>
   </p:sldMasterIdLst>
   <p:notesMasterIdLst>
-    <p:notesMasterId r:id="rId19"/>
+    <p:notesMasterId r:id="rId18"/>
   </p:notesMasterIdLst>
   <p:sldIdLst>
     <p:sldId id="256" r:id="rId2"/>
     <p:sldId id="257" r:id="rId3"/>
     <p:sldId id="258" r:id="rId4"/>
-    <p:sldId id="263" r:id="rId5"/>
-    <p:sldId id="259" r:id="rId6"/>
-    <p:sldId id="260" r:id="rId7"/>
-    <p:sldId id="269" r:id="rId8"/>
-    <p:sldId id="278" r:id="rId9"/>
-    <p:sldId id="261" r:id="rId10"/>
-    <p:sldId id="276" r:id="rId11"/>
-    <p:sldId id="262" r:id="rId12"/>
-    <p:sldId id="271" r:id="rId13"/>
-    <p:sldId id="272" r:id="rId14"/>
-    <p:sldId id="277" r:id="rId15"/>
-    <p:sldId id="275" r:id="rId16"/>
-    <p:sldId id="273" r:id="rId17"/>
-    <p:sldId id="274" r:id="rId18"/>
+    <p:sldId id="259" r:id="rId5"/>
+    <p:sldId id="260" r:id="rId6"/>
+    <p:sldId id="269" r:id="rId7"/>
+    <p:sldId id="278" r:id="rId8"/>
+    <p:sldId id="261" r:id="rId9"/>
+    <p:sldId id="276" r:id="rId10"/>
+    <p:sldId id="262" r:id="rId11"/>
+    <p:sldId id="271" r:id="rId12"/>
+    <p:sldId id="272" r:id="rId13"/>
+    <p:sldId id="277" r:id="rId14"/>
+    <p:sldId id="275" r:id="rId15"/>
+    <p:sldId id="273" r:id="rId16"/>
+    <p:sldId id="274" r:id="rId17"/>
   </p:sldIdLst>
   <p:sldSz cx="12192000" cy="6858000"/>
   <p:notesSz cx="6858000" cy="9144000"/>
@@ -1064,301 +1063,6 @@
         </a:p>
       </dgm:t>
     </dgm:pt>
-    <dgm:pt modelId="{A70723DE-A2A0-4127-B1D4-C85B1D90FDB1}">
-      <dgm:prSet phldrT="[Text]"/>
-      <dgm:spPr/>
-      <dgm:t>
-        <a:bodyPr/>
-        <a:lstStyle/>
-        <a:p>
-          <a:r>
-            <a:rPr lang="en-US" b="1" dirty="0" err="1"/>
-            <a:t>Secado</a:t>
-          </a:r>
-          <a:endParaRPr lang="en-US" b="1" dirty="0"/>
-        </a:p>
-      </dgm:t>
-    </dgm:pt>
-    <dgm:pt modelId="{F1ECD5FB-5899-43D6-BE30-E681C6B96EC2}" type="parTrans" cxnId="{85DA17B5-F258-454F-A5AE-0478F3CD62C8}">
-      <dgm:prSet/>
-      <dgm:spPr/>
-      <dgm:t>
-        <a:bodyPr/>
-        <a:lstStyle/>
-        <a:p>
-          <a:endParaRPr lang="en-US"/>
-        </a:p>
-      </dgm:t>
-    </dgm:pt>
-    <dgm:pt modelId="{A5153C8C-5C5D-4104-9C6C-7257FDCBF23B}" type="sibTrans" cxnId="{85DA17B5-F258-454F-A5AE-0478F3CD62C8}">
-      <dgm:prSet/>
-      <dgm:spPr/>
-      <dgm:t>
-        <a:bodyPr/>
-        <a:lstStyle/>
-        <a:p>
-          <a:endParaRPr lang="en-US"/>
-        </a:p>
-      </dgm:t>
-    </dgm:pt>
-    <dgm:pt modelId="{F4191204-04A3-4DD7-A8F8-4911C7A9424D}">
-      <dgm:prSet phldrT="[Text]"/>
-      <dgm:spPr/>
-      <dgm:t>
-        <a:bodyPr/>
-        <a:lstStyle/>
-        <a:p>
-          <a:r>
-            <a:rPr lang="en-US" dirty="0"/>
-            <a:t>50 mL de THF </a:t>
-          </a:r>
-          <a:r>
-            <a:rPr lang="en-US" dirty="0" err="1"/>
-            <a:t>en</a:t>
-          </a:r>
-          <a:r>
-            <a:rPr lang="en-US" dirty="0"/>
-            <a:t> </a:t>
-          </a:r>
-          <a:r>
-            <a:rPr lang="en-US" dirty="0" err="1"/>
-            <a:t>tamiz</a:t>
-          </a:r>
-          <a:r>
-            <a:rPr lang="en-US" dirty="0"/>
-            <a:t> molecular </a:t>
-          </a:r>
-          <a:r>
-            <a:rPr lang="en-US" dirty="0" err="1"/>
-            <a:t>por</a:t>
-          </a:r>
-          <a:r>
-            <a:rPr lang="en-US" dirty="0"/>
-            <a:t> 48 horas.</a:t>
-          </a:r>
-        </a:p>
-      </dgm:t>
-    </dgm:pt>
-    <dgm:pt modelId="{6DC56A41-3B40-4761-8C00-53BB14469F60}" type="parTrans" cxnId="{7D8C0A4C-216C-407D-B580-7FDEB349A1F6}">
-      <dgm:prSet/>
-      <dgm:spPr/>
-      <dgm:t>
-        <a:bodyPr/>
-        <a:lstStyle/>
-        <a:p>
-          <a:endParaRPr lang="en-US"/>
-        </a:p>
-      </dgm:t>
-    </dgm:pt>
-    <dgm:pt modelId="{B3B0AFA6-C377-4829-92A8-2B6E65B2AB38}" type="sibTrans" cxnId="{7D8C0A4C-216C-407D-B580-7FDEB349A1F6}">
-      <dgm:prSet/>
-      <dgm:spPr/>
-      <dgm:t>
-        <a:bodyPr/>
-        <a:lstStyle/>
-        <a:p>
-          <a:endParaRPr lang="en-US"/>
-        </a:p>
-      </dgm:t>
-    </dgm:pt>
-    <dgm:pt modelId="{FCDB82CE-2D57-46EC-99A3-E4FD195FA563}">
-      <dgm:prSet phldrT="[Text]"/>
-      <dgm:spPr/>
-      <dgm:t>
-        <a:bodyPr/>
-        <a:lstStyle/>
-        <a:p>
-          <a:r>
-            <a:rPr lang="en-US" b="1" dirty="0" err="1"/>
-            <a:t>Preparación</a:t>
-          </a:r>
-          <a:endParaRPr lang="en-US" b="1" dirty="0"/>
-        </a:p>
-      </dgm:t>
-    </dgm:pt>
-    <dgm:pt modelId="{08C088A4-C6A1-4A7F-9EF3-8B72DB475F42}" type="parTrans" cxnId="{89DCB00E-E129-4322-A588-BCB25D330EA3}">
-      <dgm:prSet/>
-      <dgm:spPr/>
-      <dgm:t>
-        <a:bodyPr/>
-        <a:lstStyle/>
-        <a:p>
-          <a:endParaRPr lang="en-US"/>
-        </a:p>
-      </dgm:t>
-    </dgm:pt>
-    <dgm:pt modelId="{457C7131-7CA8-4CCC-906A-B5E71FD9FA16}" type="sibTrans" cxnId="{89DCB00E-E129-4322-A588-BCB25D330EA3}">
-      <dgm:prSet/>
-      <dgm:spPr/>
-      <dgm:t>
-        <a:bodyPr/>
-        <a:lstStyle/>
-        <a:p>
-          <a:endParaRPr lang="en-US"/>
-        </a:p>
-      </dgm:t>
-    </dgm:pt>
-    <dgm:pt modelId="{A4FF4BE5-22CC-436E-B245-09BF412A9CBA}">
-      <dgm:prSet phldrT="[Text]"/>
-      <dgm:spPr/>
-      <dgm:t>
-        <a:bodyPr/>
-        <a:lstStyle/>
-        <a:p>
-          <a:r>
-            <a:rPr lang="en-US" dirty="0"/>
-            <a:t>15.0 </a:t>
-          </a:r>
-          <a:r>
-            <a:rPr lang="en-US" dirty="0" err="1"/>
-            <a:t>mmol</a:t>
-          </a:r>
-          <a:r>
-            <a:rPr lang="en-US" dirty="0"/>
-            <a:t> de Zinc junto con 7.5 </a:t>
-          </a:r>
-          <a:r>
-            <a:rPr lang="en-US" dirty="0" err="1"/>
-            <a:t>mmol</a:t>
-          </a:r>
-          <a:r>
-            <a:rPr lang="en-US" dirty="0"/>
-            <a:t> de </a:t>
-          </a:r>
-          <a:r>
-            <a:rPr lang="en-US" dirty="0" err="1"/>
-            <a:t>cloruro</a:t>
-          </a:r>
-          <a:r>
-            <a:rPr lang="en-US" dirty="0"/>
-            <a:t> de </a:t>
-          </a:r>
-          <a:r>
-            <a:rPr lang="en-US" dirty="0" err="1"/>
-            <a:t>titanio</a:t>
-          </a:r>
-          <a:r>
-            <a:rPr lang="en-US" dirty="0"/>
-            <a:t> (IV) </a:t>
-          </a:r>
-          <a:r>
-            <a:rPr lang="en-US" dirty="0" err="1"/>
-            <a:t>en</a:t>
-          </a:r>
-          <a:r>
-            <a:rPr lang="en-US" dirty="0"/>
-            <a:t> THF.</a:t>
-          </a:r>
-        </a:p>
-      </dgm:t>
-    </dgm:pt>
-    <dgm:pt modelId="{B48FA96F-4C30-43F9-85AB-BB9EA5F1374C}" type="parTrans" cxnId="{B93A8A24-9F72-4689-AAFD-7CFDB917B9DA}">
-      <dgm:prSet/>
-      <dgm:spPr/>
-      <dgm:t>
-        <a:bodyPr/>
-        <a:lstStyle/>
-        <a:p>
-          <a:endParaRPr lang="en-US"/>
-        </a:p>
-      </dgm:t>
-    </dgm:pt>
-    <dgm:pt modelId="{C49150BE-F26E-4F1F-B077-BD126A9EC485}" type="sibTrans" cxnId="{B93A8A24-9F72-4689-AAFD-7CFDB917B9DA}">
-      <dgm:prSet/>
-      <dgm:spPr/>
-      <dgm:t>
-        <a:bodyPr/>
-        <a:lstStyle/>
-        <a:p>
-          <a:endParaRPr lang="en-US"/>
-        </a:p>
-      </dgm:t>
-    </dgm:pt>
-    <dgm:pt modelId="{E8E8F9F1-6616-4C58-B06E-9DA1C6CEF61F}">
-      <dgm:prSet phldrT="[Text]"/>
-      <dgm:spPr/>
-      <dgm:t>
-        <a:bodyPr/>
-        <a:lstStyle/>
-        <a:p>
-          <a:r>
-            <a:rPr lang="en-US" dirty="0" err="1"/>
-            <a:t>Reflujo</a:t>
-          </a:r>
-          <a:r>
-            <a:rPr lang="en-US" dirty="0"/>
-            <a:t> </a:t>
-          </a:r>
-          <a:r>
-            <a:rPr lang="en-US" dirty="0" err="1"/>
-            <a:t>por</a:t>
-          </a:r>
-          <a:r>
-            <a:rPr lang="en-US" dirty="0"/>
-            <a:t> 1 hora.</a:t>
-          </a:r>
-        </a:p>
-      </dgm:t>
-    </dgm:pt>
-    <dgm:pt modelId="{DC86A337-BD2A-4906-B2EF-D5A8D9910180}" type="parTrans" cxnId="{E6305D9E-6472-470D-871F-92B1BFD76CEB}">
-      <dgm:prSet/>
-      <dgm:spPr/>
-      <dgm:t>
-        <a:bodyPr/>
-        <a:lstStyle/>
-        <a:p>
-          <a:endParaRPr lang="en-US"/>
-        </a:p>
-      </dgm:t>
-    </dgm:pt>
-    <dgm:pt modelId="{BC13F6CD-BD38-4C48-AA03-689E198F1561}" type="sibTrans" cxnId="{E6305D9E-6472-470D-871F-92B1BFD76CEB}">
-      <dgm:prSet/>
-      <dgm:spPr/>
-      <dgm:t>
-        <a:bodyPr/>
-        <a:lstStyle/>
-        <a:p>
-          <a:endParaRPr lang="en-US"/>
-        </a:p>
-      </dgm:t>
-    </dgm:pt>
-    <dgm:pt modelId="{9AA255C3-C9EE-4048-A9D0-92A8D6006465}">
-      <dgm:prSet phldrT="[Text]"/>
-      <dgm:spPr/>
-      <dgm:t>
-        <a:bodyPr/>
-        <a:lstStyle/>
-        <a:p>
-          <a:r>
-            <a:rPr lang="en-US" b="1" dirty="0" err="1"/>
-            <a:t>Extracción</a:t>
-          </a:r>
-          <a:endParaRPr lang="en-US" b="1" dirty="0"/>
-        </a:p>
-      </dgm:t>
-    </dgm:pt>
-    <dgm:pt modelId="{3C537B3B-D1CE-445D-9156-E6FA4CFB9281}" type="parTrans" cxnId="{9081E611-0E27-4773-BC8D-AF43C2285E3D}">
-      <dgm:prSet/>
-      <dgm:spPr/>
-      <dgm:t>
-        <a:bodyPr/>
-        <a:lstStyle/>
-        <a:p>
-          <a:endParaRPr lang="en-US"/>
-        </a:p>
-      </dgm:t>
-    </dgm:pt>
-    <dgm:pt modelId="{0438340C-6374-4951-8FF0-84A078F6395E}" type="sibTrans" cxnId="{9081E611-0E27-4773-BC8D-AF43C2285E3D}">
-      <dgm:prSet/>
-      <dgm:spPr/>
-      <dgm:t>
-        <a:bodyPr/>
-        <a:lstStyle/>
-        <a:p>
-          <a:endParaRPr lang="en-US"/>
-        </a:p>
-      </dgm:t>
-    </dgm:pt>
     <dgm:pt modelId="{12014D8B-EDC6-4113-A55D-307F295388DC}">
       <dgm:prSet phldrT="[Text]"/>
       <dgm:spPr/>
@@ -1367,29 +1071,78 @@
         <a:lstStyle/>
         <a:p>
           <a:r>
-            <a:rPr lang="en-US" dirty="0" err="1"/>
-            <a:t>Filtración</a:t>
+            <a:rPr lang="en-US" dirty="0" smtClean="0"/>
+            <a:t>2.43 </a:t>
           </a:r>
           <a:r>
-            <a:rPr lang="en-US" dirty="0"/>
+            <a:rPr lang="en-US" dirty="0" err="1" smtClean="0"/>
+            <a:t>mmol</a:t>
+          </a:r>
+          <a:r>
+            <a:rPr lang="en-US" dirty="0" smtClean="0"/>
+            <a:t> de </a:t>
+          </a:r>
+          <a:r>
+            <a:rPr lang="en-US" dirty="0" err="1" smtClean="0"/>
+            <a:t>ciclohexeno</a:t>
+          </a:r>
+          <a:r>
+            <a:rPr lang="en-US" dirty="0" smtClean="0"/>
+            <a:t> y 2.67 </a:t>
+          </a:r>
+          <a:r>
+            <a:rPr lang="en-US" dirty="0" err="1" smtClean="0"/>
+            <a:t>mmol</a:t>
+          </a:r>
+          <a:r>
+            <a:rPr lang="en-US" dirty="0" smtClean="0"/>
+            <a:t> de PPh</a:t>
+          </a:r>
+          <a:r>
+            <a:rPr lang="en-US" baseline="-25000" dirty="0" smtClean="0"/>
+            <a:t>3</a:t>
+          </a:r>
+          <a:r>
+            <a:rPr lang="en-US" baseline="0" dirty="0" smtClean="0"/>
+            <a:t>. </a:t>
+          </a:r>
+          <a:r>
+            <a:rPr lang="en-US" baseline="0" dirty="0" err="1" smtClean="0"/>
+            <a:t>En</a:t>
+          </a:r>
+          <a:r>
+            <a:rPr lang="en-US" baseline="0" dirty="0" smtClean="0"/>
+            <a:t> 16.0 mL de CH</a:t>
+          </a:r>
+          <a:r>
+            <a:rPr lang="en-US" baseline="-25000" dirty="0" smtClean="0"/>
+            <a:t>2</a:t>
+          </a:r>
+          <a:r>
+            <a:rPr lang="en-US" baseline="0" dirty="0" smtClean="0"/>
+            <a:t>Cl</a:t>
+          </a:r>
+          <a:r>
+            <a:rPr lang="en-US" baseline="-25000" dirty="0" smtClean="0"/>
+            <a:t>2</a:t>
+          </a:r>
+          <a:r>
+            <a:rPr lang="en-US" baseline="0" dirty="0" smtClean="0"/>
+            <a:t> y 4.0 </a:t>
+          </a:r>
+          <a:r>
+            <a:rPr lang="en-US" baseline="0" dirty="0" err="1" smtClean="0"/>
+            <a:t>MeOH</a:t>
+          </a:r>
+          <a:r>
+            <a:rPr lang="en-US" baseline="0" dirty="0" smtClean="0"/>
             <a:t> </a:t>
           </a:r>
           <a:r>
-            <a:rPr lang="en-US" dirty="0" err="1"/>
-            <a:t>en</a:t>
+            <a:rPr lang="en-US" baseline="0" dirty="0" err="1" smtClean="0"/>
+            <a:t>mL.</a:t>
           </a:r>
-          <a:r>
-            <a:rPr lang="en-US" dirty="0"/>
-            <a:t> </a:t>
-          </a:r>
-          <a:r>
-            <a:rPr lang="en-US" dirty="0" err="1"/>
-            <a:t>celita</a:t>
-          </a:r>
-          <a:r>
-            <a:rPr lang="en-US" dirty="0"/>
-            <a:t>.</a:t>
-          </a:r>
+          <a:endParaRPr lang="en-US" baseline="0" dirty="0"/>
         </a:p>
       </dgm:t>
     </dgm:pt>
@@ -1415,238 +1168,6 @@
         </a:p>
       </dgm:t>
     </dgm:pt>
-    <dgm:pt modelId="{34D73D66-79D9-44E0-A536-B42CAFE66938}">
-      <dgm:prSet phldrT="[Text]"/>
-      <dgm:spPr/>
-      <dgm:t>
-        <a:bodyPr/>
-        <a:lstStyle/>
-        <a:p>
-          <a:r>
-            <a:rPr lang="en-US" dirty="0" err="1"/>
-            <a:t>Extracción</a:t>
-          </a:r>
-          <a:r>
-            <a:rPr lang="en-US" dirty="0"/>
-            <a:t> </a:t>
-          </a:r>
-          <a:r>
-            <a:rPr lang="en-US" dirty="0" err="1"/>
-            <a:t>líquido</a:t>
-          </a:r>
-          <a:r>
-            <a:rPr lang="en-US" dirty="0"/>
-            <a:t> </a:t>
-          </a:r>
-          <a:r>
-            <a:rPr lang="en-US" dirty="0" err="1"/>
-            <a:t>líquido</a:t>
-          </a:r>
-          <a:r>
-            <a:rPr lang="en-US" dirty="0"/>
-            <a:t> con dos </a:t>
-          </a:r>
-          <a:r>
-            <a:rPr lang="en-US" dirty="0" err="1"/>
-            <a:t>lavados</a:t>
-          </a:r>
-          <a:r>
-            <a:rPr lang="en-US" dirty="0"/>
-            <a:t> de CH</a:t>
-          </a:r>
-          <a:r>
-            <a:rPr lang="en-US" baseline="-25000" dirty="0"/>
-            <a:t>2</a:t>
-          </a:r>
-          <a:r>
-            <a:rPr lang="en-US" dirty="0"/>
-            <a:t>Cl</a:t>
-          </a:r>
-          <a:r>
-            <a:rPr lang="en-US" baseline="-25000" dirty="0"/>
-            <a:t>2 </a:t>
-          </a:r>
-          <a:r>
-            <a:rPr lang="en-US" dirty="0"/>
-            <a:t>y </a:t>
-          </a:r>
-          <a:r>
-            <a:rPr lang="en-US" dirty="0" err="1"/>
-            <a:t>una</a:t>
-          </a:r>
-          <a:r>
-            <a:rPr lang="en-US" dirty="0"/>
-            <a:t> </a:t>
-          </a:r>
-          <a:r>
-            <a:rPr lang="en-US" dirty="0" err="1"/>
-            <a:t>solución</a:t>
-          </a:r>
-          <a:r>
-            <a:rPr lang="en-US" dirty="0"/>
-            <a:t> </a:t>
-          </a:r>
-          <a:r>
-            <a:rPr lang="en-US" dirty="0" err="1"/>
-            <a:t>saturada</a:t>
-          </a:r>
-          <a:r>
-            <a:rPr lang="en-US" dirty="0"/>
-            <a:t> de </a:t>
-          </a:r>
-          <a:r>
-            <a:rPr lang="en-US" dirty="0" err="1"/>
-            <a:t>NaCl</a:t>
-          </a:r>
-          <a:r>
-            <a:rPr lang="en-US" dirty="0"/>
-            <a:t>.</a:t>
-          </a:r>
-        </a:p>
-      </dgm:t>
-    </dgm:pt>
-    <dgm:pt modelId="{F0388E59-CEB7-4AEA-BDC1-ADED54DA333D}" type="parTrans" cxnId="{46EF9E14-AD17-41EF-B5A0-DD54E9755ED5}">
-      <dgm:prSet/>
-      <dgm:spPr/>
-      <dgm:t>
-        <a:bodyPr/>
-        <a:lstStyle/>
-        <a:p>
-          <a:endParaRPr lang="en-US"/>
-        </a:p>
-      </dgm:t>
-    </dgm:pt>
-    <dgm:pt modelId="{6EEA123E-5687-458A-8AE6-C7C9A7697809}" type="sibTrans" cxnId="{46EF9E14-AD17-41EF-B5A0-DD54E9755ED5}">
-      <dgm:prSet/>
-      <dgm:spPr/>
-      <dgm:t>
-        <a:bodyPr/>
-        <a:lstStyle/>
-        <a:p>
-          <a:endParaRPr lang="en-US"/>
-        </a:p>
-      </dgm:t>
-    </dgm:pt>
-    <dgm:pt modelId="{D73189AA-D988-417B-94F5-7092051280CE}">
-      <dgm:prSet phldrT="[Text]"/>
-      <dgm:spPr/>
-      <dgm:t>
-        <a:bodyPr/>
-        <a:lstStyle/>
-        <a:p>
-          <a:r>
-            <a:rPr lang="en-US" dirty="0" err="1"/>
-            <a:t>Adición</a:t>
-          </a:r>
-          <a:r>
-            <a:rPr lang="en-US" dirty="0"/>
-            <a:t> de 5.0 </a:t>
-          </a:r>
-          <a:r>
-            <a:rPr lang="en-US" dirty="0" err="1"/>
-            <a:t>mmol</a:t>
-          </a:r>
-          <a:r>
-            <a:rPr lang="en-US" dirty="0"/>
-            <a:t> de p-</a:t>
-          </a:r>
-          <a:r>
-            <a:rPr lang="en-US" dirty="0" err="1"/>
-            <a:t>metoxibenzaldehído</a:t>
-          </a:r>
-          <a:r>
-            <a:rPr lang="en-US" dirty="0"/>
-            <a:t>.</a:t>
-          </a:r>
-        </a:p>
-      </dgm:t>
-    </dgm:pt>
-    <dgm:pt modelId="{73F2910F-BBCE-4E06-8809-83EB9C8E8C03}" type="parTrans" cxnId="{CB723A0A-C2FA-4EC2-92A5-27CA7ACD8CE7}">
-      <dgm:prSet/>
-      <dgm:spPr/>
-      <dgm:t>
-        <a:bodyPr/>
-        <a:lstStyle/>
-        <a:p>
-          <a:endParaRPr lang="en-US"/>
-        </a:p>
-      </dgm:t>
-    </dgm:pt>
-    <dgm:pt modelId="{5A54F43A-3652-4A0D-B53E-416F8C440FEC}" type="sibTrans" cxnId="{CB723A0A-C2FA-4EC2-92A5-27CA7ACD8CE7}">
-      <dgm:prSet/>
-      <dgm:spPr/>
-      <dgm:t>
-        <a:bodyPr/>
-        <a:lstStyle/>
-        <a:p>
-          <a:endParaRPr lang="en-US"/>
-        </a:p>
-      </dgm:t>
-    </dgm:pt>
-    <dgm:pt modelId="{314732FA-7173-4D6E-9DD4-39E40D3D5100}">
-      <dgm:prSet phldrT="[Text]"/>
-      <dgm:spPr/>
-      <dgm:t>
-        <a:bodyPr/>
-        <a:lstStyle/>
-        <a:p>
-          <a:r>
-            <a:rPr lang="en-US" dirty="0" err="1"/>
-            <a:t>Reacción</a:t>
-          </a:r>
-          <a:r>
-            <a:rPr lang="en-US" dirty="0"/>
-            <a:t> a 55 °C </a:t>
-          </a:r>
-          <a:r>
-            <a:rPr lang="en-US" dirty="0" err="1"/>
-            <a:t>en</a:t>
-          </a:r>
-          <a:r>
-            <a:rPr lang="en-US" dirty="0"/>
-            <a:t> N</a:t>
-          </a:r>
-          <a:r>
-            <a:rPr lang="en-US" baseline="-25000" dirty="0"/>
-            <a:t>2</a:t>
-          </a:r>
-          <a:r>
-            <a:rPr lang="en-US" dirty="0"/>
-            <a:t> </a:t>
-          </a:r>
-          <a:r>
-            <a:rPr lang="en-US" dirty="0" err="1"/>
-            <a:t>por</a:t>
-          </a:r>
-          <a:r>
-            <a:rPr lang="en-US" dirty="0"/>
-            <a:t> 18 horas.</a:t>
-          </a:r>
-        </a:p>
-      </dgm:t>
-    </dgm:pt>
-    <dgm:pt modelId="{70C94DE7-1F9C-4C58-9143-B6C83075E39D}" type="parTrans" cxnId="{314E3CCA-08E0-4E0C-BE87-B311CA2AE5B2}">
-      <dgm:prSet/>
-      <dgm:spPr/>
-      <dgm:t>
-        <a:bodyPr/>
-        <a:lstStyle/>
-        <a:p>
-          <a:endParaRPr lang="en-US"/>
-        </a:p>
-      </dgm:t>
-    </dgm:pt>
-    <dgm:pt modelId="{BEF6873E-1104-46B9-A9CE-73B09DB993FA}" type="sibTrans" cxnId="{314E3CCA-08E0-4E0C-BE87-B311CA2AE5B2}">
-      <dgm:prSet/>
-      <dgm:spPr/>
-      <dgm:t>
-        <a:bodyPr/>
-        <a:lstStyle/>
-        <a:p>
-          <a:endParaRPr lang="en-US"/>
-        </a:p>
-      </dgm:t>
-    </dgm:pt>
     <dgm:pt modelId="{CEF33A41-439F-44E3-817B-B24E2F03C884}">
       <dgm:prSet phldrT="[Text]"/>
       <dgm:spPr/>
@@ -1655,21 +1176,10 @@
         <a:lstStyle/>
         <a:p>
           <a:r>
-            <a:rPr lang="en-US" dirty="0" err="1"/>
-            <a:t>Adición</a:t>
+            <a:rPr lang="en-US" b="1" dirty="0" err="1" smtClean="0"/>
+            <a:t>Preparación</a:t>
           </a:r>
-          <a:r>
-            <a:rPr lang="en-US" dirty="0"/>
-            <a:t> de 50 mL de </a:t>
-          </a:r>
-          <a:r>
-            <a:rPr lang="en-US" dirty="0" err="1"/>
-            <a:t>HCl</a:t>
-          </a:r>
-          <a:r>
-            <a:rPr lang="en-US" dirty="0"/>
-            <a:t> 1 M.</a:t>
-          </a:r>
+          <a:endParaRPr lang="en-US" dirty="0"/>
         </a:p>
       </dgm:t>
     </dgm:pt>
@@ -1685,78 +1195,6 @@
       </dgm:t>
     </dgm:pt>
     <dgm:pt modelId="{297C0078-0AC3-4F92-8AEB-A24346665A31}" type="sibTrans" cxnId="{3178A012-5864-4607-8CB5-618C68D46867}">
-      <dgm:prSet/>
-      <dgm:spPr/>
-      <dgm:t>
-        <a:bodyPr/>
-        <a:lstStyle/>
-        <a:p>
-          <a:endParaRPr lang="en-US"/>
-        </a:p>
-      </dgm:t>
-    </dgm:pt>
-    <dgm:pt modelId="{C91A23EB-ECA0-4253-B00E-39006246EB40}">
-      <dgm:prSet phldrT="[Text]"/>
-      <dgm:spPr/>
-      <dgm:t>
-        <a:bodyPr/>
-        <a:lstStyle/>
-        <a:p>
-          <a:r>
-            <a:rPr lang="en-US" dirty="0" err="1"/>
-            <a:t>Secado</a:t>
-          </a:r>
-          <a:r>
-            <a:rPr lang="en-US" dirty="0"/>
-            <a:t> </a:t>
-          </a:r>
-          <a:r>
-            <a:rPr lang="en-US" dirty="0" err="1"/>
-            <a:t>en</a:t>
-          </a:r>
-          <a:r>
-            <a:rPr lang="en-US" dirty="0"/>
-            <a:t> </a:t>
-          </a:r>
-          <a:r>
-            <a:rPr lang="en-US" dirty="0" err="1"/>
-            <a:t>sulfato</a:t>
-          </a:r>
-          <a:r>
-            <a:rPr lang="en-US" dirty="0"/>
-            <a:t> de </a:t>
-          </a:r>
-          <a:r>
-            <a:rPr lang="en-US" dirty="0" err="1"/>
-            <a:t>magnesio</a:t>
-          </a:r>
-          <a:r>
-            <a:rPr lang="en-US" dirty="0"/>
-            <a:t> y </a:t>
-          </a:r>
-          <a:r>
-            <a:rPr lang="en-US" dirty="0" err="1"/>
-            <a:t>rotaevaporación</a:t>
-          </a:r>
-          <a:r>
-            <a:rPr lang="en-US" dirty="0"/>
-            <a:t>.</a:t>
-          </a:r>
-        </a:p>
-      </dgm:t>
-    </dgm:pt>
-    <dgm:pt modelId="{8C4679DF-0AE3-4693-A70C-40D2F5DCD030}" type="parTrans" cxnId="{F3C0DE8B-9B4F-4059-A563-AEFEA4A92836}">
-      <dgm:prSet/>
-      <dgm:spPr/>
-      <dgm:t>
-        <a:bodyPr/>
-        <a:lstStyle/>
-        <a:p>
-          <a:endParaRPr lang="en-US"/>
-        </a:p>
-      </dgm:t>
-    </dgm:pt>
-    <dgm:pt modelId="{30CDD7D6-F524-4969-86C8-95A543BAE485}" type="sibTrans" cxnId="{F3C0DE8B-9B4F-4059-A563-AEFEA4A92836}">
       <dgm:prSet/>
       <dgm:spPr/>
       <dgm:t>
@@ -1857,8 +1295,13 @@
           </a:r>
           <a:r>
             <a:rPr lang="en-US" b="0" dirty="0"/>
-            <a:t> (4:6)</a:t>
+            <a:t> </a:t>
           </a:r>
+          <a:r>
+            <a:rPr lang="en-US" b="0" dirty="0" smtClean="0"/>
+            <a:t>(1:1)</a:t>
+          </a:r>
+          <a:endParaRPr lang="en-US" b="0" dirty="0"/>
         </a:p>
       </dgm:t>
     </dgm:pt>
@@ -1897,8 +1340,21 @@
           </a:r>
           <a:r>
             <a:rPr lang="en-US" b="0" dirty="0"/>
-            <a:t> 3 a 6.</a:t>
+            <a:t> </a:t>
           </a:r>
+          <a:r>
+            <a:rPr lang="en-US" b="0" dirty="0" smtClean="0"/>
+            <a:t>6 </a:t>
+          </a:r>
+          <a:r>
+            <a:rPr lang="en-US" b="0" dirty="0"/>
+            <a:t>a </a:t>
+          </a:r>
+          <a:r>
+            <a:rPr lang="en-US" b="0" dirty="0" smtClean="0"/>
+            <a:t>13.</a:t>
+          </a:r>
+          <a:endParaRPr lang="en-US" b="0" dirty="0"/>
         </a:p>
       </dgm:t>
     </dgm:pt>
@@ -1924,6 +1380,210 @@
         </a:p>
       </dgm:t>
     </dgm:pt>
+    <dgm:pt modelId="{C3E941DF-7C21-4DBF-AED3-936D92CE5C1E}">
+      <dgm:prSet phldrT="[Text]"/>
+      <dgm:spPr/>
+      <dgm:t>
+        <a:bodyPr/>
+        <a:lstStyle/>
+        <a:p>
+          <a:endParaRPr lang="en-US" baseline="0" dirty="0"/>
+        </a:p>
+      </dgm:t>
+    </dgm:pt>
+    <dgm:pt modelId="{3202FB60-2AB7-48B2-B54F-521BAD222977}" type="parTrans" cxnId="{574B2367-3555-4399-97B8-A6039BDC15C8}">
+      <dgm:prSet/>
+      <dgm:spPr/>
+      <dgm:t>
+        <a:bodyPr/>
+        <a:lstStyle/>
+        <a:p>
+          <a:endParaRPr lang="es-CO"/>
+        </a:p>
+      </dgm:t>
+    </dgm:pt>
+    <dgm:pt modelId="{1AE5B292-5E83-470A-B1AB-946952A440BD}" type="sibTrans" cxnId="{574B2367-3555-4399-97B8-A6039BDC15C8}">
+      <dgm:prSet/>
+      <dgm:spPr/>
+      <dgm:t>
+        <a:bodyPr/>
+        <a:lstStyle/>
+        <a:p>
+          <a:endParaRPr lang="es-CO"/>
+        </a:p>
+      </dgm:t>
+    </dgm:pt>
+    <dgm:pt modelId="{DB2E4BE8-6856-4A1C-8A92-A1A36B6EECF1}">
+      <dgm:prSet phldrT="[Text]"/>
+      <dgm:spPr/>
+      <dgm:t>
+        <a:bodyPr/>
+        <a:lstStyle/>
+        <a:p>
+          <a:r>
+            <a:rPr lang="en-US" baseline="0" dirty="0" err="1" smtClean="0"/>
+            <a:t>Enfriamiento</a:t>
+          </a:r>
+          <a:r>
+            <a:rPr lang="en-US" baseline="0" dirty="0" smtClean="0"/>
+            <a:t> -78 °C, </a:t>
+          </a:r>
+          <a:r>
+            <a:rPr lang="en-US" baseline="0" dirty="0" err="1" smtClean="0"/>
+            <a:t>burbujeo</a:t>
+          </a:r>
+          <a:r>
+            <a:rPr lang="en-US" baseline="0" dirty="0" smtClean="0"/>
+            <a:t> de </a:t>
+          </a:r>
+          <a:r>
+            <a:rPr lang="en-US" baseline="0" dirty="0" err="1" smtClean="0"/>
+            <a:t>ozono</a:t>
+          </a:r>
+          <a:r>
+            <a:rPr lang="en-US" baseline="0" dirty="0" smtClean="0"/>
+            <a:t> a 30 </a:t>
+          </a:r>
+          <a:r>
+            <a:rPr lang="en-US" baseline="0" dirty="0" err="1" smtClean="0"/>
+            <a:t>vatios</a:t>
+          </a:r>
+          <a:r>
+            <a:rPr lang="en-US" baseline="0" dirty="0" smtClean="0"/>
+            <a:t>.</a:t>
+          </a:r>
+          <a:endParaRPr lang="en-US" baseline="0" dirty="0"/>
+        </a:p>
+      </dgm:t>
+    </dgm:pt>
+    <dgm:pt modelId="{A5DD16F8-BF40-419A-B465-2A6C866E7C5D}" type="parTrans" cxnId="{7E0D92B7-BB6A-4BE4-9799-082E14B27E5F}">
+      <dgm:prSet/>
+      <dgm:spPr/>
+      <dgm:t>
+        <a:bodyPr/>
+        <a:lstStyle/>
+        <a:p>
+          <a:endParaRPr lang="es-CO"/>
+        </a:p>
+      </dgm:t>
+    </dgm:pt>
+    <dgm:pt modelId="{1F0C3524-02B8-4C94-84CC-145669F3332B}" type="sibTrans" cxnId="{7E0D92B7-BB6A-4BE4-9799-082E14B27E5F}">
+      <dgm:prSet/>
+      <dgm:spPr/>
+      <dgm:t>
+        <a:bodyPr/>
+        <a:lstStyle/>
+        <a:p>
+          <a:endParaRPr lang="es-CO"/>
+        </a:p>
+      </dgm:t>
+    </dgm:pt>
+    <dgm:pt modelId="{D777E63F-1A59-4210-9C50-D2B20C4DAE04}">
+      <dgm:prSet phldrT="[Text]"/>
+      <dgm:spPr/>
+      <dgm:t>
+        <a:bodyPr/>
+        <a:lstStyle/>
+        <a:p>
+          <a:r>
+            <a:rPr lang="en-US" baseline="0" dirty="0" err="1" smtClean="0"/>
+            <a:t>Burbujeo</a:t>
+          </a:r>
+          <a:r>
+            <a:rPr lang="en-US" baseline="0" dirty="0" smtClean="0"/>
+            <a:t> de </a:t>
+          </a:r>
+          <a:r>
+            <a:rPr lang="en-US" baseline="0" dirty="0" err="1" smtClean="0"/>
+            <a:t>oxígeno</a:t>
+          </a:r>
+          <a:r>
+            <a:rPr lang="en-US" baseline="0" dirty="0" smtClean="0"/>
+            <a:t>.</a:t>
+          </a:r>
+          <a:endParaRPr lang="en-US" baseline="0" dirty="0"/>
+        </a:p>
+      </dgm:t>
+    </dgm:pt>
+    <dgm:pt modelId="{17E6A702-2889-47F7-AFDC-2F53B5F3B09E}" type="parTrans" cxnId="{E99434DC-567C-4403-89AF-9312D64B8D0E}">
+      <dgm:prSet/>
+      <dgm:spPr/>
+      <dgm:t>
+        <a:bodyPr/>
+        <a:lstStyle/>
+        <a:p>
+          <a:endParaRPr lang="es-CO"/>
+        </a:p>
+      </dgm:t>
+    </dgm:pt>
+    <dgm:pt modelId="{73B2F5C3-950B-41C6-A9F8-4879E743CB21}" type="sibTrans" cxnId="{E99434DC-567C-4403-89AF-9312D64B8D0E}">
+      <dgm:prSet/>
+      <dgm:spPr/>
+      <dgm:t>
+        <a:bodyPr/>
+        <a:lstStyle/>
+        <a:p>
+          <a:endParaRPr lang="es-CO"/>
+        </a:p>
+      </dgm:t>
+    </dgm:pt>
+    <dgm:pt modelId="{CEC835F0-4455-44AD-8861-C3895FCF8F56}">
+      <dgm:prSet phldrT="[Text]"/>
+      <dgm:spPr/>
+      <dgm:t>
+        <a:bodyPr/>
+        <a:lstStyle/>
+        <a:p>
+          <a:r>
+            <a:rPr lang="en-US" baseline="0" dirty="0" err="1" smtClean="0"/>
+            <a:t>Calentamiento</a:t>
+          </a:r>
+          <a:r>
+            <a:rPr lang="en-US" baseline="0" dirty="0" smtClean="0"/>
+            <a:t> a </a:t>
+          </a:r>
+          <a:r>
+            <a:rPr lang="en-US" baseline="0" dirty="0" err="1" smtClean="0"/>
+            <a:t>temperatura</a:t>
+          </a:r>
+          <a:r>
+            <a:rPr lang="en-US" baseline="0" dirty="0" smtClean="0"/>
+            <a:t> </a:t>
+          </a:r>
+          <a:r>
+            <a:rPr lang="en-US" baseline="0" dirty="0" err="1" smtClean="0"/>
+            <a:t>ambiente</a:t>
+          </a:r>
+          <a:r>
+            <a:rPr lang="en-US" baseline="0" dirty="0" smtClean="0"/>
+            <a:t>.</a:t>
+          </a:r>
+          <a:endParaRPr lang="en-US" baseline="0" dirty="0"/>
+        </a:p>
+      </dgm:t>
+    </dgm:pt>
+    <dgm:pt modelId="{6EF2BC56-ECEB-475E-9CD7-7C8129829F17}" type="parTrans" cxnId="{42DCC93F-8A8C-40C7-BA60-E3DA05FF8C55}">
+      <dgm:prSet/>
+      <dgm:spPr/>
+      <dgm:t>
+        <a:bodyPr/>
+        <a:lstStyle/>
+        <a:p>
+          <a:endParaRPr lang="es-CO"/>
+        </a:p>
+      </dgm:t>
+    </dgm:pt>
+    <dgm:pt modelId="{60E528EF-EA3A-43CF-8C89-D81E97DDC50E}" type="sibTrans" cxnId="{42DCC93F-8A8C-40C7-BA60-E3DA05FF8C55}">
+      <dgm:prSet/>
+      <dgm:spPr/>
+      <dgm:t>
+        <a:bodyPr/>
+        <a:lstStyle/>
+        <a:p>
+          <a:endParaRPr lang="es-CO"/>
+        </a:p>
+      </dgm:t>
+    </dgm:pt>
     <dgm:pt modelId="{0EF8465C-2D77-4D72-BA28-819FBB595FE3}" type="pres">
       <dgm:prSet presAssocID="{C27DDAE6-D76A-4CEB-8720-865545EF0E06}" presName="linearFlow" presStyleCnt="0">
         <dgm:presLayoutVars>
@@ -1933,80 +1593,51 @@
         </dgm:presLayoutVars>
       </dgm:prSet>
       <dgm:spPr/>
+      <dgm:t>
+        <a:bodyPr/>
+        <a:lstStyle/>
+        <a:p>
+          <a:endParaRPr lang="es-CO"/>
+        </a:p>
+      </dgm:t>
     </dgm:pt>
-    <dgm:pt modelId="{4ACF77EA-3FCA-4951-A887-AB3AAEB855AF}" type="pres">
-      <dgm:prSet presAssocID="{A70723DE-A2A0-4127-B1D4-C85B1D90FDB1}" presName="composite" presStyleCnt="0"/>
+    <dgm:pt modelId="{8708670F-BD97-49DB-BCFA-38332917EC84}" type="pres">
+      <dgm:prSet presAssocID="{CEF33A41-439F-44E3-817B-B24E2F03C884}" presName="composite" presStyleCnt="0"/>
       <dgm:spPr/>
     </dgm:pt>
-    <dgm:pt modelId="{8D449E2F-AC45-4D53-89CB-245FA3F05FF3}" type="pres">
-      <dgm:prSet presAssocID="{A70723DE-A2A0-4127-B1D4-C85B1D90FDB1}" presName="parentText" presStyleLbl="alignNode1" presStyleIdx="0" presStyleCnt="4">
+    <dgm:pt modelId="{6F61B035-F3EF-4DA6-A9AA-DAC8ABF8CDD4}" type="pres">
+      <dgm:prSet presAssocID="{CEF33A41-439F-44E3-817B-B24E2F03C884}" presName="parentText" presStyleLbl="alignNode1" presStyleIdx="0" presStyleCnt="2">
         <dgm:presLayoutVars>
           <dgm:chMax val="1"/>
           <dgm:bulletEnabled val="1"/>
         </dgm:presLayoutVars>
       </dgm:prSet>
       <dgm:spPr/>
+      <dgm:t>
+        <a:bodyPr/>
+        <a:lstStyle/>
+        <a:p>
+          <a:endParaRPr lang="es-CO"/>
+        </a:p>
+      </dgm:t>
     </dgm:pt>
-    <dgm:pt modelId="{9B16637D-924D-44FA-BB5A-5D05FA56AF04}" type="pres">
-      <dgm:prSet presAssocID="{A70723DE-A2A0-4127-B1D4-C85B1D90FDB1}" presName="descendantText" presStyleLbl="alignAcc1" presStyleIdx="0" presStyleCnt="4" custScaleY="100000">
+    <dgm:pt modelId="{03162247-231A-4F0A-8BDE-BE7299F063C6}" type="pres">
+      <dgm:prSet presAssocID="{CEF33A41-439F-44E3-817B-B24E2F03C884}" presName="descendantText" presStyleLbl="alignAcc1" presStyleIdx="0" presStyleCnt="2">
         <dgm:presLayoutVars>
           <dgm:bulletEnabled val="1"/>
         </dgm:presLayoutVars>
       </dgm:prSet>
       <dgm:spPr/>
+      <dgm:t>
+        <a:bodyPr/>
+        <a:lstStyle/>
+        <a:p>
+          <a:endParaRPr lang="es-CO"/>
+        </a:p>
+      </dgm:t>
     </dgm:pt>
-    <dgm:pt modelId="{ABB3EC4E-C84C-49B8-94A7-3DBD49C403D3}" type="pres">
-      <dgm:prSet presAssocID="{A5153C8C-5C5D-4104-9C6C-7257FDCBF23B}" presName="sp" presStyleCnt="0"/>
-      <dgm:spPr/>
-    </dgm:pt>
-    <dgm:pt modelId="{69A65502-C5BD-4C0C-BE62-0991B819813A}" type="pres">
-      <dgm:prSet presAssocID="{FCDB82CE-2D57-46EC-99A3-E4FD195FA563}" presName="composite" presStyleCnt="0"/>
-      <dgm:spPr/>
-    </dgm:pt>
-    <dgm:pt modelId="{31A02029-CFE8-4458-9EA4-A164B81BFEF9}" type="pres">
-      <dgm:prSet presAssocID="{FCDB82CE-2D57-46EC-99A3-E4FD195FA563}" presName="parentText" presStyleLbl="alignNode1" presStyleIdx="1" presStyleCnt="4" custScaleY="99159">
-        <dgm:presLayoutVars>
-          <dgm:chMax val="1"/>
-          <dgm:bulletEnabled val="1"/>
-        </dgm:presLayoutVars>
-      </dgm:prSet>
-      <dgm:spPr/>
-    </dgm:pt>
-    <dgm:pt modelId="{F39690DC-D152-46E6-9FA5-FE3F8986CE81}" type="pres">
-      <dgm:prSet presAssocID="{FCDB82CE-2D57-46EC-99A3-E4FD195FA563}" presName="descendantText" presStyleLbl="alignAcc1" presStyleIdx="1" presStyleCnt="4" custScaleY="123163">
-        <dgm:presLayoutVars>
-          <dgm:bulletEnabled val="1"/>
-        </dgm:presLayoutVars>
-      </dgm:prSet>
-      <dgm:spPr/>
-    </dgm:pt>
-    <dgm:pt modelId="{C8D2D1E2-3229-4C20-95E6-9F97F88A2F00}" type="pres">
-      <dgm:prSet presAssocID="{457C7131-7CA8-4CCC-906A-B5E71FD9FA16}" presName="sp" presStyleCnt="0"/>
-      <dgm:spPr/>
-    </dgm:pt>
-    <dgm:pt modelId="{CFCC1727-D0D8-49F5-8E07-F38796A629EE}" type="pres">
-      <dgm:prSet presAssocID="{9AA255C3-C9EE-4048-A9D0-92A8D6006465}" presName="composite" presStyleCnt="0"/>
-      <dgm:spPr/>
-    </dgm:pt>
-    <dgm:pt modelId="{203C28E5-6D32-4F13-93D9-344BEE5A8FB4}" type="pres">
-      <dgm:prSet presAssocID="{9AA255C3-C9EE-4048-A9D0-92A8D6006465}" presName="parentText" presStyleLbl="alignNode1" presStyleIdx="2" presStyleCnt="4">
-        <dgm:presLayoutVars>
-          <dgm:chMax val="1"/>
-          <dgm:bulletEnabled val="1"/>
-        </dgm:presLayoutVars>
-      </dgm:prSet>
-      <dgm:spPr/>
-    </dgm:pt>
-    <dgm:pt modelId="{7D83A7F7-A0B4-4E24-A9A9-741E66AEB222}" type="pres">
-      <dgm:prSet presAssocID="{9AA255C3-C9EE-4048-A9D0-92A8D6006465}" presName="descendantText" presStyleLbl="alignAcc1" presStyleIdx="2" presStyleCnt="4">
-        <dgm:presLayoutVars>
-          <dgm:bulletEnabled val="1"/>
-        </dgm:presLayoutVars>
-      </dgm:prSet>
-      <dgm:spPr/>
-    </dgm:pt>
-    <dgm:pt modelId="{1D6EA489-5AD7-487D-8107-0A9FA1FAD3B3}" type="pres">
-      <dgm:prSet presAssocID="{0438340C-6374-4951-8FF0-84A078F6395E}" presName="sp" presStyleCnt="0"/>
+    <dgm:pt modelId="{F044F7DF-A8BB-43FA-8717-EDB7C5072665}" type="pres">
+      <dgm:prSet presAssocID="{297C0078-0AC3-4F92-8AEB-A24346665A31}" presName="sp" presStyleCnt="0"/>
       <dgm:spPr/>
     </dgm:pt>
     <dgm:pt modelId="{6E383012-809C-4132-82FC-4C21EAC86156}" type="pres">
@@ -2014,68 +1645,62 @@
       <dgm:spPr/>
     </dgm:pt>
     <dgm:pt modelId="{DF990E23-59F4-43AF-A899-39184D358677}" type="pres">
-      <dgm:prSet presAssocID="{8DA02B0A-F09A-4CC3-97EA-15364136EE53}" presName="parentText" presStyleLbl="alignNode1" presStyleIdx="3" presStyleCnt="4">
+      <dgm:prSet presAssocID="{8DA02B0A-F09A-4CC3-97EA-15364136EE53}" presName="parentText" presStyleLbl="alignNode1" presStyleIdx="1" presStyleCnt="2">
         <dgm:presLayoutVars>
           <dgm:chMax val="1"/>
           <dgm:bulletEnabled val="1"/>
         </dgm:presLayoutVars>
       </dgm:prSet>
       <dgm:spPr/>
+      <dgm:t>
+        <a:bodyPr/>
+        <a:lstStyle/>
+        <a:p>
+          <a:endParaRPr lang="es-CO"/>
+        </a:p>
+      </dgm:t>
     </dgm:pt>
     <dgm:pt modelId="{56D5EFD3-3431-4ABB-9328-4E7C91EAD593}" type="pres">
-      <dgm:prSet presAssocID="{8DA02B0A-F09A-4CC3-97EA-15364136EE53}" presName="descendantText" presStyleLbl="alignAcc1" presStyleIdx="3" presStyleCnt="4">
+      <dgm:prSet presAssocID="{8DA02B0A-F09A-4CC3-97EA-15364136EE53}" presName="descendantText" presStyleLbl="alignAcc1" presStyleIdx="1" presStyleCnt="2">
         <dgm:presLayoutVars>
           <dgm:bulletEnabled val="1"/>
         </dgm:presLayoutVars>
       </dgm:prSet>
       <dgm:spPr/>
+      <dgm:t>
+        <a:bodyPr/>
+        <a:lstStyle/>
+        <a:p>
+          <a:endParaRPr lang="es-CO"/>
+        </a:p>
+      </dgm:t>
     </dgm:pt>
   </dgm:ptLst>
   <dgm:cxnLst>
     <dgm:cxn modelId="{AAAF4403-1467-4E3A-BE41-7FEB4953B3CE}" srcId="{8DA02B0A-F09A-4CC3-97EA-15364136EE53}" destId="{B1A5CD55-6F8D-4513-8AD3-4BDA9EDE3F94}" srcOrd="1" destOrd="0" parTransId="{5924716F-39C2-4F4C-B0E1-566789902745}" sibTransId="{9C4F9D2F-42EC-4D1F-9A01-E8E898928C1F}"/>
+    <dgm:cxn modelId="{0B7E607A-4D3F-4C3D-A30C-6B730F4DD3CC}" type="presOf" srcId="{CEC835F0-4455-44AD-8861-C3895FCF8F56}" destId="{03162247-231A-4F0A-8BDE-BE7299F063C6}" srcOrd="0" destOrd="3" presId="urn:microsoft.com/office/officeart/2005/8/layout/chevron2"/>
     <dgm:cxn modelId="{C49FE503-B94E-49CC-93E5-9B5F2BD59773}" type="presOf" srcId="{C27DDAE6-D76A-4CEB-8720-865545EF0E06}" destId="{0EF8465C-2D77-4D72-BA28-819FBB595FE3}" srcOrd="0" destOrd="0" presId="urn:microsoft.com/office/officeart/2005/8/layout/chevron2"/>
-    <dgm:cxn modelId="{EF182708-B804-4A10-903C-30596C4B7A72}" type="presOf" srcId="{9AA255C3-C9EE-4048-A9D0-92A8D6006465}" destId="{203C28E5-6D32-4F13-93D9-344BEE5A8FB4}" srcOrd="0" destOrd="0" presId="urn:microsoft.com/office/officeart/2005/8/layout/chevron2"/>
-    <dgm:cxn modelId="{CB723A0A-C2FA-4EC2-92A5-27CA7ACD8CE7}" srcId="{FCDB82CE-2D57-46EC-99A3-E4FD195FA563}" destId="{D73189AA-D988-417B-94F5-7092051280CE}" srcOrd="1" destOrd="0" parTransId="{73F2910F-BBCE-4E06-8809-83EB9C8E8C03}" sibTransId="{5A54F43A-3652-4A0D-B53E-416F8C440FEC}"/>
-    <dgm:cxn modelId="{60A4AB0B-DC22-4384-AEDC-8FF7556CE6A2}" srcId="{9AA255C3-C9EE-4048-A9D0-92A8D6006465}" destId="{12014D8B-EDC6-4113-A55D-307F295388DC}" srcOrd="0" destOrd="0" parTransId="{22093B57-DAAB-4209-BB1C-ABE40B149D1B}" sibTransId="{0234D016-EFED-49D5-91B7-4F68B2A66293}"/>
-    <dgm:cxn modelId="{89DCB00E-E129-4322-A588-BCB25D330EA3}" srcId="{C27DDAE6-D76A-4CEB-8720-865545EF0E06}" destId="{FCDB82CE-2D57-46EC-99A3-E4FD195FA563}" srcOrd="1" destOrd="0" parTransId="{08C088A4-C6A1-4A7F-9EF3-8B72DB475F42}" sibTransId="{457C7131-7CA8-4CCC-906A-B5E71FD9FA16}"/>
-    <dgm:cxn modelId="{9081E611-0E27-4773-BC8D-AF43C2285E3D}" srcId="{C27DDAE6-D76A-4CEB-8720-865545EF0E06}" destId="{9AA255C3-C9EE-4048-A9D0-92A8D6006465}" srcOrd="2" destOrd="0" parTransId="{3C537B3B-D1CE-445D-9156-E6FA4CFB9281}" sibTransId="{0438340C-6374-4951-8FF0-84A078F6395E}"/>
-    <dgm:cxn modelId="{3178A012-5864-4607-8CB5-618C68D46867}" srcId="{FCDB82CE-2D57-46EC-99A3-E4FD195FA563}" destId="{CEF33A41-439F-44E3-817B-B24E2F03C884}" srcOrd="2" destOrd="0" parTransId="{9452A6E4-207F-4C49-9627-F7D251AC104B}" sibTransId="{297C0078-0AC3-4F92-8AEB-A24346665A31}"/>
-    <dgm:cxn modelId="{46EF9E14-AD17-41EF-B5A0-DD54E9755ED5}" srcId="{9AA255C3-C9EE-4048-A9D0-92A8D6006465}" destId="{34D73D66-79D9-44E0-A536-B42CAFE66938}" srcOrd="1" destOrd="0" parTransId="{F0388E59-CEB7-4AEA-BDC1-ADED54DA333D}" sibTransId="{6EEA123E-5687-458A-8AE6-C7C9A7697809}"/>
-    <dgm:cxn modelId="{7D051017-C5F4-4F60-8671-AEADC13FD8E8}" type="presOf" srcId="{FCDB82CE-2D57-46EC-99A3-E4FD195FA563}" destId="{31A02029-CFE8-4458-9EA4-A164B81BFEF9}" srcOrd="0" destOrd="0" presId="urn:microsoft.com/office/officeart/2005/8/layout/chevron2"/>
-    <dgm:cxn modelId="{94460E19-3457-4C49-AB4A-A40832EFE8CA}" srcId="{8DA02B0A-F09A-4CC3-97EA-15364136EE53}" destId="{1F20D538-F37A-4CAB-AFA0-C3E32E1AE30A}" srcOrd="0" destOrd="0" parTransId="{CD30DB80-7195-4E5D-9310-E46D907A1FE3}" sibTransId="{777678C3-4CC5-4FCE-9148-C15FA8A4073B}"/>
-    <dgm:cxn modelId="{B93A8A24-9F72-4689-AAFD-7CFDB917B9DA}" srcId="{FCDB82CE-2D57-46EC-99A3-E4FD195FA563}" destId="{A4FF4BE5-22CC-436E-B245-09BF412A9CBA}" srcOrd="0" destOrd="0" parTransId="{B48FA96F-4C30-43F9-85AB-BB9EA5F1374C}" sibTransId="{C49150BE-F26E-4F1F-B077-BD126A9EC485}"/>
-    <dgm:cxn modelId="{F28D2E2D-5ED2-411F-BD1E-E4CD390F1531}" type="presOf" srcId="{A70723DE-A2A0-4127-B1D4-C85B1D90FDB1}" destId="{8D449E2F-AC45-4D53-89CB-245FA3F05FF3}" srcOrd="0" destOrd="0" presId="urn:microsoft.com/office/officeart/2005/8/layout/chevron2"/>
+    <dgm:cxn modelId="{36E04D7D-2D2E-4D81-BC42-77FFDA50A711}" type="presOf" srcId="{DB2E4BE8-6856-4A1C-8A92-A1A36B6EECF1}" destId="{03162247-231A-4F0A-8BDE-BE7299F063C6}" srcOrd="0" destOrd="1" presId="urn:microsoft.com/office/officeart/2005/8/layout/chevron2"/>
+    <dgm:cxn modelId="{100033BB-5481-487D-A994-3BE61506A8E0}" srcId="{C27DDAE6-D76A-4CEB-8720-865545EF0E06}" destId="{8DA02B0A-F09A-4CC3-97EA-15364136EE53}" srcOrd="1" destOrd="0" parTransId="{0BFD2D7D-2843-4790-832C-401F16804F45}" sibTransId="{CF5CFA14-C4CA-4DC2-AC80-F230178C0295}"/>
+    <dgm:cxn modelId="{60A4AB0B-DC22-4384-AEDC-8FF7556CE6A2}" srcId="{CEF33A41-439F-44E3-817B-B24E2F03C884}" destId="{12014D8B-EDC6-4113-A55D-307F295388DC}" srcOrd="0" destOrd="0" parTransId="{22093B57-DAAB-4209-BB1C-ABE40B149D1B}" sibTransId="{0234D016-EFED-49D5-91B7-4F68B2A66293}"/>
+    <dgm:cxn modelId="{7763DB43-1A99-4691-8D7A-2117E075E5BE}" type="presOf" srcId="{12014D8B-EDC6-4113-A55D-307F295388DC}" destId="{03162247-231A-4F0A-8BDE-BE7299F063C6}" srcOrd="0" destOrd="0" presId="urn:microsoft.com/office/officeart/2005/8/layout/chevron2"/>
+    <dgm:cxn modelId="{7E0D92B7-BB6A-4BE4-9799-082E14B27E5F}" srcId="{CEF33A41-439F-44E3-817B-B24E2F03C884}" destId="{DB2E4BE8-6856-4A1C-8A92-A1A36B6EECF1}" srcOrd="1" destOrd="0" parTransId="{A5DD16F8-BF40-419A-B465-2A6C866E7C5D}" sibTransId="{1F0C3524-02B8-4C94-84CC-145669F3332B}"/>
     <dgm:cxn modelId="{865D152F-77AA-42DA-96C2-A0C389475DF2}" type="presOf" srcId="{B1A5CD55-6F8D-4513-8AD3-4BDA9EDE3F94}" destId="{56D5EFD3-3431-4ABB-9328-4E7C91EAD593}" srcOrd="0" destOrd="1" presId="urn:microsoft.com/office/officeart/2005/8/layout/chevron2"/>
     <dgm:cxn modelId="{257FBB40-8A0D-4E16-AB3C-723C2B843191}" type="presOf" srcId="{1F20D538-F37A-4CAB-AFA0-C3E32E1AE30A}" destId="{56D5EFD3-3431-4ABB-9328-4E7C91EAD593}" srcOrd="0" destOrd="0" presId="urn:microsoft.com/office/officeart/2005/8/layout/chevron2"/>
-    <dgm:cxn modelId="{2E707E44-6DAE-4E87-8C2B-823F05FF6C8D}" type="presOf" srcId="{12014D8B-EDC6-4113-A55D-307F295388DC}" destId="{7D83A7F7-A0B4-4E24-A9A9-741E66AEB222}" srcOrd="0" destOrd="0" presId="urn:microsoft.com/office/officeart/2005/8/layout/chevron2"/>
-    <dgm:cxn modelId="{DDE69E44-8D87-43FE-AE98-1FD87E945879}" type="presOf" srcId="{CEF33A41-439F-44E3-817B-B24E2F03C884}" destId="{F39690DC-D152-46E6-9FA5-FE3F8986CE81}" srcOrd="0" destOrd="4" presId="urn:microsoft.com/office/officeart/2005/8/layout/chevron2"/>
+    <dgm:cxn modelId="{94460E19-3457-4C49-AB4A-A40832EFE8CA}" srcId="{8DA02B0A-F09A-4CC3-97EA-15364136EE53}" destId="{1F20D538-F37A-4CAB-AFA0-C3E32E1AE30A}" srcOrd="0" destOrd="0" parTransId="{CD30DB80-7195-4E5D-9310-E46D907A1FE3}" sibTransId="{777678C3-4CC5-4FCE-9148-C15FA8A4073B}"/>
+    <dgm:cxn modelId="{E99434DC-567C-4403-89AF-9312D64B8D0E}" srcId="{CEF33A41-439F-44E3-817B-B24E2F03C884}" destId="{D777E63F-1A59-4210-9C50-D2B20C4DAE04}" srcOrd="2" destOrd="0" parTransId="{17E6A702-2889-47F7-AFDC-2F53B5F3B09E}" sibTransId="{73B2F5C3-950B-41C6-A9F8-4879E743CB21}"/>
+    <dgm:cxn modelId="{574B2367-3555-4399-97B8-A6039BDC15C8}" srcId="{CEF33A41-439F-44E3-817B-B24E2F03C884}" destId="{C3E941DF-7C21-4DBF-AED3-936D92CE5C1E}" srcOrd="4" destOrd="0" parTransId="{3202FB60-2AB7-48B2-B54F-521BAD222977}" sibTransId="{1AE5B292-5E83-470A-B1AB-946952A440BD}"/>
     <dgm:cxn modelId="{1E18C747-60F3-4606-9DD8-27ED6EFDF456}" type="presOf" srcId="{8DA02B0A-F09A-4CC3-97EA-15364136EE53}" destId="{DF990E23-59F4-43AF-A899-39184D358677}" srcOrd="0" destOrd="0" presId="urn:microsoft.com/office/officeart/2005/8/layout/chevron2"/>
-    <dgm:cxn modelId="{7D8C0A4C-216C-407D-B580-7FDEB349A1F6}" srcId="{A70723DE-A2A0-4127-B1D4-C85B1D90FDB1}" destId="{F4191204-04A3-4DD7-A8F8-4911C7A9424D}" srcOrd="0" destOrd="0" parTransId="{6DC56A41-3B40-4761-8C00-53BB14469F60}" sibTransId="{B3B0AFA6-C377-4829-92A8-2B6E65B2AB38}"/>
-    <dgm:cxn modelId="{6EBACE6D-D718-4778-9E20-B42527280B95}" type="presOf" srcId="{C91A23EB-ECA0-4253-B00E-39006246EB40}" destId="{7D83A7F7-A0B4-4E24-A9A9-741E66AEB222}" srcOrd="0" destOrd="2" presId="urn:microsoft.com/office/officeart/2005/8/layout/chevron2"/>
-    <dgm:cxn modelId="{1B9E1081-B472-40EA-BF27-286429C39507}" type="presOf" srcId="{A4FF4BE5-22CC-436E-B245-09BF412A9CBA}" destId="{F39690DC-D152-46E6-9FA5-FE3F8986CE81}" srcOrd="0" destOrd="0" presId="urn:microsoft.com/office/officeart/2005/8/layout/chevron2"/>
-    <dgm:cxn modelId="{F3C0DE8B-9B4F-4059-A563-AEFEA4A92836}" srcId="{9AA255C3-C9EE-4048-A9D0-92A8D6006465}" destId="{C91A23EB-ECA0-4253-B00E-39006246EB40}" srcOrd="2" destOrd="0" parTransId="{8C4679DF-0AE3-4693-A70C-40D2F5DCD030}" sibTransId="{30CDD7D6-F524-4969-86C8-95A543BAE485}"/>
-    <dgm:cxn modelId="{052BB792-37DC-4B00-A5FB-A0BDD5E3460F}" type="presOf" srcId="{34D73D66-79D9-44E0-A536-B42CAFE66938}" destId="{7D83A7F7-A0B4-4E24-A9A9-741E66AEB222}" srcOrd="0" destOrd="1" presId="urn:microsoft.com/office/officeart/2005/8/layout/chevron2"/>
-    <dgm:cxn modelId="{E6305D9E-6472-470D-871F-92B1BFD76CEB}" srcId="{A4FF4BE5-22CC-436E-B245-09BF412A9CBA}" destId="{E8E8F9F1-6616-4C58-B06E-9DA1C6CEF61F}" srcOrd="0" destOrd="0" parTransId="{DC86A337-BD2A-4906-B2EF-D5A8D9910180}" sibTransId="{BC13F6CD-BD38-4C48-AA03-689E198F1561}"/>
-    <dgm:cxn modelId="{53A234AE-8C3D-42E1-BE43-9020B88C22AE}" type="presOf" srcId="{E8E8F9F1-6616-4C58-B06E-9DA1C6CEF61F}" destId="{F39690DC-D152-46E6-9FA5-FE3F8986CE81}" srcOrd="0" destOrd="1" presId="urn:microsoft.com/office/officeart/2005/8/layout/chevron2"/>
-    <dgm:cxn modelId="{85DA17B5-F258-454F-A5AE-0478F3CD62C8}" srcId="{C27DDAE6-D76A-4CEB-8720-865545EF0E06}" destId="{A70723DE-A2A0-4127-B1D4-C85B1D90FDB1}" srcOrd="0" destOrd="0" parTransId="{F1ECD5FB-5899-43D6-BE30-E681C6B96EC2}" sibTransId="{A5153C8C-5C5D-4104-9C6C-7257FDCBF23B}"/>
-    <dgm:cxn modelId="{100033BB-5481-487D-A994-3BE61506A8E0}" srcId="{C27DDAE6-D76A-4CEB-8720-865545EF0E06}" destId="{8DA02B0A-F09A-4CC3-97EA-15364136EE53}" srcOrd="3" destOrd="0" parTransId="{0BFD2D7D-2843-4790-832C-401F16804F45}" sibTransId="{CF5CFA14-C4CA-4DC2-AC80-F230178C0295}"/>
-    <dgm:cxn modelId="{2BA317C1-3125-4950-BEAC-C8D048A344A3}" type="presOf" srcId="{D73189AA-D988-417B-94F5-7092051280CE}" destId="{F39690DC-D152-46E6-9FA5-FE3F8986CE81}" srcOrd="0" destOrd="2" presId="urn:microsoft.com/office/officeart/2005/8/layout/chevron2"/>
-    <dgm:cxn modelId="{E263D8C7-017F-4675-8BFC-E22E2DF691D8}" type="presOf" srcId="{F4191204-04A3-4DD7-A8F8-4911C7A9424D}" destId="{9B16637D-924D-44FA-BB5A-5D05FA56AF04}" srcOrd="0" destOrd="0" presId="urn:microsoft.com/office/officeart/2005/8/layout/chevron2"/>
-    <dgm:cxn modelId="{314E3CCA-08E0-4E0C-BE87-B311CA2AE5B2}" srcId="{D73189AA-D988-417B-94F5-7092051280CE}" destId="{314732FA-7173-4D6E-9DD4-39E40D3D5100}" srcOrd="0" destOrd="0" parTransId="{70C94DE7-1F9C-4C58-9143-B6C83075E39D}" sibTransId="{BEF6873E-1104-46B9-A9CE-73B09DB993FA}"/>
-    <dgm:cxn modelId="{715760E0-27A9-42E3-9E7D-23D0F2C4B60C}" type="presOf" srcId="{314732FA-7173-4D6E-9DD4-39E40D3D5100}" destId="{F39690DC-D152-46E6-9FA5-FE3F8986CE81}" srcOrd="0" destOrd="3" presId="urn:microsoft.com/office/officeart/2005/8/layout/chevron2"/>
-    <dgm:cxn modelId="{7E84874C-5466-442F-8EF8-547ED33030FE}" type="presParOf" srcId="{0EF8465C-2D77-4D72-BA28-819FBB595FE3}" destId="{4ACF77EA-3FCA-4951-A887-AB3AAEB855AF}" srcOrd="0" destOrd="0" presId="urn:microsoft.com/office/officeart/2005/8/layout/chevron2"/>
-    <dgm:cxn modelId="{B4A75F93-17A8-4132-AAAF-CD515BE0D5C8}" type="presParOf" srcId="{4ACF77EA-3FCA-4951-A887-AB3AAEB855AF}" destId="{8D449E2F-AC45-4D53-89CB-245FA3F05FF3}" srcOrd="0" destOrd="0" presId="urn:microsoft.com/office/officeart/2005/8/layout/chevron2"/>
-    <dgm:cxn modelId="{4D26820E-4604-4DF9-B537-5F5398D50E83}" type="presParOf" srcId="{4ACF77EA-3FCA-4951-A887-AB3AAEB855AF}" destId="{9B16637D-924D-44FA-BB5A-5D05FA56AF04}" srcOrd="1" destOrd="0" presId="urn:microsoft.com/office/officeart/2005/8/layout/chevron2"/>
-    <dgm:cxn modelId="{307AF44D-62C2-4D19-92E3-970544F68853}" type="presParOf" srcId="{0EF8465C-2D77-4D72-BA28-819FBB595FE3}" destId="{ABB3EC4E-C84C-49B8-94A7-3DBD49C403D3}" srcOrd="1" destOrd="0" presId="urn:microsoft.com/office/officeart/2005/8/layout/chevron2"/>
-    <dgm:cxn modelId="{9D44C135-728E-49A9-B88E-7B2EFD51A32D}" type="presParOf" srcId="{0EF8465C-2D77-4D72-BA28-819FBB595FE3}" destId="{69A65502-C5BD-4C0C-BE62-0991B819813A}" srcOrd="2" destOrd="0" presId="urn:microsoft.com/office/officeart/2005/8/layout/chevron2"/>
-    <dgm:cxn modelId="{CC8079BE-45BF-42D2-970A-9D8630894911}" type="presParOf" srcId="{69A65502-C5BD-4C0C-BE62-0991B819813A}" destId="{31A02029-CFE8-4458-9EA4-A164B81BFEF9}" srcOrd="0" destOrd="0" presId="urn:microsoft.com/office/officeart/2005/8/layout/chevron2"/>
-    <dgm:cxn modelId="{C5E8B90B-E44D-4BAA-90A8-3C34088649DA}" type="presParOf" srcId="{69A65502-C5BD-4C0C-BE62-0991B819813A}" destId="{F39690DC-D152-46E6-9FA5-FE3F8986CE81}" srcOrd="1" destOrd="0" presId="urn:microsoft.com/office/officeart/2005/8/layout/chevron2"/>
-    <dgm:cxn modelId="{9D2E02D0-FEAF-4FA8-B344-C32C9E22B82F}" type="presParOf" srcId="{0EF8465C-2D77-4D72-BA28-819FBB595FE3}" destId="{C8D2D1E2-3229-4C20-95E6-9F97F88A2F00}" srcOrd="3" destOrd="0" presId="urn:microsoft.com/office/officeart/2005/8/layout/chevron2"/>
-    <dgm:cxn modelId="{F20CCCFF-22C6-41D8-AE86-9373201140EC}" type="presParOf" srcId="{0EF8465C-2D77-4D72-BA28-819FBB595FE3}" destId="{CFCC1727-D0D8-49F5-8E07-F38796A629EE}" srcOrd="4" destOrd="0" presId="urn:microsoft.com/office/officeart/2005/8/layout/chevron2"/>
-    <dgm:cxn modelId="{889BED37-A233-426C-994D-60B4251C03E4}" type="presParOf" srcId="{CFCC1727-D0D8-49F5-8E07-F38796A629EE}" destId="{203C28E5-6D32-4F13-93D9-344BEE5A8FB4}" srcOrd="0" destOrd="0" presId="urn:microsoft.com/office/officeart/2005/8/layout/chevron2"/>
-    <dgm:cxn modelId="{B78B7DD9-4160-4D7A-989C-563A6A37DCD1}" type="presParOf" srcId="{CFCC1727-D0D8-49F5-8E07-F38796A629EE}" destId="{7D83A7F7-A0B4-4E24-A9A9-741E66AEB222}" srcOrd="1" destOrd="0" presId="urn:microsoft.com/office/officeart/2005/8/layout/chevron2"/>
-    <dgm:cxn modelId="{704DBEC5-AEBA-4044-AF6D-43056B79A35D}" type="presParOf" srcId="{0EF8465C-2D77-4D72-BA28-819FBB595FE3}" destId="{1D6EA489-5AD7-487D-8107-0A9FA1FAD3B3}" srcOrd="5" destOrd="0" presId="urn:microsoft.com/office/officeart/2005/8/layout/chevron2"/>
-    <dgm:cxn modelId="{A5F7FFED-CE44-4DE3-B7F8-861BC313EE63}" type="presParOf" srcId="{0EF8465C-2D77-4D72-BA28-819FBB595FE3}" destId="{6E383012-809C-4132-82FC-4C21EAC86156}" srcOrd="6" destOrd="0" presId="urn:microsoft.com/office/officeart/2005/8/layout/chevron2"/>
+    <dgm:cxn modelId="{98995454-D5E4-4FA0-93A8-DB1DFBDAFF39}" type="presOf" srcId="{CEF33A41-439F-44E3-817B-B24E2F03C884}" destId="{6F61B035-F3EF-4DA6-A9AA-DAC8ABF8CDD4}" srcOrd="0" destOrd="0" presId="urn:microsoft.com/office/officeart/2005/8/layout/chevron2"/>
+    <dgm:cxn modelId="{42DCC93F-8A8C-40C7-BA60-E3DA05FF8C55}" srcId="{CEF33A41-439F-44E3-817B-B24E2F03C884}" destId="{CEC835F0-4455-44AD-8861-C3895FCF8F56}" srcOrd="3" destOrd="0" parTransId="{6EF2BC56-ECEB-475E-9CD7-7C8129829F17}" sibTransId="{60E528EF-EA3A-43CF-8C89-D81E97DDC50E}"/>
+    <dgm:cxn modelId="{719E9C5E-E0D9-49F4-B62F-D5CD67BC7DC3}" type="presOf" srcId="{C3E941DF-7C21-4DBF-AED3-936D92CE5C1E}" destId="{03162247-231A-4F0A-8BDE-BE7299F063C6}" srcOrd="0" destOrd="4" presId="urn:microsoft.com/office/officeart/2005/8/layout/chevron2"/>
+    <dgm:cxn modelId="{3178A012-5864-4607-8CB5-618C68D46867}" srcId="{C27DDAE6-D76A-4CEB-8720-865545EF0E06}" destId="{CEF33A41-439F-44E3-817B-B24E2F03C884}" srcOrd="0" destOrd="0" parTransId="{9452A6E4-207F-4C49-9627-F7D251AC104B}" sibTransId="{297C0078-0AC3-4F92-8AEB-A24346665A31}"/>
+    <dgm:cxn modelId="{0EDF729A-CCF0-4E3A-AFC9-8CDF3AADB9CC}" type="presOf" srcId="{D777E63F-1A59-4210-9C50-D2B20C4DAE04}" destId="{03162247-231A-4F0A-8BDE-BE7299F063C6}" srcOrd="0" destOrd="2" presId="urn:microsoft.com/office/officeart/2005/8/layout/chevron2"/>
+    <dgm:cxn modelId="{DD33BF5C-8277-4AE5-96DD-E3F45E901EF7}" type="presParOf" srcId="{0EF8465C-2D77-4D72-BA28-819FBB595FE3}" destId="{8708670F-BD97-49DB-BCFA-38332917EC84}" srcOrd="0" destOrd="0" presId="urn:microsoft.com/office/officeart/2005/8/layout/chevron2"/>
+    <dgm:cxn modelId="{68C96CEF-3CB1-4ACD-9CB7-59C930E611CF}" type="presParOf" srcId="{8708670F-BD97-49DB-BCFA-38332917EC84}" destId="{6F61B035-F3EF-4DA6-A9AA-DAC8ABF8CDD4}" srcOrd="0" destOrd="0" presId="urn:microsoft.com/office/officeart/2005/8/layout/chevron2"/>
+    <dgm:cxn modelId="{7F94A54D-E585-4C6C-B66E-56A980A59170}" type="presParOf" srcId="{8708670F-BD97-49DB-BCFA-38332917EC84}" destId="{03162247-231A-4F0A-8BDE-BE7299F063C6}" srcOrd="1" destOrd="0" presId="urn:microsoft.com/office/officeart/2005/8/layout/chevron2"/>
+    <dgm:cxn modelId="{06CDDAF5-49A9-4B7F-B6F1-C564836CFDDA}" type="presParOf" srcId="{0EF8465C-2D77-4D72-BA28-819FBB595FE3}" destId="{F044F7DF-A8BB-43FA-8717-EDB7C5072665}" srcOrd="1" destOrd="0" presId="urn:microsoft.com/office/officeart/2005/8/layout/chevron2"/>
+    <dgm:cxn modelId="{A5F7FFED-CE44-4DE3-B7F8-861BC313EE63}" type="presParOf" srcId="{0EF8465C-2D77-4D72-BA28-819FBB595FE3}" destId="{6E383012-809C-4132-82FC-4C21EAC86156}" srcOrd="2" destOrd="0" presId="urn:microsoft.com/office/officeart/2005/8/layout/chevron2"/>
     <dgm:cxn modelId="{40B412CF-BD58-418E-A528-3EBBCF42F002}" type="presParOf" srcId="{6E383012-809C-4132-82FC-4C21EAC86156}" destId="{DF990E23-59F4-43AF-A899-39184D358677}" srcOrd="0" destOrd="0" presId="urn:microsoft.com/office/officeart/2005/8/layout/chevron2"/>
     <dgm:cxn modelId="{61D58DBD-9000-4AED-A7BE-0B28698AA7DC}" type="presParOf" srcId="{6E383012-809C-4132-82FC-4C21EAC86156}" destId="{56D5EFD3-3431-4ABB-9328-4E7C91EAD593}" srcOrd="1" destOrd="0" presId="urn:microsoft.com/office/officeart/2005/8/layout/chevron2"/>
   </dgm:cxnLst>
@@ -2097,15 +1722,15 @@
       <dsp:cNvGrpSpPr/>
     </dsp:nvGrpSpPr>
     <dsp:grpSpPr/>
-    <dsp:sp modelId="{8D449E2F-AC45-4D53-89CB-245FA3F05FF3}">
+    <dsp:sp modelId="{6F61B035-F3EF-4DA6-A9AA-DAC8ABF8CDD4}">
       <dsp:nvSpPr>
         <dsp:cNvPr id="0" name=""/>
         <dsp:cNvSpPr/>
       </dsp:nvSpPr>
       <dsp:spPr>
         <a:xfrm rot="5400000">
-          <a:off x="-199228" y="228968"/>
-          <a:ext cx="1328188" cy="929731"/>
+          <a:off x="-398149" y="401761"/>
+          <a:ext cx="2654328" cy="1858030"/>
         </a:xfrm>
         <a:prstGeom prst="chevron">
           <a:avLst/>
@@ -2169,12 +1794,12 @@
         </a:fontRef>
       </dsp:style>
       <dsp:txBody>
-        <a:bodyPr spcFirstLastPara="0" vert="horz" wrap="square" lIns="7620" tIns="7620" rIns="7620" bIns="7620" numCol="1" spcCol="1270" anchor="ctr" anchorCtr="0">
+        <a:bodyPr spcFirstLastPara="0" vert="horz" wrap="square" lIns="15240" tIns="15240" rIns="15240" bIns="15240" numCol="1" spcCol="1270" anchor="ctr" anchorCtr="0">
           <a:noAutofit/>
         </a:bodyPr>
         <a:lstStyle/>
         <a:p>
-          <a:pPr marL="0" lvl="0" indent="0" algn="ctr" defTabSz="533400">
+          <a:pPr lvl="0" algn="ctr" defTabSz="1066800">
             <a:lnSpc>
               <a:spcPct val="90000"/>
             </a:lnSpc>
@@ -2184,29 +1809,28 @@
             <a:spcAft>
               <a:spcPct val="35000"/>
             </a:spcAft>
-            <a:buNone/>
           </a:pPr>
           <a:r>
-            <a:rPr lang="en-US" sz="1200" b="1" kern="1200" dirty="0" err="1"/>
-            <a:t>Secado</a:t>
+            <a:rPr lang="en-US" sz="2400" b="1" kern="1200" dirty="0" err="1" smtClean="0"/>
+            <a:t>Preparación</a:t>
           </a:r>
-          <a:endParaRPr lang="en-US" sz="1200" b="1" kern="1200" dirty="0"/>
+          <a:endParaRPr lang="en-US" sz="2400" kern="1200" dirty="0"/>
         </a:p>
       </dsp:txBody>
       <dsp:txXfrm rot="-5400000">
-        <a:off x="1" y="494606"/>
-        <a:ext cx="929731" cy="398457"/>
+        <a:off x="0" y="932627"/>
+        <a:ext cx="1858030" cy="796298"/>
       </dsp:txXfrm>
     </dsp:sp>
-    <dsp:sp modelId="{9B16637D-924D-44FA-BB5A-5D05FA56AF04}">
+    <dsp:sp modelId="{03162247-231A-4F0A-8BDE-BE7299F063C6}">
       <dsp:nvSpPr>
         <dsp:cNvPr id="0" name=""/>
         <dsp:cNvSpPr/>
       </dsp:nvSpPr>
       <dsp:spPr>
         <a:xfrm rot="5400000">
-          <a:off x="4490904" y="-3531432"/>
-          <a:ext cx="863322" cy="7985668"/>
+          <a:off x="4524058" y="-2662416"/>
+          <a:ext cx="1725313" cy="7057369"/>
         </a:xfrm>
         <a:prstGeom prst="round2SameRect">
           <a:avLst/>
@@ -2252,12 +1876,12 @@
         <a:fontRef idx="minor"/>
       </dsp:style>
       <dsp:txBody>
-        <a:bodyPr spcFirstLastPara="0" vert="horz" wrap="square" lIns="71120" tIns="6350" rIns="6350" bIns="6350" numCol="1" spcCol="1270" anchor="ctr" anchorCtr="0">
+        <a:bodyPr spcFirstLastPara="0" vert="horz" wrap="square" lIns="113792" tIns="10160" rIns="10160" bIns="10160" numCol="1" spcCol="1270" anchor="ctr" anchorCtr="0">
           <a:noAutofit/>
         </a:bodyPr>
         <a:lstStyle/>
         <a:p>
-          <a:pPr marL="57150" lvl="1" indent="-57150" algn="l" defTabSz="444500">
+          <a:pPr marL="171450" lvl="1" indent="-171450" algn="l" defTabSz="711200">
             <a:lnSpc>
               <a:spcPct val="90000"/>
             </a:lnSpc>
@@ -2267,52 +1891,229 @@
             <a:spcAft>
               <a:spcPct val="15000"/>
             </a:spcAft>
-            <a:buChar char="•"/>
+            <a:buChar char="••"/>
           </a:pPr>
           <a:r>
-            <a:rPr lang="en-US" sz="1000" kern="1200" dirty="0"/>
-            <a:t>50 mL de THF </a:t>
+            <a:rPr lang="en-US" sz="1600" kern="1200" dirty="0" smtClean="0"/>
+            <a:t>2.43 </a:t>
           </a:r>
           <a:r>
-            <a:rPr lang="en-US" sz="1000" kern="1200" dirty="0" err="1"/>
-            <a:t>en</a:t>
+            <a:rPr lang="en-US" sz="1600" kern="1200" dirty="0" err="1" smtClean="0"/>
+            <a:t>mmol</a:t>
           </a:r>
           <a:r>
-            <a:rPr lang="en-US" sz="1000" kern="1200" dirty="0"/>
+            <a:rPr lang="en-US" sz="1600" kern="1200" dirty="0" smtClean="0"/>
+            <a:t> de </a:t>
+          </a:r>
+          <a:r>
+            <a:rPr lang="en-US" sz="1600" kern="1200" dirty="0" err="1" smtClean="0"/>
+            <a:t>ciclohexeno</a:t>
+          </a:r>
+          <a:r>
+            <a:rPr lang="en-US" sz="1600" kern="1200" dirty="0" smtClean="0"/>
+            <a:t> y 2.67 </a:t>
+          </a:r>
+          <a:r>
+            <a:rPr lang="en-US" sz="1600" kern="1200" dirty="0" err="1" smtClean="0"/>
+            <a:t>mmol</a:t>
+          </a:r>
+          <a:r>
+            <a:rPr lang="en-US" sz="1600" kern="1200" dirty="0" smtClean="0"/>
+            <a:t> de PPh</a:t>
+          </a:r>
+          <a:r>
+            <a:rPr lang="en-US" sz="1600" kern="1200" baseline="-25000" dirty="0" smtClean="0"/>
+            <a:t>3</a:t>
+          </a:r>
+          <a:r>
+            <a:rPr lang="en-US" sz="1600" kern="1200" baseline="0" dirty="0" smtClean="0"/>
+            <a:t>. </a:t>
+          </a:r>
+          <a:r>
+            <a:rPr lang="en-US" sz="1600" kern="1200" baseline="0" dirty="0" err="1" smtClean="0"/>
+            <a:t>En</a:t>
+          </a:r>
+          <a:r>
+            <a:rPr lang="en-US" sz="1600" kern="1200" baseline="0" dirty="0" smtClean="0"/>
+            <a:t> 16.0 mL de CH</a:t>
+          </a:r>
+          <a:r>
+            <a:rPr lang="en-US" sz="1600" kern="1200" baseline="-25000" dirty="0" smtClean="0"/>
+            <a:t>2</a:t>
+          </a:r>
+          <a:r>
+            <a:rPr lang="en-US" sz="1600" kern="1200" baseline="0" dirty="0" smtClean="0"/>
+            <a:t>Cl</a:t>
+          </a:r>
+          <a:r>
+            <a:rPr lang="en-US" sz="1600" kern="1200" baseline="-25000" dirty="0" smtClean="0"/>
+            <a:t>2</a:t>
+          </a:r>
+          <a:r>
+            <a:rPr lang="en-US" sz="1600" kern="1200" baseline="0" dirty="0" smtClean="0"/>
+            <a:t> y 4.0 </a:t>
+          </a:r>
+          <a:r>
+            <a:rPr lang="en-US" sz="1600" kern="1200" baseline="0" dirty="0" err="1" smtClean="0"/>
+            <a:t>MeOH</a:t>
+          </a:r>
+          <a:r>
+            <a:rPr lang="en-US" sz="1600" kern="1200" baseline="0" dirty="0" smtClean="0"/>
             <a:t> </a:t>
           </a:r>
           <a:r>
-            <a:rPr lang="en-US" sz="1000" kern="1200" dirty="0" err="1"/>
-            <a:t>tamiz</a:t>
+            <a:rPr lang="en-US" sz="1600" kern="1200" baseline="0" dirty="0" err="1" smtClean="0"/>
+            <a:t>mL.</a:t>
+          </a:r>
+          <a:endParaRPr lang="en-US" sz="1600" kern="1200" baseline="0" dirty="0"/>
+        </a:p>
+        <a:p>
+          <a:pPr marL="171450" lvl="1" indent="-171450" algn="l" defTabSz="711200">
+            <a:lnSpc>
+              <a:spcPct val="90000"/>
+            </a:lnSpc>
+            <a:spcBef>
+              <a:spcPct val="0"/>
+            </a:spcBef>
+            <a:spcAft>
+              <a:spcPct val="15000"/>
+            </a:spcAft>
+            <a:buChar char="••"/>
+          </a:pPr>
+          <a:r>
+            <a:rPr lang="en-US" sz="1600" kern="1200" baseline="0" dirty="0" err="1" smtClean="0"/>
+            <a:t>Enfriamiento</a:t>
           </a:r>
           <a:r>
-            <a:rPr lang="en-US" sz="1000" kern="1200" dirty="0"/>
-            <a:t> molecular </a:t>
+            <a:rPr lang="en-US" sz="1600" kern="1200" baseline="0" dirty="0" smtClean="0"/>
+            <a:t> -78 °C, </a:t>
           </a:r>
           <a:r>
-            <a:rPr lang="en-US" sz="1000" kern="1200" dirty="0" err="1"/>
-            <a:t>por</a:t>
+            <a:rPr lang="en-US" sz="1600" kern="1200" baseline="0" dirty="0" err="1" smtClean="0"/>
+            <a:t>burbujeo</a:t>
           </a:r>
           <a:r>
-            <a:rPr lang="en-US" sz="1000" kern="1200" dirty="0"/>
-            <a:t> 48 horas.</a:t>
+            <a:rPr lang="en-US" sz="1600" kern="1200" baseline="0" dirty="0" smtClean="0"/>
+            <a:t> de </a:t>
           </a:r>
+          <a:r>
+            <a:rPr lang="en-US" sz="1600" kern="1200" baseline="0" dirty="0" err="1" smtClean="0"/>
+            <a:t>ozono</a:t>
+          </a:r>
+          <a:r>
+            <a:rPr lang="en-US" sz="1600" kern="1200" baseline="0" dirty="0" smtClean="0"/>
+            <a:t> a 30 </a:t>
+          </a:r>
+          <a:r>
+            <a:rPr lang="en-US" sz="1600" kern="1200" baseline="0" dirty="0" err="1" smtClean="0"/>
+            <a:t>vatios</a:t>
+          </a:r>
+          <a:r>
+            <a:rPr lang="en-US" sz="1600" kern="1200" baseline="0" dirty="0" smtClean="0"/>
+            <a:t>.</a:t>
+          </a:r>
+          <a:endParaRPr lang="en-US" sz="1600" kern="1200" baseline="0" dirty="0"/>
+        </a:p>
+        <a:p>
+          <a:pPr marL="171450" lvl="1" indent="-171450" algn="l" defTabSz="711200">
+            <a:lnSpc>
+              <a:spcPct val="90000"/>
+            </a:lnSpc>
+            <a:spcBef>
+              <a:spcPct val="0"/>
+            </a:spcBef>
+            <a:spcAft>
+              <a:spcPct val="15000"/>
+            </a:spcAft>
+            <a:buChar char="••"/>
+          </a:pPr>
+          <a:r>
+            <a:rPr lang="en-US" sz="1600" kern="1200" baseline="0" dirty="0" err="1" smtClean="0"/>
+            <a:t>Burbujeo</a:t>
+          </a:r>
+          <a:r>
+            <a:rPr lang="en-US" sz="1600" kern="1200" baseline="0" dirty="0" smtClean="0"/>
+            <a:t> de </a:t>
+          </a:r>
+          <a:r>
+            <a:rPr lang="en-US" sz="1600" kern="1200" baseline="0" dirty="0" err="1" smtClean="0"/>
+            <a:t>oxígeno</a:t>
+          </a:r>
+          <a:r>
+            <a:rPr lang="en-US" sz="1600" kern="1200" baseline="0" dirty="0" smtClean="0"/>
+            <a:t>.</a:t>
+          </a:r>
+          <a:endParaRPr lang="en-US" sz="1600" kern="1200" baseline="0" dirty="0"/>
+        </a:p>
+        <a:p>
+          <a:pPr marL="171450" lvl="1" indent="-171450" algn="l" defTabSz="711200">
+            <a:lnSpc>
+              <a:spcPct val="90000"/>
+            </a:lnSpc>
+            <a:spcBef>
+              <a:spcPct val="0"/>
+            </a:spcBef>
+            <a:spcAft>
+              <a:spcPct val="15000"/>
+            </a:spcAft>
+            <a:buChar char="••"/>
+          </a:pPr>
+          <a:r>
+            <a:rPr lang="en-US" sz="1600" kern="1200" baseline="0" dirty="0" err="1" smtClean="0"/>
+            <a:t>Calentamiento</a:t>
+          </a:r>
+          <a:r>
+            <a:rPr lang="en-US" sz="1600" kern="1200" baseline="0" dirty="0" smtClean="0"/>
+            <a:t> a </a:t>
+          </a:r>
+          <a:r>
+            <a:rPr lang="en-US" sz="1600" kern="1200" baseline="0" dirty="0" err="1" smtClean="0"/>
+            <a:t>temperatura</a:t>
+          </a:r>
+          <a:r>
+            <a:rPr lang="en-US" sz="1600" kern="1200" baseline="0" dirty="0" smtClean="0"/>
+            <a:t> </a:t>
+          </a:r>
+          <a:r>
+            <a:rPr lang="en-US" sz="1600" kern="1200" baseline="0" dirty="0" err="1" smtClean="0"/>
+            <a:t>ambiente</a:t>
+          </a:r>
+          <a:r>
+            <a:rPr lang="en-US" sz="1600" kern="1200" baseline="0" dirty="0" smtClean="0"/>
+            <a:t>.</a:t>
+          </a:r>
+          <a:endParaRPr lang="en-US" sz="1600" kern="1200" baseline="0" dirty="0"/>
+        </a:p>
+        <a:p>
+          <a:pPr marL="171450" lvl="1" indent="-171450" algn="l" defTabSz="711200">
+            <a:lnSpc>
+              <a:spcPct val="90000"/>
+            </a:lnSpc>
+            <a:spcBef>
+              <a:spcPct val="0"/>
+            </a:spcBef>
+            <a:spcAft>
+              <a:spcPct val="15000"/>
+            </a:spcAft>
+            <a:buChar char="••"/>
+          </a:pPr>
+          <a:endParaRPr lang="en-US" sz="1600" kern="1200" baseline="0" dirty="0"/>
         </a:p>
       </dsp:txBody>
       <dsp:txXfrm rot="-5400000">
-        <a:off x="929731" y="71885"/>
-        <a:ext cx="7943524" cy="779034"/>
+        <a:off x="1858031" y="87834"/>
+        <a:ext cx="6973146" cy="1556867"/>
       </dsp:txXfrm>
     </dsp:sp>
-    <dsp:sp modelId="{31A02029-CFE8-4458-9EA4-A164B81BFEF9}">
+    <dsp:sp modelId="{DF990E23-59F4-43AF-A899-39184D358677}">
       <dsp:nvSpPr>
         <dsp:cNvPr id="0" name=""/>
         <dsp:cNvSpPr/>
       </dsp:nvSpPr>
       <dsp:spPr>
         <a:xfrm rot="5400000">
-          <a:off x="-193643" y="1509005"/>
-          <a:ext cx="1317018" cy="929731"/>
+          <a:off x="-398149" y="2773602"/>
+          <a:ext cx="2654328" cy="1858030"/>
         </a:xfrm>
         <a:prstGeom prst="chevron">
           <a:avLst/>
@@ -2376,12 +2177,12 @@
         </a:fontRef>
       </dsp:style>
       <dsp:txBody>
-        <a:bodyPr spcFirstLastPara="0" vert="horz" wrap="square" lIns="7620" tIns="7620" rIns="7620" bIns="7620" numCol="1" spcCol="1270" anchor="ctr" anchorCtr="0">
+        <a:bodyPr spcFirstLastPara="0" vert="horz" wrap="square" lIns="15240" tIns="15240" rIns="15240" bIns="15240" numCol="1" spcCol="1270" anchor="ctr" anchorCtr="0">
           <a:noAutofit/>
         </a:bodyPr>
         <a:lstStyle/>
         <a:p>
-          <a:pPr marL="0" lvl="0" indent="0" algn="ctr" defTabSz="533400">
+          <a:pPr lvl="0" algn="ctr" defTabSz="1066800">
             <a:lnSpc>
               <a:spcPct val="90000"/>
             </a:lnSpc>
@@ -2391,29 +2192,28 @@
             <a:spcAft>
               <a:spcPct val="35000"/>
             </a:spcAft>
-            <a:buNone/>
           </a:pPr>
           <a:r>
-            <a:rPr lang="en-US" sz="1200" b="1" kern="1200" dirty="0" err="1"/>
-            <a:t>Preparación</a:t>
+            <a:rPr lang="en-US" sz="2400" b="1" kern="1200" dirty="0" err="1"/>
+            <a:t>Purificación</a:t>
           </a:r>
-          <a:endParaRPr lang="en-US" sz="1200" b="1" kern="1200" dirty="0"/>
+          <a:endParaRPr lang="en-US" sz="2400" b="1" kern="1200" dirty="0"/>
         </a:p>
       </dsp:txBody>
       <dsp:txXfrm rot="-5400000">
-        <a:off x="1" y="1780228"/>
-        <a:ext cx="929731" cy="387287"/>
+        <a:off x="0" y="3304468"/>
+        <a:ext cx="1858030" cy="796298"/>
       </dsp:txXfrm>
     </dsp:sp>
-    <dsp:sp modelId="{F39690DC-D152-46E6-9FA5-FE3F8986CE81}">
+    <dsp:sp modelId="{56D5EFD3-3431-4ABB-9328-4E7C91EAD593}">
       <dsp:nvSpPr>
         <dsp:cNvPr id="0" name=""/>
         <dsp:cNvSpPr/>
       </dsp:nvSpPr>
       <dsp:spPr>
         <a:xfrm rot="5400000">
-          <a:off x="4390919" y="-2245810"/>
-          <a:ext cx="1063293" cy="7985668"/>
+          <a:off x="4524058" y="-290574"/>
+          <a:ext cx="1725313" cy="7057369"/>
         </a:xfrm>
         <a:prstGeom prst="round2SameRect">
           <a:avLst/>
@@ -2459,12 +2259,12 @@
         <a:fontRef idx="minor"/>
       </dsp:style>
       <dsp:txBody>
-        <a:bodyPr spcFirstLastPara="0" vert="horz" wrap="square" lIns="71120" tIns="6350" rIns="6350" bIns="6350" numCol="1" spcCol="1270" anchor="ctr" anchorCtr="0">
+        <a:bodyPr spcFirstLastPara="0" vert="horz" wrap="square" lIns="113792" tIns="10160" rIns="10160" bIns="10160" numCol="1" spcCol="1270" anchor="ctr" anchorCtr="0">
           <a:noAutofit/>
         </a:bodyPr>
         <a:lstStyle/>
         <a:p>
-          <a:pPr marL="57150" lvl="1" indent="-57150" algn="l" defTabSz="444500">
+          <a:pPr marL="171450" lvl="1" indent="-171450" algn="l" defTabSz="711200">
             <a:lnSpc>
               <a:spcPct val="90000"/>
             </a:lnSpc>
@@ -2474,55 +2274,64 @@
             <a:spcAft>
               <a:spcPct val="15000"/>
             </a:spcAft>
-            <a:buChar char="•"/>
+            <a:buChar char="••"/>
           </a:pPr>
           <a:r>
-            <a:rPr lang="en-US" sz="1000" kern="1200" dirty="0"/>
-            <a:t>15.0 </a:t>
+            <a:rPr lang="en-US" sz="1600" b="0" kern="1200" dirty="0" err="1"/>
+            <a:t>Columna</a:t>
           </a:r>
           <a:r>
-            <a:rPr lang="en-US" sz="1000" kern="1200" dirty="0" err="1"/>
-            <a:t>mmol</a:t>
+            <a:rPr lang="en-US" sz="1600" b="0" kern="1200" dirty="0"/>
+            <a:t> de silica con </a:t>
           </a:r>
           <a:r>
-            <a:rPr lang="en-US" sz="1000" kern="1200" dirty="0"/>
-            <a:t> de Zinc junto con 7.5 </a:t>
+            <a:rPr lang="en-US" sz="1600" b="0" kern="1200" dirty="0" err="1"/>
+            <a:t>fase</a:t>
           </a:r>
           <a:r>
-            <a:rPr lang="en-US" sz="1000" kern="1200" dirty="0" err="1"/>
-            <a:t>mmol</a:t>
+            <a:rPr lang="en-US" sz="1600" b="0" kern="1200" dirty="0"/>
+            <a:t> </a:t>
           </a:r>
           <a:r>
-            <a:rPr lang="en-US" sz="1000" kern="1200" dirty="0"/>
+            <a:rPr lang="en-US" sz="1600" b="0" kern="1200" dirty="0" err="1"/>
+            <a:t>móvil</a:t>
+          </a:r>
+          <a:r>
+            <a:rPr lang="en-US" sz="1600" b="0" kern="1200" dirty="0"/>
             <a:t> de </a:t>
           </a:r>
           <a:r>
-            <a:rPr lang="en-US" sz="1000" kern="1200" dirty="0" err="1"/>
-            <a:t>cloruro</a:t>
+            <a:rPr lang="en-US" sz="1600" b="0" kern="1200" dirty="0" err="1"/>
+            <a:t>acetato</a:t>
           </a:r>
           <a:r>
-            <a:rPr lang="en-US" sz="1000" kern="1200" dirty="0"/>
+            <a:rPr lang="en-US" sz="1600" b="0" kern="1200" dirty="0"/>
             <a:t> de </a:t>
           </a:r>
           <a:r>
-            <a:rPr lang="en-US" sz="1000" kern="1200" dirty="0" err="1"/>
-            <a:t>titanio</a:t>
+            <a:rPr lang="en-US" sz="1600" b="0" kern="1200" dirty="0" err="1"/>
+            <a:t>etilo</a:t>
           </a:r>
           <a:r>
-            <a:rPr lang="en-US" sz="1000" kern="1200" dirty="0"/>
-            <a:t> (IV) </a:t>
+            <a:rPr lang="en-US" sz="1600" b="0" kern="1200" dirty="0"/>
+            <a:t> : </a:t>
           </a:r>
           <a:r>
-            <a:rPr lang="en-US" sz="1000" kern="1200" dirty="0" err="1"/>
-            <a:t>en</a:t>
+            <a:rPr lang="en-US" sz="1600" b="0" kern="1200" dirty="0" err="1"/>
+            <a:t>pentano</a:t>
           </a:r>
           <a:r>
-            <a:rPr lang="en-US" sz="1000" kern="1200" dirty="0"/>
-            <a:t> THF.</a:t>
+            <a:rPr lang="en-US" sz="1600" b="0" kern="1200" dirty="0"/>
+            <a:t> </a:t>
           </a:r>
+          <a:r>
+            <a:rPr lang="en-US" sz="1600" b="0" kern="1200" dirty="0" smtClean="0"/>
+            <a:t>(1:1)</a:t>
+          </a:r>
+          <a:endParaRPr lang="en-US" sz="1600" b="0" kern="1200" dirty="0"/>
         </a:p>
         <a:p>
-          <a:pPr marL="114300" lvl="2" indent="-57150" algn="l" defTabSz="444500">
+          <a:pPr marL="171450" lvl="1" indent="-171450" algn="l" defTabSz="711200">
             <a:lnSpc>
               <a:spcPct val="90000"/>
             </a:lnSpc>
@@ -2532,743 +2341,34 @@
             <a:spcAft>
               <a:spcPct val="15000"/>
             </a:spcAft>
-            <a:buChar char="•"/>
+            <a:buChar char="••"/>
           </a:pPr>
           <a:r>
-            <a:rPr lang="en-US" sz="1000" kern="1200" dirty="0" err="1"/>
-            <a:t>Reflujo</a:t>
+            <a:rPr lang="en-US" sz="1600" b="0" kern="1200" dirty="0" err="1"/>
+            <a:t>Fracciones</a:t>
           </a:r>
           <a:r>
-            <a:rPr lang="en-US" sz="1000" kern="1200" dirty="0"/>
+            <a:rPr lang="en-US" sz="1600" b="0" kern="1200" dirty="0"/>
             <a:t> </a:t>
           </a:r>
           <a:r>
-            <a:rPr lang="en-US" sz="1000" kern="1200" dirty="0" err="1"/>
-            <a:t>por</a:t>
+            <a:rPr lang="en-US" sz="1600" b="0" kern="1200" dirty="0" smtClean="0"/>
+            <a:t>6 </a:t>
           </a:r>
           <a:r>
-            <a:rPr lang="en-US" sz="1000" kern="1200" dirty="0"/>
-            <a:t> 1 hora.</a:t>
-          </a:r>
-        </a:p>
-        <a:p>
-          <a:pPr marL="57150" lvl="1" indent="-57150" algn="l" defTabSz="444500">
-            <a:lnSpc>
-              <a:spcPct val="90000"/>
-            </a:lnSpc>
-            <a:spcBef>
-              <a:spcPct val="0"/>
-            </a:spcBef>
-            <a:spcAft>
-              <a:spcPct val="15000"/>
-            </a:spcAft>
-            <a:buChar char="•"/>
-          </a:pPr>
-          <a:r>
-            <a:rPr lang="en-US" sz="1000" kern="1200" dirty="0" err="1"/>
-            <a:t>Adición</a:t>
+            <a:rPr lang="en-US" sz="1600" b="0" kern="1200" dirty="0"/>
+            <a:t>a </a:t>
           </a:r>
           <a:r>
-            <a:rPr lang="en-US" sz="1000" kern="1200" dirty="0"/>
-            <a:t> de 5.0 </a:t>
+            <a:rPr lang="en-US" sz="1600" b="0" kern="1200" dirty="0" smtClean="0"/>
+            <a:t>13.</a:t>
           </a:r>
-          <a:r>
-            <a:rPr lang="en-US" sz="1000" kern="1200" dirty="0" err="1"/>
-            <a:t>mmol</a:t>
-          </a:r>
-          <a:r>
-            <a:rPr lang="en-US" sz="1000" kern="1200" dirty="0"/>
-            <a:t> de p-</a:t>
-          </a:r>
-          <a:r>
-            <a:rPr lang="en-US" sz="1000" kern="1200" dirty="0" err="1"/>
-            <a:t>metoxibenzaldehído</a:t>
-          </a:r>
-          <a:r>
-            <a:rPr lang="en-US" sz="1000" kern="1200" dirty="0"/>
-            <a:t>.</a:t>
-          </a:r>
-        </a:p>
-        <a:p>
-          <a:pPr marL="114300" lvl="2" indent="-57150" algn="l" defTabSz="444500">
-            <a:lnSpc>
-              <a:spcPct val="90000"/>
-            </a:lnSpc>
-            <a:spcBef>
-              <a:spcPct val="0"/>
-            </a:spcBef>
-            <a:spcAft>
-              <a:spcPct val="15000"/>
-            </a:spcAft>
-            <a:buChar char="•"/>
-          </a:pPr>
-          <a:r>
-            <a:rPr lang="en-US" sz="1000" kern="1200" dirty="0" err="1"/>
-            <a:t>Reacción</a:t>
-          </a:r>
-          <a:r>
-            <a:rPr lang="en-US" sz="1000" kern="1200" dirty="0"/>
-            <a:t> a 55 °C </a:t>
-          </a:r>
-          <a:r>
-            <a:rPr lang="en-US" sz="1000" kern="1200" dirty="0" err="1"/>
-            <a:t>en</a:t>
-          </a:r>
-          <a:r>
-            <a:rPr lang="en-US" sz="1000" kern="1200" dirty="0"/>
-            <a:t> N</a:t>
-          </a:r>
-          <a:r>
-            <a:rPr lang="en-US" sz="1000" kern="1200" baseline="-25000" dirty="0"/>
-            <a:t>2</a:t>
-          </a:r>
-          <a:r>
-            <a:rPr lang="en-US" sz="1000" kern="1200" dirty="0"/>
-            <a:t> </a:t>
-          </a:r>
-          <a:r>
-            <a:rPr lang="en-US" sz="1000" kern="1200" dirty="0" err="1"/>
-            <a:t>por</a:t>
-          </a:r>
-          <a:r>
-            <a:rPr lang="en-US" sz="1000" kern="1200" dirty="0"/>
-            <a:t> 18 horas.</a:t>
-          </a:r>
-        </a:p>
-        <a:p>
-          <a:pPr marL="57150" lvl="1" indent="-57150" algn="l" defTabSz="444500">
-            <a:lnSpc>
-              <a:spcPct val="90000"/>
-            </a:lnSpc>
-            <a:spcBef>
-              <a:spcPct val="0"/>
-            </a:spcBef>
-            <a:spcAft>
-              <a:spcPct val="15000"/>
-            </a:spcAft>
-            <a:buChar char="•"/>
-          </a:pPr>
-          <a:r>
-            <a:rPr lang="en-US" sz="1000" kern="1200" dirty="0" err="1"/>
-            <a:t>Adición</a:t>
-          </a:r>
-          <a:r>
-            <a:rPr lang="en-US" sz="1000" kern="1200" dirty="0"/>
-            <a:t> de 50 mL de </a:t>
-          </a:r>
-          <a:r>
-            <a:rPr lang="en-US" sz="1000" kern="1200" dirty="0" err="1"/>
-            <a:t>HCl</a:t>
-          </a:r>
-          <a:r>
-            <a:rPr lang="en-US" sz="1000" kern="1200" dirty="0"/>
-            <a:t> 1 M.</a:t>
-          </a:r>
+          <a:endParaRPr lang="en-US" sz="1600" b="0" kern="1200" dirty="0"/>
         </a:p>
       </dsp:txBody>
       <dsp:txXfrm rot="-5400000">
-        <a:off x="929732" y="1267283"/>
-        <a:ext cx="7933762" cy="959481"/>
-      </dsp:txXfrm>
-    </dsp:sp>
-    <dsp:sp modelId="{203C28E5-6D32-4F13-93D9-344BEE5A8FB4}">
-      <dsp:nvSpPr>
-        <dsp:cNvPr id="0" name=""/>
-        <dsp:cNvSpPr/>
-      </dsp:nvSpPr>
-      <dsp:spPr>
-        <a:xfrm rot="5400000">
-          <a:off x="-199228" y="2689057"/>
-          <a:ext cx="1328188" cy="929731"/>
-        </a:xfrm>
-        <a:prstGeom prst="chevron">
-          <a:avLst/>
-        </a:prstGeom>
-        <a:gradFill rotWithShape="0">
-          <a:gsLst>
-            <a:gs pos="0">
-              <a:schemeClr val="accent4">
-                <a:hueOff val="0"/>
-                <a:satOff val="0"/>
-                <a:lumOff val="0"/>
-                <a:alphaOff val="0"/>
-                <a:tint val="96000"/>
-                <a:lumMod val="104000"/>
-              </a:schemeClr>
-            </a:gs>
-            <a:gs pos="100000">
-              <a:schemeClr val="accent4">
-                <a:hueOff val="0"/>
-                <a:satOff val="0"/>
-                <a:lumOff val="0"/>
-                <a:alphaOff val="0"/>
-                <a:shade val="98000"/>
-                <a:lumMod val="94000"/>
-              </a:schemeClr>
-            </a:gs>
-          </a:gsLst>
-          <a:lin ang="5400000" scaled="0"/>
-        </a:gradFill>
-        <a:ln w="9525" cap="rnd" cmpd="sng" algn="ctr">
-          <a:solidFill>
-            <a:schemeClr val="accent4">
-              <a:hueOff val="0"/>
-              <a:satOff val="0"/>
-              <a:lumOff val="0"/>
-              <a:alphaOff val="0"/>
-            </a:schemeClr>
-          </a:solidFill>
-          <a:prstDash val="solid"/>
-        </a:ln>
-        <a:effectLst>
-          <a:outerShdw blurRad="50800" dist="38100" dir="5400000" rotWithShape="0">
-            <a:srgbClr val="000000">
-              <a:alpha val="60000"/>
-            </a:srgbClr>
-          </a:outerShdw>
-        </a:effectLst>
-      </dsp:spPr>
-      <dsp:style>
-        <a:lnRef idx="1">
-          <a:scrgbClr r="0" g="0" b="0"/>
-        </a:lnRef>
-        <a:fillRef idx="3">
-          <a:scrgbClr r="0" g="0" b="0"/>
-        </a:fillRef>
-        <a:effectRef idx="3">
-          <a:scrgbClr r="0" g="0" b="0"/>
-        </a:effectRef>
-        <a:fontRef idx="minor">
-          <a:schemeClr val="lt1"/>
-        </a:fontRef>
-      </dsp:style>
-      <dsp:txBody>
-        <a:bodyPr spcFirstLastPara="0" vert="horz" wrap="square" lIns="7620" tIns="7620" rIns="7620" bIns="7620" numCol="1" spcCol="1270" anchor="ctr" anchorCtr="0">
-          <a:noAutofit/>
-        </a:bodyPr>
-        <a:lstStyle/>
-        <a:p>
-          <a:pPr marL="0" lvl="0" indent="0" algn="ctr" defTabSz="533400">
-            <a:lnSpc>
-              <a:spcPct val="90000"/>
-            </a:lnSpc>
-            <a:spcBef>
-              <a:spcPct val="0"/>
-            </a:spcBef>
-            <a:spcAft>
-              <a:spcPct val="35000"/>
-            </a:spcAft>
-            <a:buNone/>
-          </a:pPr>
-          <a:r>
-            <a:rPr lang="en-US" sz="1200" b="1" kern="1200" dirty="0" err="1"/>
-            <a:t>Extracción</a:t>
-          </a:r>
-          <a:endParaRPr lang="en-US" sz="1200" b="1" kern="1200" dirty="0"/>
-        </a:p>
-      </dsp:txBody>
-      <dsp:txXfrm rot="-5400000">
-        <a:off x="1" y="2954695"/>
-        <a:ext cx="929731" cy="398457"/>
-      </dsp:txXfrm>
-    </dsp:sp>
-    <dsp:sp modelId="{7D83A7F7-A0B4-4E24-A9A9-741E66AEB222}">
-      <dsp:nvSpPr>
-        <dsp:cNvPr id="0" name=""/>
-        <dsp:cNvSpPr/>
-      </dsp:nvSpPr>
-      <dsp:spPr>
-        <a:xfrm rot="5400000">
-          <a:off x="4490904" y="-1071343"/>
-          <a:ext cx="863322" cy="7985668"/>
-        </a:xfrm>
-        <a:prstGeom prst="round2SameRect">
-          <a:avLst/>
-        </a:prstGeom>
-        <a:solidFill>
-          <a:schemeClr val="lt1">
-            <a:alpha val="90000"/>
-            <a:hueOff val="0"/>
-            <a:satOff val="0"/>
-            <a:lumOff val="0"/>
-            <a:alphaOff val="0"/>
-          </a:schemeClr>
-        </a:solidFill>
-        <a:ln w="9525" cap="rnd" cmpd="sng" algn="ctr">
-          <a:solidFill>
-            <a:schemeClr val="accent4">
-              <a:hueOff val="0"/>
-              <a:satOff val="0"/>
-              <a:lumOff val="0"/>
-              <a:alphaOff val="0"/>
-            </a:schemeClr>
-          </a:solidFill>
-          <a:prstDash val="solid"/>
-        </a:ln>
-        <a:effectLst>
-          <a:outerShdw blurRad="38100" dist="25400" dir="5400000" rotWithShape="0">
-            <a:srgbClr val="000000">
-              <a:alpha val="25000"/>
-            </a:srgbClr>
-          </a:outerShdw>
-        </a:effectLst>
-      </dsp:spPr>
-      <dsp:style>
-        <a:lnRef idx="1">
-          <a:scrgbClr r="0" g="0" b="0"/>
-        </a:lnRef>
-        <a:fillRef idx="1">
-          <a:scrgbClr r="0" g="0" b="0"/>
-        </a:fillRef>
-        <a:effectRef idx="2">
-          <a:scrgbClr r="0" g="0" b="0"/>
-        </a:effectRef>
-        <a:fontRef idx="minor"/>
-      </dsp:style>
-      <dsp:txBody>
-        <a:bodyPr spcFirstLastPara="0" vert="horz" wrap="square" lIns="71120" tIns="6350" rIns="6350" bIns="6350" numCol="1" spcCol="1270" anchor="ctr" anchorCtr="0">
-          <a:noAutofit/>
-        </a:bodyPr>
-        <a:lstStyle/>
-        <a:p>
-          <a:pPr marL="57150" lvl="1" indent="-57150" algn="l" defTabSz="444500">
-            <a:lnSpc>
-              <a:spcPct val="90000"/>
-            </a:lnSpc>
-            <a:spcBef>
-              <a:spcPct val="0"/>
-            </a:spcBef>
-            <a:spcAft>
-              <a:spcPct val="15000"/>
-            </a:spcAft>
-            <a:buChar char="•"/>
-          </a:pPr>
-          <a:r>
-            <a:rPr lang="en-US" sz="1000" kern="1200" dirty="0" err="1"/>
-            <a:t>Filtración</a:t>
-          </a:r>
-          <a:r>
-            <a:rPr lang="en-US" sz="1000" kern="1200" dirty="0"/>
-            <a:t> </a:t>
-          </a:r>
-          <a:r>
-            <a:rPr lang="en-US" sz="1000" kern="1200" dirty="0" err="1"/>
-            <a:t>en</a:t>
-          </a:r>
-          <a:r>
-            <a:rPr lang="en-US" sz="1000" kern="1200" dirty="0"/>
-            <a:t> </a:t>
-          </a:r>
-          <a:r>
-            <a:rPr lang="en-US" sz="1000" kern="1200" dirty="0" err="1"/>
-            <a:t>celita</a:t>
-          </a:r>
-          <a:r>
-            <a:rPr lang="en-US" sz="1000" kern="1200" dirty="0"/>
-            <a:t>.</a:t>
-          </a:r>
-        </a:p>
-        <a:p>
-          <a:pPr marL="57150" lvl="1" indent="-57150" algn="l" defTabSz="444500">
-            <a:lnSpc>
-              <a:spcPct val="90000"/>
-            </a:lnSpc>
-            <a:spcBef>
-              <a:spcPct val="0"/>
-            </a:spcBef>
-            <a:spcAft>
-              <a:spcPct val="15000"/>
-            </a:spcAft>
-            <a:buChar char="•"/>
-          </a:pPr>
-          <a:r>
-            <a:rPr lang="en-US" sz="1000" kern="1200" dirty="0" err="1"/>
-            <a:t>Extracción</a:t>
-          </a:r>
-          <a:r>
-            <a:rPr lang="en-US" sz="1000" kern="1200" dirty="0"/>
-            <a:t> </a:t>
-          </a:r>
-          <a:r>
-            <a:rPr lang="en-US" sz="1000" kern="1200" dirty="0" err="1"/>
-            <a:t>líquido</a:t>
-          </a:r>
-          <a:r>
-            <a:rPr lang="en-US" sz="1000" kern="1200" dirty="0"/>
-            <a:t> </a:t>
-          </a:r>
-          <a:r>
-            <a:rPr lang="en-US" sz="1000" kern="1200" dirty="0" err="1"/>
-            <a:t>líquido</a:t>
-          </a:r>
-          <a:r>
-            <a:rPr lang="en-US" sz="1000" kern="1200" dirty="0"/>
-            <a:t> con dos </a:t>
-          </a:r>
-          <a:r>
-            <a:rPr lang="en-US" sz="1000" kern="1200" dirty="0" err="1"/>
-            <a:t>lavados</a:t>
-          </a:r>
-          <a:r>
-            <a:rPr lang="en-US" sz="1000" kern="1200" dirty="0"/>
-            <a:t> de CH</a:t>
-          </a:r>
-          <a:r>
-            <a:rPr lang="en-US" sz="1000" kern="1200" baseline="-25000" dirty="0"/>
-            <a:t>2</a:t>
-          </a:r>
-          <a:r>
-            <a:rPr lang="en-US" sz="1000" kern="1200" dirty="0"/>
-            <a:t>Cl</a:t>
-          </a:r>
-          <a:r>
-            <a:rPr lang="en-US" sz="1000" kern="1200" baseline="-25000" dirty="0"/>
-            <a:t>2 </a:t>
-          </a:r>
-          <a:r>
-            <a:rPr lang="en-US" sz="1000" kern="1200" dirty="0"/>
-            <a:t>y </a:t>
-          </a:r>
-          <a:r>
-            <a:rPr lang="en-US" sz="1000" kern="1200" dirty="0" err="1"/>
-            <a:t>una</a:t>
-          </a:r>
-          <a:r>
-            <a:rPr lang="en-US" sz="1000" kern="1200" dirty="0"/>
-            <a:t> </a:t>
-          </a:r>
-          <a:r>
-            <a:rPr lang="en-US" sz="1000" kern="1200" dirty="0" err="1"/>
-            <a:t>solución</a:t>
-          </a:r>
-          <a:r>
-            <a:rPr lang="en-US" sz="1000" kern="1200" dirty="0"/>
-            <a:t> </a:t>
-          </a:r>
-          <a:r>
-            <a:rPr lang="en-US" sz="1000" kern="1200" dirty="0" err="1"/>
-            <a:t>saturada</a:t>
-          </a:r>
-          <a:r>
-            <a:rPr lang="en-US" sz="1000" kern="1200" dirty="0"/>
-            <a:t> de </a:t>
-          </a:r>
-          <a:r>
-            <a:rPr lang="en-US" sz="1000" kern="1200" dirty="0" err="1"/>
-            <a:t>NaCl</a:t>
-          </a:r>
-          <a:r>
-            <a:rPr lang="en-US" sz="1000" kern="1200" dirty="0"/>
-            <a:t>.</a:t>
-          </a:r>
-        </a:p>
-        <a:p>
-          <a:pPr marL="57150" lvl="1" indent="-57150" algn="l" defTabSz="444500">
-            <a:lnSpc>
-              <a:spcPct val="90000"/>
-            </a:lnSpc>
-            <a:spcBef>
-              <a:spcPct val="0"/>
-            </a:spcBef>
-            <a:spcAft>
-              <a:spcPct val="15000"/>
-            </a:spcAft>
-            <a:buChar char="•"/>
-          </a:pPr>
-          <a:r>
-            <a:rPr lang="en-US" sz="1000" kern="1200" dirty="0" err="1"/>
-            <a:t>Secado</a:t>
-          </a:r>
-          <a:r>
-            <a:rPr lang="en-US" sz="1000" kern="1200" dirty="0"/>
-            <a:t> </a:t>
-          </a:r>
-          <a:r>
-            <a:rPr lang="en-US" sz="1000" kern="1200" dirty="0" err="1"/>
-            <a:t>en</a:t>
-          </a:r>
-          <a:r>
-            <a:rPr lang="en-US" sz="1000" kern="1200" dirty="0"/>
-            <a:t> </a:t>
-          </a:r>
-          <a:r>
-            <a:rPr lang="en-US" sz="1000" kern="1200" dirty="0" err="1"/>
-            <a:t>sulfato</a:t>
-          </a:r>
-          <a:r>
-            <a:rPr lang="en-US" sz="1000" kern="1200" dirty="0"/>
-            <a:t> de </a:t>
-          </a:r>
-          <a:r>
-            <a:rPr lang="en-US" sz="1000" kern="1200" dirty="0" err="1"/>
-            <a:t>magnesio</a:t>
-          </a:r>
-          <a:r>
-            <a:rPr lang="en-US" sz="1000" kern="1200" dirty="0"/>
-            <a:t> y </a:t>
-          </a:r>
-          <a:r>
-            <a:rPr lang="en-US" sz="1000" kern="1200" dirty="0" err="1"/>
-            <a:t>rotaevaporación</a:t>
-          </a:r>
-          <a:r>
-            <a:rPr lang="en-US" sz="1000" kern="1200" dirty="0"/>
-            <a:t>.</a:t>
-          </a:r>
-        </a:p>
-      </dsp:txBody>
-      <dsp:txXfrm rot="-5400000">
-        <a:off x="929731" y="2531974"/>
-        <a:ext cx="7943524" cy="779034"/>
-      </dsp:txXfrm>
-    </dsp:sp>
-    <dsp:sp modelId="{DF990E23-59F4-43AF-A899-39184D358677}">
-      <dsp:nvSpPr>
-        <dsp:cNvPr id="0" name=""/>
-        <dsp:cNvSpPr/>
-      </dsp:nvSpPr>
-      <dsp:spPr>
-        <a:xfrm rot="5400000">
-          <a:off x="-199228" y="3874693"/>
-          <a:ext cx="1328188" cy="929731"/>
-        </a:xfrm>
-        <a:prstGeom prst="chevron">
-          <a:avLst/>
-        </a:prstGeom>
-        <a:gradFill rotWithShape="0">
-          <a:gsLst>
-            <a:gs pos="0">
-              <a:schemeClr val="accent5">
-                <a:hueOff val="0"/>
-                <a:satOff val="0"/>
-                <a:lumOff val="0"/>
-                <a:alphaOff val="0"/>
-                <a:tint val="96000"/>
-                <a:lumMod val="104000"/>
-              </a:schemeClr>
-            </a:gs>
-            <a:gs pos="100000">
-              <a:schemeClr val="accent5">
-                <a:hueOff val="0"/>
-                <a:satOff val="0"/>
-                <a:lumOff val="0"/>
-                <a:alphaOff val="0"/>
-                <a:shade val="98000"/>
-                <a:lumMod val="94000"/>
-              </a:schemeClr>
-            </a:gs>
-          </a:gsLst>
-          <a:lin ang="5400000" scaled="0"/>
-        </a:gradFill>
-        <a:ln w="9525" cap="rnd" cmpd="sng" algn="ctr">
-          <a:solidFill>
-            <a:schemeClr val="accent5">
-              <a:hueOff val="0"/>
-              <a:satOff val="0"/>
-              <a:lumOff val="0"/>
-              <a:alphaOff val="0"/>
-            </a:schemeClr>
-          </a:solidFill>
-          <a:prstDash val="solid"/>
-        </a:ln>
-        <a:effectLst>
-          <a:outerShdw blurRad="50800" dist="38100" dir="5400000" rotWithShape="0">
-            <a:srgbClr val="000000">
-              <a:alpha val="60000"/>
-            </a:srgbClr>
-          </a:outerShdw>
-        </a:effectLst>
-      </dsp:spPr>
-      <dsp:style>
-        <a:lnRef idx="1">
-          <a:scrgbClr r="0" g="0" b="0"/>
-        </a:lnRef>
-        <a:fillRef idx="3">
-          <a:scrgbClr r="0" g="0" b="0"/>
-        </a:fillRef>
-        <a:effectRef idx="3">
-          <a:scrgbClr r="0" g="0" b="0"/>
-        </a:effectRef>
-        <a:fontRef idx="minor">
-          <a:schemeClr val="lt1"/>
-        </a:fontRef>
-      </dsp:style>
-      <dsp:txBody>
-        <a:bodyPr spcFirstLastPara="0" vert="horz" wrap="square" lIns="7620" tIns="7620" rIns="7620" bIns="7620" numCol="1" spcCol="1270" anchor="ctr" anchorCtr="0">
-          <a:noAutofit/>
-        </a:bodyPr>
-        <a:lstStyle/>
-        <a:p>
-          <a:pPr marL="0" lvl="0" indent="0" algn="ctr" defTabSz="533400">
-            <a:lnSpc>
-              <a:spcPct val="90000"/>
-            </a:lnSpc>
-            <a:spcBef>
-              <a:spcPct val="0"/>
-            </a:spcBef>
-            <a:spcAft>
-              <a:spcPct val="35000"/>
-            </a:spcAft>
-            <a:buNone/>
-          </a:pPr>
-          <a:r>
-            <a:rPr lang="en-US" sz="1200" b="1" kern="1200" dirty="0" err="1"/>
-            <a:t>Purificación</a:t>
-          </a:r>
-          <a:endParaRPr lang="en-US" sz="1200" b="1" kern="1200" dirty="0"/>
-        </a:p>
-      </dsp:txBody>
-      <dsp:txXfrm rot="-5400000">
-        <a:off x="1" y="4140331"/>
-        <a:ext cx="929731" cy="398457"/>
-      </dsp:txXfrm>
-    </dsp:sp>
-    <dsp:sp modelId="{56D5EFD3-3431-4ABB-9328-4E7C91EAD593}">
-      <dsp:nvSpPr>
-        <dsp:cNvPr id="0" name=""/>
-        <dsp:cNvSpPr/>
-      </dsp:nvSpPr>
-      <dsp:spPr>
-        <a:xfrm rot="5400000">
-          <a:off x="4490904" y="114292"/>
-          <a:ext cx="863322" cy="7985668"/>
-        </a:xfrm>
-        <a:prstGeom prst="round2SameRect">
-          <a:avLst/>
-        </a:prstGeom>
-        <a:solidFill>
-          <a:schemeClr val="lt1">
-            <a:alpha val="90000"/>
-            <a:hueOff val="0"/>
-            <a:satOff val="0"/>
-            <a:lumOff val="0"/>
-            <a:alphaOff val="0"/>
-          </a:schemeClr>
-        </a:solidFill>
-        <a:ln w="9525" cap="rnd" cmpd="sng" algn="ctr">
-          <a:solidFill>
-            <a:schemeClr val="accent5">
-              <a:hueOff val="0"/>
-              <a:satOff val="0"/>
-              <a:lumOff val="0"/>
-              <a:alphaOff val="0"/>
-            </a:schemeClr>
-          </a:solidFill>
-          <a:prstDash val="solid"/>
-        </a:ln>
-        <a:effectLst>
-          <a:outerShdw blurRad="38100" dist="25400" dir="5400000" rotWithShape="0">
-            <a:srgbClr val="000000">
-              <a:alpha val="25000"/>
-            </a:srgbClr>
-          </a:outerShdw>
-        </a:effectLst>
-      </dsp:spPr>
-      <dsp:style>
-        <a:lnRef idx="1">
-          <a:scrgbClr r="0" g="0" b="0"/>
-        </a:lnRef>
-        <a:fillRef idx="1">
-          <a:scrgbClr r="0" g="0" b="0"/>
-        </a:fillRef>
-        <a:effectRef idx="2">
-          <a:scrgbClr r="0" g="0" b="0"/>
-        </a:effectRef>
-        <a:fontRef idx="minor"/>
-      </dsp:style>
-      <dsp:txBody>
-        <a:bodyPr spcFirstLastPara="0" vert="horz" wrap="square" lIns="71120" tIns="6350" rIns="6350" bIns="6350" numCol="1" spcCol="1270" anchor="ctr" anchorCtr="0">
-          <a:noAutofit/>
-        </a:bodyPr>
-        <a:lstStyle/>
-        <a:p>
-          <a:pPr marL="57150" lvl="1" indent="-57150" algn="l" defTabSz="444500">
-            <a:lnSpc>
-              <a:spcPct val="90000"/>
-            </a:lnSpc>
-            <a:spcBef>
-              <a:spcPct val="0"/>
-            </a:spcBef>
-            <a:spcAft>
-              <a:spcPct val="15000"/>
-            </a:spcAft>
-            <a:buChar char="•"/>
-          </a:pPr>
-          <a:r>
-            <a:rPr lang="en-US" sz="1000" b="0" kern="1200" dirty="0" err="1"/>
-            <a:t>Columna</a:t>
-          </a:r>
-          <a:r>
-            <a:rPr lang="en-US" sz="1000" b="0" kern="1200" dirty="0"/>
-            <a:t> de silica con </a:t>
-          </a:r>
-          <a:r>
-            <a:rPr lang="en-US" sz="1000" b="0" kern="1200" dirty="0" err="1"/>
-            <a:t>fase</a:t>
-          </a:r>
-          <a:r>
-            <a:rPr lang="en-US" sz="1000" b="0" kern="1200" dirty="0"/>
-            <a:t> </a:t>
-          </a:r>
-          <a:r>
-            <a:rPr lang="en-US" sz="1000" b="0" kern="1200" dirty="0" err="1"/>
-            <a:t>móvil</a:t>
-          </a:r>
-          <a:r>
-            <a:rPr lang="en-US" sz="1000" b="0" kern="1200" dirty="0"/>
-            <a:t> de </a:t>
-          </a:r>
-          <a:r>
-            <a:rPr lang="en-US" sz="1000" b="0" kern="1200" dirty="0" err="1"/>
-            <a:t>acetato</a:t>
-          </a:r>
-          <a:r>
-            <a:rPr lang="en-US" sz="1000" b="0" kern="1200" dirty="0"/>
-            <a:t> de </a:t>
-          </a:r>
-          <a:r>
-            <a:rPr lang="en-US" sz="1000" b="0" kern="1200" dirty="0" err="1"/>
-            <a:t>etilo</a:t>
-          </a:r>
-          <a:r>
-            <a:rPr lang="en-US" sz="1000" b="0" kern="1200" dirty="0"/>
-            <a:t> : </a:t>
-          </a:r>
-          <a:r>
-            <a:rPr lang="en-US" sz="1000" b="0" kern="1200" dirty="0" err="1"/>
-            <a:t>pentano</a:t>
-          </a:r>
-          <a:r>
-            <a:rPr lang="en-US" sz="1000" b="0" kern="1200" dirty="0"/>
-            <a:t> (4:6)</a:t>
-          </a:r>
-        </a:p>
-        <a:p>
-          <a:pPr marL="57150" lvl="1" indent="-57150" algn="l" defTabSz="444500">
-            <a:lnSpc>
-              <a:spcPct val="90000"/>
-            </a:lnSpc>
-            <a:spcBef>
-              <a:spcPct val="0"/>
-            </a:spcBef>
-            <a:spcAft>
-              <a:spcPct val="15000"/>
-            </a:spcAft>
-            <a:buChar char="•"/>
-          </a:pPr>
-          <a:r>
-            <a:rPr lang="en-US" sz="1000" b="0" kern="1200" dirty="0" err="1"/>
-            <a:t>Fracciones</a:t>
-          </a:r>
-          <a:r>
-            <a:rPr lang="en-US" sz="1000" b="0" kern="1200" dirty="0"/>
-            <a:t> 3 a 6.</a:t>
-          </a:r>
-        </a:p>
-      </dsp:txBody>
-      <dsp:txXfrm rot="-5400000">
-        <a:off x="929731" y="3717609"/>
-        <a:ext cx="7943524" cy="779034"/>
+        <a:off x="1858031" y="2459676"/>
+        <a:ext cx="6973146" cy="1556867"/>
       </dsp:txXfrm>
     </dsp:sp>
   </dsp:spTree>
@@ -4647,7 +3747,7 @@
           <a:p>
             <a:fld id="{AE23607D-2954-45AB-9B12-F75F7C1EC4F7}" type="datetimeFigureOut">
               <a:rPr lang="en-US" smtClean="0"/>
-              <a:t>9/14/2017</a:t>
+              <a:t>9/15/2017</a:t>
             </a:fld>
             <a:endParaRPr lang="en-US"/>
           </a:p>
@@ -4805,7 +3905,7 @@
           <a:p>
             <a:fld id="{3395A569-96CB-46C3-BFEC-D9AAEB921387}" type="slidenum">
               <a:rPr lang="en-US" smtClean="0"/>
-              <a:t>‹#›</a:t>
+              <a:t>‹Nº›</a:t>
             </a:fld>
             <a:endParaRPr lang="en-US"/>
           </a:p>
@@ -5102,7 +4202,7 @@
           <a:p>
             <a:fld id="{0DF09132-FD06-41DE-98BE-1F7EA0B457A4}" type="datetime1">
               <a:rPr lang="en-US" smtClean="0"/>
-              <a:t>9/14/2017</a:t>
+              <a:t>9/15/2017</a:t>
             </a:fld>
             <a:endParaRPr lang="en-US" dirty="0"/>
           </a:p>
@@ -5232,7 +4332,7 @@
             <a:fld id="{D57F1E4F-1CFF-5643-939E-217C01CDF565}" type="slidenum">
               <a:rPr lang="en-US" dirty="0"/>
               <a:pPr/>
-              <a:t>‹#›</a:t>
+              <a:t>‹Nº›</a:t>
             </a:fld>
             <a:endParaRPr lang="en-US" dirty="0"/>
           </a:p>
@@ -5436,7 +4536,7 @@
           <a:p>
             <a:fld id="{BE8BC478-5DCA-4AB3-8368-C549BD3C24CC}" type="datetime1">
               <a:rPr lang="en-US" smtClean="0"/>
-              <a:t>9/14/2017</a:t>
+              <a:t>9/15/2017</a:t>
             </a:fld>
             <a:endParaRPr lang="en-US" dirty="0"/>
           </a:p>
@@ -5566,7 +4666,7 @@
             <a:fld id="{D57F1E4F-1CFF-5643-939E-217C01CDF565}" type="slidenum">
               <a:rPr lang="en-US" dirty="0"/>
               <a:pPr/>
-              <a:t>‹#›</a:t>
+              <a:t>‹Nº›</a:t>
             </a:fld>
             <a:endParaRPr lang="en-US" dirty="0"/>
           </a:p>
@@ -5833,7 +4933,7 @@
           <a:p>
             <a:fld id="{A23B774D-C468-42F8-9DDF-2CF240CEB37A}" type="datetime1">
               <a:rPr lang="en-US" smtClean="0"/>
-              <a:t>9/14/2017</a:t>
+              <a:t>9/15/2017</a:t>
             </a:fld>
             <a:endParaRPr lang="en-US" dirty="0"/>
           </a:p>
@@ -5963,7 +5063,7 @@
             <a:fld id="{D57F1E4F-1CFF-5643-939E-217C01CDF565}" type="slidenum">
               <a:rPr lang="en-US" dirty="0"/>
               <a:pPr/>
-              <a:t>‹#›</a:t>
+              <a:t>‹Nº›</a:t>
             </a:fld>
             <a:endParaRPr lang="en-US" dirty="0"/>
           </a:p>
@@ -6165,7 +5265,7 @@
           <a:p>
             <a:fld id="{21B7A927-928E-407B-B6A0-39E50365CB7F}" type="datetime1">
               <a:rPr lang="en-US" smtClean="0"/>
-              <a:t>9/14/2017</a:t>
+              <a:t>9/15/2017</a:t>
             </a:fld>
             <a:endParaRPr lang="en-US" dirty="0"/>
           </a:p>
@@ -6295,7 +5395,7 @@
             <a:fld id="{D57F1E4F-1CFF-5643-939E-217C01CDF565}" type="slidenum">
               <a:rPr lang="en-US" dirty="0"/>
               <a:pPr/>
-              <a:t>‹#›</a:t>
+              <a:t>‹Nº›</a:t>
             </a:fld>
             <a:endParaRPr lang="en-US" dirty="0"/>
           </a:p>
@@ -6481,7 +5581,7 @@
           <a:p>
             <a:fld id="{4CB8FBD3-2AD5-40D6-9EE1-CA3FA2871667}" type="datetime1">
               <a:rPr lang="en-US" smtClean="0"/>
-              <a:t>9/14/2017</a:t>
+              <a:t>9/15/2017</a:t>
             </a:fld>
             <a:endParaRPr lang="en-US" dirty="0"/>
           </a:p>
@@ -6611,7 +5711,7 @@
             <a:fld id="{D57F1E4F-1CFF-5643-939E-217C01CDF565}" type="slidenum">
               <a:rPr lang="en-US" dirty="0"/>
               <a:pPr/>
-              <a:t>‹#›</a:t>
+              <a:t>‹Nº›</a:t>
             </a:fld>
             <a:endParaRPr lang="en-US" dirty="0"/>
           </a:p>
@@ -6873,7 +5973,7 @@
           <a:p>
             <a:fld id="{E955132E-79E9-478E-AE84-6C89A3F1CB06}" type="datetime1">
               <a:rPr lang="en-US" smtClean="0"/>
-              <a:t>9/14/2017</a:t>
+              <a:t>9/15/2017</a:t>
             </a:fld>
             <a:endParaRPr lang="en-US" dirty="0"/>
           </a:p>
@@ -7003,7 +6103,7 @@
             <a:fld id="{D57F1E4F-1CFF-5643-939E-217C01CDF565}" type="slidenum">
               <a:rPr lang="en-US" dirty="0"/>
               <a:pPr/>
-              <a:t>‹#›</a:t>
+              <a:t>‹Nº›</a:t>
             </a:fld>
             <a:endParaRPr lang="en-US" dirty="0"/>
           </a:p>
@@ -7126,7 +6226,7 @@
           <a:p>
             <a:fld id="{B5573B49-C449-432F-A3D9-C96731704794}" type="datetime1">
               <a:rPr lang="en-US" smtClean="0"/>
-              <a:t>9/14/2017</a:t>
+              <a:t>9/15/2017</a:t>
             </a:fld>
             <a:endParaRPr lang="en-US" dirty="0"/>
           </a:p>
@@ -7251,7 +6351,7 @@
             <a:fld id="{D57F1E4F-1CFF-5643-939E-217C01CDF565}" type="slidenum">
               <a:rPr lang="en-US" dirty="0"/>
               <a:pPr/>
-              <a:t>‹#›</a:t>
+              <a:t>‹Nº›</a:t>
             </a:fld>
             <a:endParaRPr lang="en-US" dirty="0"/>
           </a:p>
@@ -7384,7 +6484,7 @@
           <a:p>
             <a:fld id="{C147E3B3-E019-4E62-9ADB-FD939F11121B}" type="datetime1">
               <a:rPr lang="en-US" smtClean="0"/>
-              <a:t>9/14/2017</a:t>
+              <a:t>9/15/2017</a:t>
             </a:fld>
             <a:endParaRPr lang="en-US" dirty="0"/>
           </a:p>
@@ -7509,7 +6609,7 @@
             <a:fld id="{D57F1E4F-1CFF-5643-939E-217C01CDF565}" type="slidenum">
               <a:rPr lang="en-US" dirty="0"/>
               <a:pPr/>
-              <a:t>‹#›</a:t>
+              <a:t>‹Nº›</a:t>
             </a:fld>
             <a:endParaRPr lang="en-US" dirty="0"/>
           </a:p>
@@ -7642,7 +6742,7 @@
           <a:p>
             <a:fld id="{899AE99E-88A3-4CEF-A8B9-D2477417CCAE}" type="datetime1">
               <a:rPr lang="en-US" smtClean="0"/>
-              <a:t>9/14/2017</a:t>
+              <a:t>9/15/2017</a:t>
             </a:fld>
             <a:endParaRPr lang="en-US" dirty="0"/>
           </a:p>
@@ -7767,7 +6867,7 @@
             <a:fld id="{D57F1E4F-1CFF-5643-939E-217C01CDF565}" type="slidenum">
               <a:rPr lang="en-US" dirty="0"/>
               <a:pPr/>
-              <a:t>‹#›</a:t>
+              <a:t>‹Nº›</a:t>
             </a:fld>
             <a:endParaRPr lang="en-US" dirty="0"/>
           </a:p>
@@ -7967,7 +7067,7 @@
           <a:p>
             <a:fld id="{F44879E6-1E45-422B-B629-5F99273349AB}" type="datetime1">
               <a:rPr lang="en-US" smtClean="0"/>
-              <a:t>9/14/2017</a:t>
+              <a:t>9/15/2017</a:t>
             </a:fld>
             <a:endParaRPr lang="en-US" dirty="0"/>
           </a:p>
@@ -8097,7 +7197,7 @@
             <a:fld id="{D57F1E4F-1CFF-5643-939E-217C01CDF565}" type="slidenum">
               <a:rPr lang="en-US" dirty="0"/>
               <a:pPr/>
-              <a:t>‹#›</a:t>
+              <a:t>‹Nº›</a:t>
             </a:fld>
             <a:endParaRPr lang="en-US" dirty="0"/>
           </a:p>
@@ -8286,7 +7386,7 @@
           <a:p>
             <a:fld id="{6F8FCF6A-B7B6-465E-90F8-D69FB77FF0AF}" type="datetime1">
               <a:rPr lang="en-US" smtClean="0"/>
-              <a:t>9/14/2017</a:t>
+              <a:t>9/15/2017</a:t>
             </a:fld>
             <a:endParaRPr lang="en-US" dirty="0"/>
           </a:p>
@@ -8416,7 +7516,7 @@
             <a:fld id="{D57F1E4F-1CFF-5643-939E-217C01CDF565}" type="slidenum">
               <a:rPr lang="en-US" dirty="0"/>
               <a:pPr/>
-              <a:t>‹#›</a:t>
+              <a:t>‹Nº›</a:t>
             </a:fld>
             <a:endParaRPr lang="en-US" dirty="0"/>
           </a:p>
@@ -8739,7 +7839,7 @@
           <a:p>
             <a:fld id="{1798C36C-D3D7-44E7-8196-8F247A4614D3}" type="datetime1">
               <a:rPr lang="en-US" smtClean="0"/>
-              <a:t>9/14/2017</a:t>
+              <a:t>9/15/2017</a:t>
             </a:fld>
             <a:endParaRPr lang="en-US" dirty="0"/>
           </a:p>
@@ -8869,7 +7969,7 @@
             <a:fld id="{D57F1E4F-1CFF-5643-939E-217C01CDF565}" type="slidenum">
               <a:rPr lang="en-US" dirty="0"/>
               <a:pPr/>
-              <a:t>‹#›</a:t>
+              <a:t>‹Nº›</a:t>
             </a:fld>
             <a:endParaRPr lang="en-US" dirty="0"/>
           </a:p>
@@ -8940,7 +8040,7 @@
           <a:p>
             <a:fld id="{6F920D92-9C0B-405C-9B31-7D124EFF8A29}" type="datetime1">
               <a:rPr lang="en-US" smtClean="0"/>
-              <a:t>9/14/2017</a:t>
+              <a:t>9/15/2017</a:t>
             </a:fld>
             <a:endParaRPr lang="en-US" dirty="0"/>
           </a:p>
@@ -9065,7 +8165,7 @@
             <a:fld id="{D57F1E4F-1CFF-5643-939E-217C01CDF565}" type="slidenum">
               <a:rPr lang="en-US" dirty="0"/>
               <a:pPr/>
-              <a:t>‹#›</a:t>
+              <a:t>‹Nº›</a:t>
             </a:fld>
             <a:endParaRPr lang="en-US" dirty="0"/>
           </a:p>
@@ -9113,7 +8213,7 @@
           <a:p>
             <a:fld id="{2944C637-2597-43FC-AE44-749743B28690}" type="datetime1">
               <a:rPr lang="en-US" smtClean="0"/>
-              <a:t>9/14/2017</a:t>
+              <a:t>9/15/2017</a:t>
             </a:fld>
             <a:endParaRPr lang="en-US" dirty="0"/>
           </a:p>
@@ -9238,7 +8338,7 @@
             <a:fld id="{D57F1E4F-1CFF-5643-939E-217C01CDF565}" type="slidenum">
               <a:rPr lang="en-US" dirty="0"/>
               <a:pPr/>
-              <a:t>‹#›</a:t>
+              <a:t>‹Nº›</a:t>
             </a:fld>
             <a:endParaRPr lang="en-US" dirty="0"/>
           </a:p>
@@ -9442,7 +8542,7 @@
           <a:p>
             <a:fld id="{9EFFD597-CC90-439D-A91E-EA80AF4B1288}" type="datetime1">
               <a:rPr lang="en-US" smtClean="0"/>
-              <a:t>9/14/2017</a:t>
+              <a:t>9/15/2017</a:t>
             </a:fld>
             <a:endParaRPr lang="en-US" dirty="0"/>
           </a:p>
@@ -9567,7 +8667,7 @@
             <a:fld id="{D57F1E4F-1CFF-5643-939E-217C01CDF565}" type="slidenum">
               <a:rPr lang="en-US" dirty="0"/>
               <a:pPr/>
-              <a:t>‹#›</a:t>
+              <a:t>‹Nº›</a:t>
             </a:fld>
             <a:endParaRPr lang="en-US" dirty="0"/>
           </a:p>
@@ -9783,7 +8883,7 @@
           <a:p>
             <a:fld id="{6E0911EB-4002-4F26-9B08-8C83BE4AE799}" type="datetime1">
               <a:rPr lang="en-US" smtClean="0"/>
-              <a:t>9/14/2017</a:t>
+              <a:t>9/15/2017</a:t>
             </a:fld>
             <a:endParaRPr lang="en-US" dirty="0"/>
           </a:p>
@@ -9913,7 +9013,7 @@
             <a:fld id="{D57F1E4F-1CFF-5643-939E-217C01CDF565}" type="slidenum">
               <a:rPr lang="en-US" dirty="0"/>
               <a:pPr/>
-              <a:t>‹#›</a:t>
+              <a:t>‹Nº›</a:t>
             </a:fld>
             <a:endParaRPr lang="en-US" dirty="0"/>
           </a:p>
@@ -11896,7 +10996,7 @@
           <a:p>
             <a:fld id="{2B4717CD-B517-45F7-8947-62A888D4F90C}" type="datetime1">
               <a:rPr lang="en-US" smtClean="0"/>
-              <a:t>9/14/2017</a:t>
+              <a:t>9/15/2017</a:t>
             </a:fld>
             <a:endParaRPr lang="en-US" dirty="0"/>
           </a:p>
@@ -11973,7 +11073,7 @@
             <a:fld id="{D57F1E4F-1CFF-5643-939E-217C01CDF565}" type="slidenum">
               <a:rPr lang="en-US" dirty="0"/>
               <a:pPr/>
-              <a:t>‹#›</a:t>
+              <a:t>‹Nº›</a:t>
             </a:fld>
             <a:endParaRPr lang="en-US" dirty="0"/>
           </a:p>
@@ -12415,7 +11515,7 @@
           <p:cNvPr id="2" name="Title 1">
             <a:extLst>
               <a:ext uri="{FF2B5EF4-FFF2-40B4-BE49-F238E27FC236}">
-                <a16:creationId xmlns:a16="http://schemas.microsoft.com/office/drawing/2014/main" id="{8909C22C-9BF2-46B7-A76E-994225BFAC45}"/>
+                <a16:creationId xmlns:a16="http://schemas.microsoft.com/office/drawing/2014/main" xmlns="" id="{8909C22C-9BF2-46B7-A76E-994225BFAC45}"/>
               </a:ext>
             </a:extLst>
           </p:cNvPr>
@@ -12444,7 +11544,7 @@
           <p:cNvPr id="3" name="Subtitle 2">
             <a:extLst>
               <a:ext uri="{FF2B5EF4-FFF2-40B4-BE49-F238E27FC236}">
-                <a16:creationId xmlns:a16="http://schemas.microsoft.com/office/drawing/2014/main" id="{9337355B-A71D-4806-85DD-56BEEE385A31}"/>
+                <a16:creationId xmlns:a16="http://schemas.microsoft.com/office/drawing/2014/main" xmlns="" id="{9337355B-A71D-4806-85DD-56BEEE385A31}"/>
               </a:ext>
             </a:extLst>
           </p:cNvPr>
@@ -12501,7 +11601,7 @@
           <p:cNvPr id="5" name="Slide Number Placeholder 4">
             <a:extLst>
               <a:ext uri="{FF2B5EF4-FFF2-40B4-BE49-F238E27FC236}">
-                <a16:creationId xmlns:a16="http://schemas.microsoft.com/office/drawing/2014/main" id="{777D8DE0-DE56-41DD-922C-EA3AFF2F980E}"/>
+                <a16:creationId xmlns:a16="http://schemas.microsoft.com/office/drawing/2014/main" xmlns="" id="{777D8DE0-DE56-41DD-922C-EA3AFF2F980E}"/>
               </a:ext>
             </a:extLst>
           </p:cNvPr>
@@ -12561,7 +11661,7 @@
           <p:cNvPr id="2" name="Title 1">
             <a:extLst>
               <a:ext uri="{FF2B5EF4-FFF2-40B4-BE49-F238E27FC236}">
-                <a16:creationId xmlns:a16="http://schemas.microsoft.com/office/drawing/2014/main" id="{F25B8E26-49D7-43CA-9159-76A91BB78FBA}"/>
+                <a16:creationId xmlns:a16="http://schemas.microsoft.com/office/drawing/2014/main" xmlns="" id="{3058837D-4CF4-4102-B316-42AFCD10C0FD}"/>
               </a:ext>
             </a:extLst>
           </p:cNvPr>
@@ -12579,15 +11679,243 @@
           <a:p>
             <a:r>
               <a:rPr lang="en-US" dirty="0" err="1"/>
-              <a:t>Resultados</a:t>
+              <a:t>Conclusiones</a:t>
+            </a:r>
+            <a:endParaRPr lang="en-US" dirty="0"/>
+          </a:p>
+        </p:txBody>
+      </p:sp>
+      <p:sp>
+        <p:nvSpPr>
+          <p:cNvPr id="3" name="Content Placeholder 2">
+            <a:extLst>
+              <a:ext uri="{FF2B5EF4-FFF2-40B4-BE49-F238E27FC236}">
+                <a16:creationId xmlns:a16="http://schemas.microsoft.com/office/drawing/2014/main" xmlns="" id="{A7532245-3633-4B93-93D5-708C026A5727}"/>
+              </a:ext>
+            </a:extLst>
+          </p:cNvPr>
+          <p:cNvSpPr>
+            <a:spLocks noGrp="1"/>
+          </p:cNvSpPr>
+          <p:nvPr>
+            <p:ph idx="1"/>
+          </p:nvPr>
+        </p:nvSpPr>
+        <p:spPr/>
+        <p:txBody>
+          <a:bodyPr/>
+          <a:lstStyle/>
+          <a:p>
+            <a:r>
+              <a:rPr lang="en-US" dirty="0" err="1"/>
+              <a:t>Preparación</a:t>
             </a:r>
             <a:r>
               <a:rPr lang="en-US" dirty="0"/>
-              <a:t> y </a:t>
+              <a:t> </a:t>
+            </a:r>
+            <a:r>
+              <a:rPr lang="en-US" dirty="0" smtClean="0"/>
+              <a:t>de </a:t>
+            </a:r>
+            <a:r>
+              <a:rPr lang="en-US" dirty="0" err="1" smtClean="0"/>
+              <a:t>adipaldehído</a:t>
+            </a:r>
+            <a:r>
+              <a:rPr lang="en-US" dirty="0" smtClean="0"/>
+              <a:t> </a:t>
+            </a:r>
+            <a:r>
+              <a:rPr lang="en-US" dirty="0"/>
+              <a:t>con un </a:t>
             </a:r>
             <a:r>
               <a:rPr lang="en-US" dirty="0" err="1"/>
-              <a:t>discusión</a:t>
+              <a:t>rendimiento</a:t>
+            </a:r>
+            <a:r>
+              <a:rPr lang="en-US" dirty="0"/>
+              <a:t> </a:t>
+            </a:r>
+            <a:r>
+              <a:rPr lang="en-US" dirty="0" smtClean="0"/>
+              <a:t>inferior al</a:t>
+            </a:r>
+            <a:r>
+              <a:rPr lang="en-US" dirty="0" smtClean="0"/>
+              <a:t> 49 </a:t>
+            </a:r>
+            <a:r>
+              <a:rPr lang="en-US" dirty="0"/>
+              <a:t>%.</a:t>
+            </a:r>
+          </a:p>
+          <a:p>
+            <a:endParaRPr lang="en-US" dirty="0"/>
+          </a:p>
+          <a:p>
+            <a:r>
+              <a:rPr lang="en-US" dirty="0" smtClean="0"/>
+              <a:t>Se </a:t>
+            </a:r>
+            <a:r>
+              <a:rPr lang="en-US" dirty="0" err="1" smtClean="0"/>
+              <a:t>recomienda</a:t>
+            </a:r>
+            <a:r>
+              <a:rPr lang="en-US" dirty="0" smtClean="0"/>
+              <a:t> </a:t>
+            </a:r>
+            <a:r>
+              <a:rPr lang="en-US" dirty="0" err="1" smtClean="0"/>
+              <a:t>cambiar</a:t>
+            </a:r>
+            <a:r>
+              <a:rPr lang="en-US" dirty="0" smtClean="0"/>
+              <a:t> el </a:t>
+            </a:r>
+            <a:r>
+              <a:rPr lang="en-US" dirty="0" err="1" smtClean="0"/>
+              <a:t>reactivo</a:t>
+            </a:r>
+            <a:r>
+              <a:rPr lang="en-US" dirty="0" smtClean="0"/>
+              <a:t> </a:t>
+            </a:r>
+            <a:r>
+              <a:rPr lang="en-US" dirty="0" err="1" smtClean="0"/>
+              <a:t>reductor</a:t>
+            </a:r>
+            <a:r>
+              <a:rPr lang="en-US" dirty="0" smtClean="0"/>
+              <a:t>, dado que el OPPh</a:t>
+            </a:r>
+            <a:r>
+              <a:rPr lang="en-US" baseline="-25000" dirty="0" smtClean="0"/>
+              <a:t>3 </a:t>
+            </a:r>
+            <a:r>
+              <a:rPr lang="en-US" dirty="0" err="1" smtClean="0"/>
+              <a:t>presenta</a:t>
+            </a:r>
+            <a:r>
+              <a:rPr lang="en-US" dirty="0" smtClean="0"/>
+              <a:t> </a:t>
+            </a:r>
+            <a:r>
+              <a:rPr lang="en-US" dirty="0" err="1" smtClean="0"/>
+              <a:t>polaridades</a:t>
+            </a:r>
+            <a:r>
+              <a:rPr lang="en-US" dirty="0" smtClean="0"/>
+              <a:t> </a:t>
+            </a:r>
+            <a:r>
+              <a:rPr lang="en-US" dirty="0" err="1" smtClean="0"/>
+              <a:t>análogas</a:t>
+            </a:r>
+            <a:r>
+              <a:rPr lang="en-US" dirty="0" smtClean="0"/>
+              <a:t> a las del </a:t>
+            </a:r>
+            <a:r>
+              <a:rPr lang="en-US" dirty="0" err="1" smtClean="0"/>
+              <a:t>producto</a:t>
+            </a:r>
+            <a:r>
+              <a:rPr lang="en-US" dirty="0" smtClean="0"/>
+              <a:t>.</a:t>
+            </a:r>
+            <a:endParaRPr lang="en-US" dirty="0"/>
+          </a:p>
+          <a:p>
+            <a:endParaRPr lang="en-US" dirty="0"/>
+          </a:p>
+          <a:p>
+            <a:r>
+              <a:rPr lang="en-US" dirty="0" smtClean="0"/>
+              <a:t>Se </a:t>
+            </a:r>
+            <a:r>
+              <a:rPr lang="en-US" dirty="0" err="1" smtClean="0"/>
+              <a:t>recomienda</a:t>
+            </a:r>
+            <a:r>
+              <a:rPr lang="en-US" dirty="0" smtClean="0"/>
+              <a:t> la </a:t>
+            </a:r>
+            <a:r>
+              <a:rPr lang="en-US" dirty="0" err="1" smtClean="0"/>
+              <a:t>eliminación</a:t>
+            </a:r>
+            <a:r>
+              <a:rPr lang="en-US" dirty="0" smtClean="0"/>
+              <a:t> de </a:t>
+            </a:r>
+            <a:r>
+              <a:rPr lang="en-US" dirty="0" err="1" smtClean="0"/>
+              <a:t>alcoholes</a:t>
+            </a:r>
+            <a:r>
+              <a:rPr lang="en-US" dirty="0" smtClean="0"/>
+              <a:t> </a:t>
+            </a:r>
+            <a:r>
+              <a:rPr lang="en-US" dirty="0" err="1" smtClean="0"/>
+              <a:t>en</a:t>
+            </a:r>
+            <a:r>
+              <a:rPr lang="en-US" dirty="0" smtClean="0"/>
+              <a:t>  el </a:t>
+            </a:r>
+            <a:r>
+              <a:rPr lang="en-US" dirty="0" err="1" smtClean="0"/>
+              <a:t>medio</a:t>
+            </a:r>
+            <a:r>
+              <a:rPr lang="en-US" dirty="0" smtClean="0"/>
+              <a:t> de </a:t>
+            </a:r>
+            <a:r>
+              <a:rPr lang="en-US" dirty="0" err="1" smtClean="0"/>
+              <a:t>reacción</a:t>
+            </a:r>
+            <a:r>
+              <a:rPr lang="en-US" dirty="0" smtClean="0"/>
+              <a:t>, </a:t>
+            </a:r>
+            <a:r>
+              <a:rPr lang="en-US" dirty="0" err="1" smtClean="0"/>
+              <a:t>por</a:t>
+            </a:r>
+            <a:r>
+              <a:rPr lang="en-US" dirty="0" smtClean="0"/>
+              <a:t> la </a:t>
+            </a:r>
+            <a:r>
+              <a:rPr lang="en-US" dirty="0" err="1" smtClean="0"/>
+              <a:t>posibilidad</a:t>
+            </a:r>
+            <a:r>
+              <a:rPr lang="en-US" dirty="0" smtClean="0"/>
+              <a:t> de </a:t>
+            </a:r>
+            <a:r>
+              <a:rPr lang="en-US" dirty="0" err="1" smtClean="0"/>
+              <a:t>formar</a:t>
+            </a:r>
+            <a:r>
+              <a:rPr lang="en-US" dirty="0" smtClean="0"/>
+              <a:t> </a:t>
+            </a:r>
+            <a:r>
+              <a:rPr lang="en-US" dirty="0" err="1" smtClean="0"/>
+              <a:t>subproductos</a:t>
+            </a:r>
+            <a:r>
+              <a:rPr lang="en-US" dirty="0" smtClean="0"/>
+              <a:t>.</a:t>
             </a:r>
             <a:endParaRPr lang="en-US" dirty="0"/>
           </a:p>
@@ -12598,7 +11926,7 @@
           <p:cNvPr id="4" name="Slide Number Placeholder 3">
             <a:extLst>
               <a:ext uri="{FF2B5EF4-FFF2-40B4-BE49-F238E27FC236}">
-                <a16:creationId xmlns:a16="http://schemas.microsoft.com/office/drawing/2014/main" id="{BA7E69C3-56CF-45B5-8EB1-5EC4DC4FD7DE}"/>
+                <a16:creationId xmlns:a16="http://schemas.microsoft.com/office/drawing/2014/main" xmlns="" id="{F3349C97-CE2F-4AEE-8002-6FE977C11451}"/>
               </a:ext>
             </a:extLst>
           </p:cNvPr>
@@ -12623,69 +11951,10 @@
           </a:p>
         </p:txBody>
       </p:sp>
-      <p:pic>
-        <p:nvPicPr>
-          <p:cNvPr id="9" name="Content Placeholder 8">
-            <a:extLst>
-              <a:ext uri="{FF2B5EF4-FFF2-40B4-BE49-F238E27FC236}">
-                <a16:creationId xmlns:a16="http://schemas.microsoft.com/office/drawing/2014/main" id="{169AF6C5-D67F-4FF8-9576-8267E6A295B5}"/>
-              </a:ext>
-            </a:extLst>
-          </p:cNvPr>
-          <p:cNvPicPr>
-            <a:picLocks noGrp="1" noChangeAspect="1"/>
-          </p:cNvPicPr>
-          <p:nvPr>
-            <p:ph idx="1"/>
-          </p:nvPr>
-        </p:nvPicPr>
-        <p:blipFill>
-          <a:blip r:embed="rId2"/>
-          <a:stretch>
-            <a:fillRect/>
-          </a:stretch>
-        </p:blipFill>
-        <p:spPr>
-          <a:xfrm>
-            <a:off x="2994496" y="1412418"/>
-            <a:ext cx="5799280" cy="4077316"/>
-          </a:xfrm>
-        </p:spPr>
-      </p:pic>
-      <p:pic>
-        <p:nvPicPr>
-          <p:cNvPr id="7" name="Picture 6">
-            <a:extLst>
-              <a:ext uri="{FF2B5EF4-FFF2-40B4-BE49-F238E27FC236}">
-                <a16:creationId xmlns:a16="http://schemas.microsoft.com/office/drawing/2014/main" id="{BF401192-D675-453F-B882-A52D1DFB2692}"/>
-              </a:ext>
-            </a:extLst>
-          </p:cNvPr>
-          <p:cNvPicPr>
-            <a:picLocks noChangeAspect="1"/>
-          </p:cNvPicPr>
-          <p:nvPr/>
-        </p:nvPicPr>
-        <p:blipFill>
-          <a:blip r:embed="rId3"/>
-          <a:stretch>
-            <a:fillRect/>
-          </a:stretch>
-        </p:blipFill>
-        <p:spPr>
-          <a:xfrm>
-            <a:off x="9318608" y="1905000"/>
-            <a:ext cx="2229552" cy="1378347"/>
-          </a:xfrm>
-          <a:prstGeom prst="rect">
-            <a:avLst/>
-          </a:prstGeom>
-        </p:spPr>
-      </p:pic>
     </p:spTree>
     <p:extLst>
       <p:ext uri="{BB962C8B-B14F-4D97-AF65-F5344CB8AC3E}">
-        <p14:creationId xmlns:p14="http://schemas.microsoft.com/office/powerpoint/2010/main" val="2720230602"/>
+        <p14:creationId xmlns:p14="http://schemas.microsoft.com/office/powerpoint/2010/main" val="1591790128"/>
       </p:ext>
     </p:extLst>
   </p:cSld>
@@ -12717,7 +11986,7 @@
           <p:cNvPr id="2" name="Title 1">
             <a:extLst>
               <a:ext uri="{FF2B5EF4-FFF2-40B4-BE49-F238E27FC236}">
-                <a16:creationId xmlns:a16="http://schemas.microsoft.com/office/drawing/2014/main" id="{3058837D-4CF4-4102-B316-42AFCD10C0FD}"/>
+                <a16:creationId xmlns:a16="http://schemas.microsoft.com/office/drawing/2014/main" xmlns="" id="{AC233BA5-C465-44F0-A654-8B3CCEEE525B}"/>
               </a:ext>
             </a:extLst>
           </p:cNvPr>
@@ -12735,9 +12004,9 @@
           <a:p>
             <a:r>
               <a:rPr lang="en-US" dirty="0" err="1"/>
-              <a:t>Conclusiones</a:t>
-            </a:r>
-            <a:endParaRPr lang="en-US" dirty="0"/>
+              <a:t>Referencias</a:t>
+            </a:r>
+            <a:endParaRPr lang="es-CO" dirty="0"/>
           </a:p>
         </p:txBody>
       </p:sp>
@@ -12746,7 +12015,7 @@
           <p:cNvPr id="3" name="Content Placeholder 2">
             <a:extLst>
               <a:ext uri="{FF2B5EF4-FFF2-40B4-BE49-F238E27FC236}">
-                <a16:creationId xmlns:a16="http://schemas.microsoft.com/office/drawing/2014/main" id="{A7532245-3633-4B93-93D5-708C026A5727}"/>
+                <a16:creationId xmlns:a16="http://schemas.microsoft.com/office/drawing/2014/main" xmlns="" id="{43936EA0-EC23-4214-8160-F2FFD3BE072F}"/>
               </a:ext>
             </a:extLst>
           </p:cNvPr>
@@ -12757,129 +12026,528 @@
             <p:ph idx="1"/>
           </p:nvPr>
         </p:nvSpPr>
-        <p:spPr/>
+        <p:spPr>
+          <a:xfrm>
+            <a:off x="1171075" y="1523999"/>
+            <a:ext cx="10716126" cy="4924927"/>
+          </a:xfrm>
+        </p:spPr>
         <p:txBody>
-          <a:bodyPr/>
+          <a:bodyPr>
+            <a:noAutofit/>
+          </a:bodyPr>
           <a:lstStyle/>
           <a:p>
             <a:r>
-              <a:rPr lang="en-US" dirty="0" err="1"/>
-              <a:t>Preparación</a:t>
-            </a:r>
-            <a:r>
-              <a:rPr lang="en-US" dirty="0"/>
-              <a:t> del (</a:t>
-            </a:r>
-            <a:r>
-              <a:rPr lang="en-US" i="1" dirty="0"/>
-              <a:t>E</a:t>
-            </a:r>
-            <a:r>
-              <a:rPr lang="en-US" dirty="0"/>
-              <a:t>)-1,2-bis(4-metoxifenil)</a:t>
-            </a:r>
-            <a:r>
-              <a:rPr lang="en-US" dirty="0" err="1"/>
-              <a:t>eteno</a:t>
-            </a:r>
-            <a:r>
-              <a:rPr lang="en-US" dirty="0"/>
-              <a:t> con un </a:t>
-            </a:r>
-            <a:r>
-              <a:rPr lang="en-US" dirty="0" err="1"/>
-              <a:t>rendimiento</a:t>
-            </a:r>
-            <a:r>
-              <a:rPr lang="en-US" dirty="0"/>
-              <a:t> del 8 %.</a:t>
-            </a:r>
-          </a:p>
-          <a:p>
-            <a:endParaRPr lang="en-US" dirty="0"/>
-          </a:p>
-          <a:p>
-            <a:r>
-              <a:rPr lang="en-US" dirty="0" err="1"/>
-              <a:t>Determinación</a:t>
-            </a:r>
-            <a:r>
-              <a:rPr lang="en-US" dirty="0"/>
-              <a:t> de la </a:t>
-            </a:r>
-            <a:r>
-              <a:rPr lang="en-US" dirty="0" err="1"/>
-              <a:t>energía</a:t>
-            </a:r>
-            <a:r>
-              <a:rPr lang="en-US" dirty="0"/>
-              <a:t> de </a:t>
-            </a:r>
-            <a:r>
-              <a:rPr lang="en-US" dirty="0" err="1"/>
-              <a:t>los</a:t>
-            </a:r>
-            <a:r>
-              <a:rPr lang="en-US" dirty="0"/>
+              <a:rPr lang="en-US" sz="1400" dirty="0" smtClean="0"/>
+              <a:t>Gilbert, J.C; Martin, S. F. </a:t>
+            </a:r>
+            <a:r>
+              <a:rPr lang="en-US" sz="1400" i="1" dirty="0" smtClean="0"/>
+              <a:t>Experimental Organic Chemistry: A </a:t>
+            </a:r>
+            <a:r>
+              <a:rPr lang="en-US" sz="1400" i="1" dirty="0" err="1" smtClean="0"/>
+              <a:t>Miniscale</a:t>
+            </a:r>
+            <a:r>
+              <a:rPr lang="en-US" sz="1400" i="1" dirty="0" smtClean="0"/>
+              <a:t> and Microscale Approach</a:t>
+            </a:r>
+            <a:r>
+              <a:rPr lang="en-US" sz="1400" dirty="0" smtClean="0"/>
+              <a:t>; 2010; pp 537-540</a:t>
+            </a:r>
+            <a:r>
+              <a:rPr lang="en-US" sz="1400" i="1" dirty="0" smtClean="0"/>
+              <a:t>.</a:t>
+            </a:r>
+            <a:endParaRPr lang="en-US" sz="1400" dirty="0"/>
+          </a:p>
+          <a:p>
+            <a:r>
+              <a:rPr lang="en-US" sz="1400" dirty="0" smtClean="0"/>
+              <a:t>Wade, L. </a:t>
+            </a:r>
+            <a:r>
+              <a:rPr lang="en-US" sz="1400" i="1" dirty="0" smtClean="0"/>
+              <a:t>Organic Chemistry</a:t>
+            </a:r>
+            <a:r>
+              <a:rPr lang="en-US" sz="1400" dirty="0" smtClean="0"/>
+              <a:t>, eight ed.; Pearson: New York, 2015; pp 328-390.</a:t>
+            </a:r>
+            <a:endParaRPr lang="en-US" sz="1400" dirty="0"/>
+          </a:p>
+          <a:p>
+            <a:r>
+              <a:rPr lang="es-CO" sz="1400" dirty="0" err="1" smtClean="0"/>
+              <a:t>Morrsion</a:t>
+            </a:r>
+            <a:r>
+              <a:rPr lang="es-CO" sz="1400" dirty="0" smtClean="0"/>
+              <a:t>, R.; </a:t>
+            </a:r>
+            <a:r>
+              <a:rPr lang="es-CO" sz="1400" dirty="0" err="1" smtClean="0"/>
+              <a:t>Boyd</a:t>
+            </a:r>
+            <a:r>
+              <a:rPr lang="es-CO" sz="1400" dirty="0" smtClean="0"/>
+              <a:t>, R. </a:t>
+            </a:r>
+            <a:r>
+              <a:rPr lang="es-CO" sz="1400" i="1" dirty="0" err="1" smtClean="0"/>
+              <a:t>Organic</a:t>
+            </a:r>
+            <a:r>
+              <a:rPr lang="es-CO" sz="1400" i="1" dirty="0" smtClean="0"/>
               <a:t> </a:t>
             </a:r>
             <a:r>
-              <a:rPr lang="en-US" dirty="0" err="1"/>
-              <a:t>productos</a:t>
-            </a:r>
-            <a:r>
-              <a:rPr lang="en-US" dirty="0"/>
-              <a:t> (</a:t>
-            </a:r>
-            <a:r>
-              <a:rPr lang="en-US" i="1" dirty="0"/>
-              <a:t>E</a:t>
-            </a:r>
-            <a:r>
-              <a:rPr lang="en-US" dirty="0"/>
-              <a:t>) y (</a:t>
-            </a:r>
-            <a:r>
-              <a:rPr lang="en-US" i="1" dirty="0"/>
-              <a:t>Z</a:t>
-            </a:r>
-            <a:r>
-              <a:rPr lang="en-US" dirty="0"/>
-              <a:t>).</a:t>
-            </a:r>
-          </a:p>
-          <a:p>
-            <a:endParaRPr lang="en-US" dirty="0"/>
-          </a:p>
-          <a:p>
-            <a:r>
-              <a:rPr lang="en-US" dirty="0"/>
-              <a:t>Dos </a:t>
-            </a:r>
-            <a:r>
-              <a:rPr lang="en-US" dirty="0" err="1"/>
-              <a:t>mecanismos</a:t>
-            </a:r>
-            <a:r>
-              <a:rPr lang="en-US" dirty="0"/>
-              <a:t> de </a:t>
-            </a:r>
-            <a:r>
-              <a:rPr lang="en-US" dirty="0" err="1"/>
-              <a:t>reacción</a:t>
-            </a:r>
-            <a:r>
-              <a:rPr lang="en-US" dirty="0"/>
+              <a:rPr lang="es-CO" sz="1400" i="1" dirty="0" err="1" smtClean="0"/>
+              <a:t>Chemistry</a:t>
+            </a:r>
+            <a:r>
+              <a:rPr lang="es-CO" sz="1400" dirty="0" smtClean="0"/>
+              <a:t>; Prentice-Hall: New York, 2002; </a:t>
+            </a:r>
+            <a:r>
+              <a:rPr lang="es-CO" sz="1400" dirty="0" err="1" smtClean="0"/>
+              <a:t>pp</a:t>
+            </a:r>
+            <a:r>
+              <a:rPr lang="es-CO" sz="1400" smtClean="0"/>
+              <a:t> 218-219.</a:t>
+            </a:r>
+            <a:endParaRPr lang="es-CO" sz="1400" dirty="0"/>
+          </a:p>
+          <a:p>
+            <a:r>
+              <a:rPr lang="es-CO" sz="1400" dirty="0" smtClean="0"/>
+              <a:t>Miller, S. A.; </a:t>
+            </a:r>
+            <a:r>
+              <a:rPr lang="es-CO" sz="1400" dirty="0" err="1" smtClean="0"/>
+              <a:t>Bobbit</a:t>
+            </a:r>
+            <a:r>
+              <a:rPr lang="es-CO" sz="1400" dirty="0" smtClean="0"/>
+              <a:t>, J. M.; </a:t>
+            </a:r>
+            <a:r>
+              <a:rPr lang="es-CO" sz="1400" dirty="0" err="1" smtClean="0"/>
+              <a:t>Leadbeater</a:t>
+            </a:r>
+            <a:r>
+              <a:rPr lang="es-CO" sz="1400" dirty="0" smtClean="0"/>
+              <a:t>, N. E. </a:t>
+            </a:r>
+            <a:r>
+              <a:rPr lang="es-CO" sz="1400" i="1" dirty="0" err="1" smtClean="0"/>
+              <a:t>Org</a:t>
+            </a:r>
+            <a:r>
+              <a:rPr lang="es-CO" sz="1400" i="1" dirty="0" smtClean="0"/>
+              <a:t>. </a:t>
+            </a:r>
+            <a:r>
+              <a:rPr lang="es-CO" sz="1400" i="1" dirty="0" err="1" smtClean="0"/>
+              <a:t>Biomol</a:t>
+            </a:r>
+            <a:r>
+              <a:rPr lang="es-CO" sz="1400" i="1" dirty="0" smtClean="0"/>
+              <a:t>. </a:t>
+            </a:r>
+            <a:r>
+              <a:rPr lang="es-CO" sz="1400" i="1" dirty="0" err="1" smtClean="0"/>
+              <a:t>Chem</a:t>
+            </a:r>
+            <a:r>
+              <a:rPr lang="es-CO" sz="1400" i="1" dirty="0" smtClean="0"/>
+              <a:t>. </a:t>
+            </a:r>
+            <a:r>
+              <a:rPr lang="es-CO" sz="1400" b="1" dirty="0" smtClean="0"/>
+              <a:t>2017</a:t>
+            </a:r>
+            <a:r>
+              <a:rPr lang="es-CO" sz="1400" dirty="0" smtClean="0"/>
+              <a:t>, 15, 2817-2822</a:t>
+            </a:r>
+            <a:r>
+              <a:rPr lang="es-CO" sz="1400" dirty="0" smtClean="0"/>
+              <a:t>.</a:t>
+            </a:r>
+            <a:endParaRPr lang="es-CO" sz="1400" dirty="0"/>
+          </a:p>
+          <a:p>
+            <a:r>
+              <a:rPr lang="es-CO" sz="1400" dirty="0" err="1" smtClean="0"/>
+              <a:t>Liu</a:t>
+            </a:r>
+            <a:r>
+              <a:rPr lang="es-CO" sz="1400" dirty="0" smtClean="0"/>
+              <a:t>, S.T.; </a:t>
+            </a:r>
+            <a:r>
+              <a:rPr lang="es-CO" sz="1400" dirty="0" err="1" smtClean="0"/>
+              <a:t>Reddy</a:t>
+            </a:r>
+            <a:r>
+              <a:rPr lang="es-CO" sz="1400" dirty="0" smtClean="0"/>
+              <a:t>, K. V; </a:t>
+            </a:r>
+            <a:r>
+              <a:rPr lang="es-CO" sz="1400" dirty="0" err="1" smtClean="0"/>
+              <a:t>Lai</a:t>
+            </a:r>
+            <a:r>
+              <a:rPr lang="es-CO" sz="1400" dirty="0" smtClean="0"/>
+              <a:t>, R, Y. </a:t>
+            </a:r>
+            <a:r>
+              <a:rPr lang="es-CO" sz="1400" i="1" dirty="0" err="1" smtClean="0"/>
+              <a:t>Tetrahedron</a:t>
+            </a:r>
+            <a:r>
+              <a:rPr lang="es-CO" sz="1400" dirty="0" smtClean="0"/>
               <a:t> </a:t>
             </a:r>
             <a:r>
-              <a:rPr lang="en-US" dirty="0" err="1"/>
-              <a:t>propuestos</a:t>
-            </a:r>
-            <a:r>
-              <a:rPr lang="en-US" dirty="0"/>
-              <a:t>.</a:t>
-            </a:r>
+              <a:rPr lang="es-CO" sz="1400" b="1" dirty="0" smtClean="0"/>
+              <a:t>2007</a:t>
+            </a:r>
+            <a:r>
+              <a:rPr lang="es-CO" sz="1400" dirty="0" smtClean="0"/>
+              <a:t>, </a:t>
+            </a:r>
+            <a:r>
+              <a:rPr lang="es-CO" sz="1400" i="1" dirty="0" smtClean="0"/>
+              <a:t>63,</a:t>
+            </a:r>
+            <a:r>
+              <a:rPr lang="es-CO" sz="1400" dirty="0" smtClean="0"/>
+              <a:t> 1821-1825.</a:t>
+            </a:r>
+            <a:endParaRPr lang="es-CO" sz="1400" i="1" dirty="0" smtClean="0"/>
+          </a:p>
+          <a:p>
+            <a:r>
+              <a:rPr lang="es-CO" sz="1400" dirty="0" err="1" smtClean="0"/>
+              <a:t>Daw</a:t>
+            </a:r>
+            <a:r>
+              <a:rPr lang="es-CO" sz="1400" dirty="0" smtClean="0"/>
+              <a:t>, P.; </a:t>
+            </a:r>
+            <a:r>
+              <a:rPr lang="es-CO" sz="1400" dirty="0" err="1" smtClean="0"/>
+              <a:t>Petakamsetty</a:t>
+            </a:r>
+            <a:r>
+              <a:rPr lang="es-CO" sz="1400" dirty="0" smtClean="0"/>
+              <a:t>, R.; </a:t>
+            </a:r>
+            <a:r>
+              <a:rPr lang="es-CO" sz="1400" dirty="0" err="1" smtClean="0"/>
+              <a:t>Sarbajna</a:t>
+            </a:r>
+            <a:r>
+              <a:rPr lang="es-CO" sz="1400" dirty="0" smtClean="0"/>
+              <a:t>, A.; </a:t>
+            </a:r>
+            <a:r>
+              <a:rPr lang="es-CO" sz="1400" dirty="0" err="1" smtClean="0"/>
+              <a:t>Laha</a:t>
+            </a:r>
+            <a:r>
+              <a:rPr lang="es-CO" sz="1400" dirty="0" smtClean="0"/>
+              <a:t>, S.; </a:t>
+            </a:r>
+            <a:r>
+              <a:rPr lang="es-CO" sz="1400" dirty="0" err="1" smtClean="0"/>
+              <a:t>Ramapanicker</a:t>
+            </a:r>
+            <a:r>
+              <a:rPr lang="es-CO" sz="1400" dirty="0" smtClean="0"/>
+              <a:t>, R; </a:t>
+            </a:r>
+            <a:r>
+              <a:rPr lang="es-CO" sz="1400" dirty="0" err="1" smtClean="0"/>
+              <a:t>Bera</a:t>
+            </a:r>
+            <a:r>
+              <a:rPr lang="es-CO" sz="1400" dirty="0" smtClean="0"/>
+              <a:t>, J. K. </a:t>
+            </a:r>
+            <a:r>
+              <a:rPr lang="es-CO" sz="1400" i="1" dirty="0" err="1" smtClean="0"/>
+              <a:t>Journal</a:t>
+            </a:r>
+            <a:r>
+              <a:rPr lang="es-CO" sz="1400" i="1" dirty="0" smtClean="0"/>
+              <a:t> of </a:t>
+            </a:r>
+            <a:r>
+              <a:rPr lang="es-CO" sz="1400" i="1" dirty="0" err="1" smtClean="0"/>
+              <a:t>the</a:t>
+            </a:r>
+            <a:r>
+              <a:rPr lang="es-CO" sz="1400" i="1" dirty="0" smtClean="0"/>
+              <a:t> American </a:t>
+            </a:r>
+            <a:r>
+              <a:rPr lang="es-CO" sz="1400" i="1" dirty="0" err="1" smtClean="0"/>
+              <a:t>Chemistry</a:t>
+            </a:r>
+            <a:r>
+              <a:rPr lang="es-CO" sz="1400" i="1" dirty="0" smtClean="0"/>
+              <a:t> </a:t>
+            </a:r>
+            <a:r>
+              <a:rPr lang="es-CO" sz="1400" i="1" dirty="0" err="1" smtClean="0"/>
+              <a:t>Society</a:t>
+            </a:r>
+            <a:r>
+              <a:rPr lang="es-CO" sz="1400" i="1" dirty="0" smtClean="0"/>
+              <a:t> </a:t>
+            </a:r>
+            <a:r>
+              <a:rPr lang="es-CO" sz="1400" b="1" dirty="0" smtClean="0"/>
+              <a:t>2014, </a:t>
+            </a:r>
+            <a:r>
+              <a:rPr lang="es-CO" sz="1400" i="1" dirty="0" smtClean="0"/>
+              <a:t>136</a:t>
+            </a:r>
+            <a:r>
+              <a:rPr lang="es-CO" sz="1400" dirty="0" smtClean="0"/>
+              <a:t>, 13987-13990.</a:t>
+            </a:r>
+          </a:p>
+          <a:p>
+            <a:r>
+              <a:rPr lang="es-CO" sz="1400" dirty="0"/>
+              <a:t>Carey, F.A; </a:t>
+            </a:r>
+            <a:r>
+              <a:rPr lang="es-CO" sz="1400" dirty="0" err="1"/>
+              <a:t>Sundberg</a:t>
+            </a:r>
+            <a:r>
+              <a:rPr lang="es-CO" sz="1400" dirty="0"/>
+              <a:t>, R. </a:t>
+            </a:r>
+            <a:r>
+              <a:rPr lang="es-CO" sz="1400" i="1" dirty="0" err="1"/>
+              <a:t>Advanced</a:t>
+            </a:r>
+            <a:r>
+              <a:rPr lang="es-CO" sz="1400" i="1" dirty="0"/>
+              <a:t> </a:t>
+            </a:r>
+            <a:r>
+              <a:rPr lang="es-CO" sz="1400" i="1" dirty="0" err="1"/>
+              <a:t>Organic</a:t>
+            </a:r>
+            <a:r>
+              <a:rPr lang="es-CO" sz="1400" i="1" dirty="0"/>
+              <a:t> </a:t>
+            </a:r>
+            <a:r>
+              <a:rPr lang="es-CO" sz="1400" i="1" dirty="0" err="1"/>
+              <a:t>Chemistry</a:t>
+            </a:r>
+            <a:r>
+              <a:rPr lang="es-CO" sz="1400" dirty="0"/>
+              <a:t>, 5th ed.; </a:t>
+            </a:r>
+            <a:r>
+              <a:rPr lang="es-CO" sz="1400" dirty="0" err="1"/>
+              <a:t>Springer</a:t>
+            </a:r>
+            <a:r>
+              <a:rPr lang="es-CO" sz="1400" dirty="0"/>
+              <a:t>, Ed.; </a:t>
+            </a:r>
+            <a:r>
+              <a:rPr lang="es-CO" sz="1400" dirty="0" smtClean="0"/>
+              <a:t>2007.</a:t>
+            </a:r>
+          </a:p>
+          <a:p>
+            <a:r>
+              <a:rPr lang="es-CO" sz="1400" dirty="0" err="1" smtClean="0"/>
+              <a:t>Criegee</a:t>
+            </a:r>
+            <a:r>
+              <a:rPr lang="es-CO" sz="1400" dirty="0" smtClean="0"/>
+              <a:t>, R. </a:t>
+            </a:r>
+            <a:r>
+              <a:rPr lang="es-CO" sz="1400" i="1" dirty="0" err="1" smtClean="0"/>
+              <a:t>Angewandte</a:t>
+            </a:r>
+            <a:r>
+              <a:rPr lang="es-CO" sz="1400" i="1" dirty="0" smtClean="0"/>
+              <a:t> </a:t>
+            </a:r>
+            <a:r>
+              <a:rPr lang="es-CO" sz="1400" i="1" dirty="0" err="1" smtClean="0"/>
+              <a:t>Chemie</a:t>
+            </a:r>
+            <a:r>
+              <a:rPr lang="es-CO" sz="1400" i="1" dirty="0" smtClean="0"/>
+              <a:t> International </a:t>
+            </a:r>
+            <a:r>
+              <a:rPr lang="es-CO" sz="1400" i="1" dirty="0" err="1" smtClean="0"/>
+              <a:t>Edition</a:t>
+            </a:r>
+            <a:r>
+              <a:rPr lang="es-CO" sz="1400" i="1" dirty="0" smtClean="0"/>
+              <a:t> in English</a:t>
+            </a:r>
+            <a:r>
+              <a:rPr lang="es-CO" sz="1400" dirty="0" smtClean="0"/>
+              <a:t>, </a:t>
+            </a:r>
+            <a:r>
+              <a:rPr lang="es-CO" sz="1400" b="1" dirty="0" smtClean="0"/>
+              <a:t>1975</a:t>
+            </a:r>
+            <a:r>
+              <a:rPr lang="es-CO" sz="1400" dirty="0" smtClean="0"/>
+              <a:t>, 14, 754-752.</a:t>
+            </a:r>
+          </a:p>
+          <a:p>
+            <a:r>
+              <a:rPr lang="es-CO" sz="1400" dirty="0" err="1" smtClean="0"/>
+              <a:t>Knowles</a:t>
+            </a:r>
+            <a:r>
+              <a:rPr lang="es-CO" sz="1400" dirty="0" smtClean="0"/>
+              <a:t>, W.; Thompson, Q. </a:t>
+            </a:r>
+            <a:r>
+              <a:rPr lang="es-CO" sz="1400" i="1" dirty="0" err="1" smtClean="0"/>
+              <a:t>The</a:t>
+            </a:r>
+            <a:r>
+              <a:rPr lang="es-CO" sz="1400" i="1" dirty="0" smtClean="0"/>
+              <a:t> </a:t>
+            </a:r>
+            <a:r>
+              <a:rPr lang="es-CO" sz="1400" i="1" dirty="0" err="1" smtClean="0"/>
+              <a:t>Journal</a:t>
+            </a:r>
+            <a:r>
+              <a:rPr lang="es-CO" sz="1400" i="1" dirty="0" smtClean="0"/>
+              <a:t> of </a:t>
+            </a:r>
+            <a:r>
+              <a:rPr lang="es-CO" sz="1400" i="1" dirty="0" err="1" smtClean="0"/>
+              <a:t>Organic</a:t>
+            </a:r>
+            <a:r>
+              <a:rPr lang="es-CO" sz="1400" i="1" dirty="0" smtClean="0"/>
+              <a:t> </a:t>
+            </a:r>
+            <a:r>
+              <a:rPr lang="es-CO" sz="1400" i="1" dirty="0" err="1" smtClean="0"/>
+              <a:t>Chemistry</a:t>
+            </a:r>
+            <a:r>
+              <a:rPr lang="es-CO" sz="1400" dirty="0" smtClean="0"/>
+              <a:t> </a:t>
+            </a:r>
+            <a:r>
+              <a:rPr lang="es-CO" sz="1400" b="1" dirty="0" smtClean="0"/>
+              <a:t>1960</a:t>
+            </a:r>
+            <a:r>
+              <a:rPr lang="es-CO" sz="1400" dirty="0" smtClean="0"/>
+              <a:t>, </a:t>
+            </a:r>
+            <a:r>
+              <a:rPr lang="es-CO" sz="1400" i="1" dirty="0" smtClean="0"/>
+              <a:t>25</a:t>
+            </a:r>
+            <a:r>
+              <a:rPr lang="es-CO" sz="1400" dirty="0" smtClean="0"/>
+              <a:t>, 1031-1033.</a:t>
+            </a:r>
+          </a:p>
+          <a:p>
+            <a:r>
+              <a:rPr lang="es-CO" sz="1400" dirty="0" err="1" smtClean="0"/>
+              <a:t>Keaveney</a:t>
+            </a:r>
+            <a:r>
+              <a:rPr lang="es-CO" sz="1400" dirty="0" smtClean="0"/>
+              <a:t>, W. P.; Berger, M. G.; </a:t>
+            </a:r>
+            <a:r>
+              <a:rPr lang="es-CO" sz="1400" dirty="0" err="1" smtClean="0"/>
+              <a:t>Pappas</a:t>
+            </a:r>
+            <a:r>
+              <a:rPr lang="es-CO" sz="1400" dirty="0" smtClean="0"/>
+              <a:t>, J. J. </a:t>
+            </a:r>
+            <a:r>
+              <a:rPr lang="es-CO" sz="1400" i="1" dirty="0" err="1" smtClean="0"/>
+              <a:t>The</a:t>
+            </a:r>
+            <a:r>
+              <a:rPr lang="es-CO" sz="1400" i="1" dirty="0" smtClean="0"/>
+              <a:t> </a:t>
+            </a:r>
+            <a:r>
+              <a:rPr lang="es-CO" sz="1400" i="1" dirty="0" err="1" smtClean="0"/>
+              <a:t>Journal</a:t>
+            </a:r>
+            <a:r>
+              <a:rPr lang="es-CO" sz="1400" i="1" dirty="0" smtClean="0"/>
+              <a:t> of </a:t>
+            </a:r>
+            <a:r>
+              <a:rPr lang="es-CO" sz="1400" i="1" dirty="0" err="1" smtClean="0"/>
+              <a:t>Organic</a:t>
+            </a:r>
+            <a:r>
+              <a:rPr lang="es-CO" sz="1400" i="1" dirty="0" smtClean="0"/>
+              <a:t> </a:t>
+            </a:r>
+            <a:r>
+              <a:rPr lang="es-CO" sz="1400" i="1" dirty="0" err="1" smtClean="0"/>
+              <a:t>Chemistry</a:t>
+            </a:r>
+            <a:r>
+              <a:rPr lang="es-CO" sz="1400" i="1" dirty="0"/>
+              <a:t> </a:t>
+            </a:r>
+            <a:r>
+              <a:rPr lang="es-CO" sz="1400" b="1" dirty="0" smtClean="0"/>
+              <a:t>1967</a:t>
+            </a:r>
+            <a:r>
+              <a:rPr lang="es-CO" sz="1400" b="1" i="1" dirty="0" smtClean="0"/>
+              <a:t>, </a:t>
+            </a:r>
+            <a:r>
+              <a:rPr lang="es-CO" sz="1400" i="1" dirty="0" smtClean="0"/>
+              <a:t>32</a:t>
+            </a:r>
+            <a:r>
+              <a:rPr lang="es-CO" sz="1400" dirty="0" smtClean="0"/>
+              <a:t>, 1537-1542.</a:t>
+            </a:r>
+          </a:p>
+          <a:p>
+            <a:endParaRPr lang="es-CO" sz="1400" i="1" dirty="0" smtClean="0"/>
           </a:p>
         </p:txBody>
       </p:sp>
@@ -12888,7 +12556,7 @@
           <p:cNvPr id="4" name="Slide Number Placeholder 3">
             <a:extLst>
               <a:ext uri="{FF2B5EF4-FFF2-40B4-BE49-F238E27FC236}">
-                <a16:creationId xmlns:a16="http://schemas.microsoft.com/office/drawing/2014/main" id="{F3349C97-CE2F-4AEE-8002-6FE977C11451}"/>
+                <a16:creationId xmlns:a16="http://schemas.microsoft.com/office/drawing/2014/main" xmlns="" id="{604C336C-0D85-48CF-A3F5-EA338CBD8291}"/>
               </a:ext>
             </a:extLst>
           </p:cNvPr>
@@ -12916,7 +12584,7 @@
     </p:spTree>
     <p:extLst>
       <p:ext uri="{BB962C8B-B14F-4D97-AF65-F5344CB8AC3E}">
-        <p14:creationId xmlns:p14="http://schemas.microsoft.com/office/powerpoint/2010/main" val="1591790128"/>
+        <p14:creationId xmlns:p14="http://schemas.microsoft.com/office/powerpoint/2010/main" val="496855487"/>
       </p:ext>
     </p:extLst>
   </p:cSld>
@@ -12948,7 +12616,7 @@
           <p:cNvPr id="2" name="Title 1">
             <a:extLst>
               <a:ext uri="{FF2B5EF4-FFF2-40B4-BE49-F238E27FC236}">
-                <a16:creationId xmlns:a16="http://schemas.microsoft.com/office/drawing/2014/main" id="{AC233BA5-C465-44F0-A654-8B3CCEEE525B}"/>
+                <a16:creationId xmlns:a16="http://schemas.microsoft.com/office/drawing/2014/main" xmlns="" id="{E07EF9F7-A4C7-464B-BED9-A76EAFE04726}"/>
               </a:ext>
             </a:extLst>
           </p:cNvPr>
@@ -12959,560 +12627,21 @@
             <p:ph type="title"/>
           </p:nvPr>
         </p:nvSpPr>
-        <p:spPr/>
+        <p:spPr>
+          <a:xfrm>
+            <a:off x="4999241" y="3126678"/>
+            <a:ext cx="2909518" cy="1280890"/>
+          </a:xfrm>
+        </p:spPr>
         <p:txBody>
           <a:bodyPr/>
           <a:lstStyle/>
           <a:p>
             <a:r>
-              <a:rPr lang="en-US" dirty="0" err="1"/>
-              <a:t>Referencias</a:t>
+              <a:rPr lang="en-US" dirty="0"/>
+              <a:t>Gracias</a:t>
             </a:r>
             <a:endParaRPr lang="es-CO" dirty="0"/>
-          </a:p>
-        </p:txBody>
-      </p:sp>
-      <p:sp>
-        <p:nvSpPr>
-          <p:cNvPr id="3" name="Content Placeholder 2">
-            <a:extLst>
-              <a:ext uri="{FF2B5EF4-FFF2-40B4-BE49-F238E27FC236}">
-                <a16:creationId xmlns:a16="http://schemas.microsoft.com/office/drawing/2014/main" id="{43936EA0-EC23-4214-8160-F2FFD3BE072F}"/>
-              </a:ext>
-            </a:extLst>
-          </p:cNvPr>
-          <p:cNvSpPr>
-            <a:spLocks noGrp="1"/>
-          </p:cNvSpPr>
-          <p:nvPr>
-            <p:ph idx="1"/>
-          </p:nvPr>
-        </p:nvSpPr>
-        <p:spPr>
-          <a:xfrm>
-            <a:off x="1171075" y="1523999"/>
-            <a:ext cx="10716126" cy="4924927"/>
-          </a:xfrm>
-        </p:spPr>
-        <p:txBody>
-          <a:bodyPr>
-            <a:noAutofit/>
-          </a:bodyPr>
-          <a:lstStyle/>
-          <a:p>
-            <a:r>
-              <a:rPr lang="en-US" sz="1400" dirty="0"/>
-              <a:t>Wang, Z. </a:t>
-            </a:r>
-            <a:r>
-              <a:rPr lang="en-US" sz="1400" i="1" dirty="0"/>
-              <a:t>Comprehensive Organic Name Reactions and Reagents</a:t>
-            </a:r>
-            <a:r>
-              <a:rPr lang="en-US" sz="1400" dirty="0"/>
-              <a:t>; John Wiley &amp; Sons, Inc.: Hoboken, NJ, USA, 2010.</a:t>
-            </a:r>
-          </a:p>
-          <a:p>
-            <a:r>
-              <a:rPr lang="en-US" sz="1400" dirty="0"/>
-              <a:t>Zheng, L.; Wei, Q.; Zhou, B.; Yang, L.; Liu, Z.-L. </a:t>
-            </a:r>
-            <a:r>
-              <a:rPr lang="en-US" sz="1400" i="1" dirty="0"/>
-              <a:t>Anti-Cancer Drugs</a:t>
-            </a:r>
-            <a:r>
-              <a:rPr lang="en-US" sz="1400" dirty="0"/>
-              <a:t> </a:t>
-            </a:r>
-            <a:r>
-              <a:rPr lang="en-US" sz="1400" b="1" dirty="0"/>
-              <a:t>2007</a:t>
-            </a:r>
-            <a:r>
-              <a:rPr lang="en-US" sz="1400" dirty="0"/>
-              <a:t>, </a:t>
-            </a:r>
-            <a:r>
-              <a:rPr lang="en-US" sz="1400" i="1" dirty="0"/>
-              <a:t>18</a:t>
-            </a:r>
-            <a:r>
-              <a:rPr lang="en-US" sz="1400" dirty="0"/>
-              <a:t>, 1039–1044.</a:t>
-            </a:r>
-          </a:p>
-          <a:p>
-            <a:r>
-              <a:rPr lang="es-CO" sz="1400" dirty="0" err="1"/>
-              <a:t>Mukaiyama</a:t>
-            </a:r>
-            <a:r>
-              <a:rPr lang="es-CO" sz="1400" dirty="0"/>
-              <a:t>, T.; Sato, T.; Hanna, </a:t>
-            </a:r>
-            <a:r>
-              <a:rPr lang="es-CO" sz="1400" i="1" dirty="0"/>
-              <a:t>J. </a:t>
-            </a:r>
-            <a:r>
-              <a:rPr lang="es-CO" sz="1400" i="1" dirty="0" err="1"/>
-              <a:t>Chemistry</a:t>
-            </a:r>
-            <a:r>
-              <a:rPr lang="es-CO" sz="1400" i="1" dirty="0"/>
-              <a:t> </a:t>
-            </a:r>
-            <a:r>
-              <a:rPr lang="es-CO" sz="1400" i="1" dirty="0" err="1"/>
-              <a:t>Letters</a:t>
-            </a:r>
-            <a:r>
-              <a:rPr lang="es-CO" sz="1400" dirty="0"/>
-              <a:t> </a:t>
-            </a:r>
-            <a:r>
-              <a:rPr lang="es-CO" sz="1400" b="1" dirty="0"/>
-              <a:t>1973</a:t>
-            </a:r>
-            <a:r>
-              <a:rPr lang="es-CO" sz="1400" dirty="0"/>
-              <a:t>, </a:t>
-            </a:r>
-            <a:r>
-              <a:rPr lang="es-CO" sz="1400" i="1" dirty="0"/>
-              <a:t>2</a:t>
-            </a:r>
-            <a:r>
-              <a:rPr lang="es-CO" sz="1400" dirty="0"/>
-              <a:t>, 1041–1044.</a:t>
-            </a:r>
-          </a:p>
-          <a:p>
-            <a:r>
-              <a:rPr lang="it-IT" sz="1400" dirty="0"/>
-              <a:t>Mukaiyama, T.; Shiono, M.; Sato, T. </a:t>
-            </a:r>
-            <a:r>
-              <a:rPr lang="it-IT" sz="1400" i="1" dirty="0"/>
-              <a:t>Chemistry </a:t>
-            </a:r>
-            <a:r>
-              <a:rPr lang="es-CO" sz="1400" i="1" dirty="0" err="1"/>
-              <a:t>Letters</a:t>
-            </a:r>
-            <a:r>
-              <a:rPr lang="es-CO" sz="1400" dirty="0"/>
-              <a:t> </a:t>
-            </a:r>
-            <a:r>
-              <a:rPr lang="es-CO" sz="1400" b="1" dirty="0"/>
-              <a:t>1974</a:t>
-            </a:r>
-            <a:r>
-              <a:rPr lang="es-CO" sz="1400" dirty="0"/>
-              <a:t>, </a:t>
-            </a:r>
-            <a:r>
-              <a:rPr lang="es-CO" sz="1400" i="1" dirty="0"/>
-              <a:t>3</a:t>
-            </a:r>
-            <a:r>
-              <a:rPr lang="es-CO" sz="1400" dirty="0"/>
-              <a:t>, 37–38.</a:t>
-            </a:r>
-          </a:p>
-          <a:p>
-            <a:r>
-              <a:rPr lang="de-DE" sz="1400" dirty="0"/>
-              <a:t>Villiers, C.; Ephritikhine, M. </a:t>
-            </a:r>
-            <a:r>
-              <a:rPr lang="de-DE" sz="1400" i="1" dirty="0"/>
-              <a:t>Angewandte Chemie </a:t>
-            </a:r>
-            <a:r>
-              <a:rPr lang="es-CO" sz="1400" i="1" dirty="0"/>
-              <a:t>International </a:t>
-            </a:r>
-            <a:r>
-              <a:rPr lang="es-CO" sz="1400" i="1" dirty="0" err="1"/>
-              <a:t>Edition</a:t>
-            </a:r>
-            <a:r>
-              <a:rPr lang="es-CO" sz="1400" i="1" dirty="0"/>
-              <a:t> in English</a:t>
-            </a:r>
-            <a:r>
-              <a:rPr lang="es-CO" sz="1400" dirty="0"/>
-              <a:t> </a:t>
-            </a:r>
-            <a:r>
-              <a:rPr lang="es-CO" sz="1400" b="1" dirty="0"/>
-              <a:t>1997</a:t>
-            </a:r>
-            <a:r>
-              <a:rPr lang="es-CO" sz="1400" dirty="0"/>
-              <a:t>, </a:t>
-            </a:r>
-            <a:r>
-              <a:rPr lang="es-CO" sz="1400" i="1" dirty="0"/>
-              <a:t>36</a:t>
-            </a:r>
-            <a:r>
-              <a:rPr lang="es-CO" sz="1400" dirty="0"/>
-              <a:t>, 2380–2382.</a:t>
-            </a:r>
-          </a:p>
-          <a:p>
-            <a:r>
-              <a:rPr lang="es-CO" sz="1400" dirty="0" err="1"/>
-              <a:t>Rele</a:t>
-            </a:r>
-            <a:r>
-              <a:rPr lang="es-CO" sz="1400" dirty="0"/>
-              <a:t>, S.; </a:t>
-            </a:r>
-            <a:r>
-              <a:rPr lang="es-CO" sz="1400" dirty="0" err="1"/>
-              <a:t>Talukdar</a:t>
-            </a:r>
-            <a:r>
-              <a:rPr lang="es-CO" sz="1400" dirty="0"/>
-              <a:t>, S.; </a:t>
-            </a:r>
-            <a:r>
-              <a:rPr lang="es-CO" sz="1400" dirty="0" err="1"/>
-              <a:t>Banerji</a:t>
-            </a:r>
-            <a:r>
-              <a:rPr lang="es-CO" sz="1400" dirty="0"/>
-              <a:t>, A.; </a:t>
-            </a:r>
-            <a:r>
-              <a:rPr lang="es-CO" sz="1400" dirty="0" err="1"/>
-              <a:t>Chattopadhyay</a:t>
-            </a:r>
-            <a:r>
-              <a:rPr lang="es-CO" sz="1400" dirty="0"/>
-              <a:t>, </a:t>
-            </a:r>
-            <a:r>
-              <a:rPr lang="en-US" sz="1400" dirty="0"/>
-              <a:t>S</a:t>
-            </a:r>
-            <a:r>
-              <a:rPr lang="en-US" sz="1400" i="1" dirty="0"/>
-              <a:t>. The Journal of Organic Chemistry</a:t>
-            </a:r>
-            <a:r>
-              <a:rPr lang="en-US" sz="1400" dirty="0"/>
-              <a:t> </a:t>
-            </a:r>
-            <a:r>
-              <a:rPr lang="en-US" sz="1400" b="1" dirty="0"/>
-              <a:t>2001</a:t>
-            </a:r>
-            <a:r>
-              <a:rPr lang="en-US" sz="1400" dirty="0"/>
-              <a:t>, </a:t>
-            </a:r>
-            <a:r>
-              <a:rPr lang="es-CO" sz="1400" i="1" dirty="0"/>
-              <a:t>66</a:t>
-            </a:r>
-            <a:r>
-              <a:rPr lang="es-CO" sz="1400" dirty="0"/>
-              <a:t>, 2990–2994.</a:t>
-            </a:r>
-          </a:p>
-          <a:p>
-            <a:r>
-              <a:rPr lang="es-CO" sz="1400" dirty="0"/>
-              <a:t>Huang, Y.-m. M.; Chen, W.; Potter, M. J.; Chang, C.-e. A. </a:t>
-            </a:r>
-            <a:r>
-              <a:rPr lang="es-CO" sz="1400" i="1" dirty="0" err="1"/>
-              <a:t>Biophysical</a:t>
-            </a:r>
-            <a:r>
-              <a:rPr lang="es-CO" sz="1400" i="1" dirty="0"/>
-              <a:t> </a:t>
-            </a:r>
-            <a:r>
-              <a:rPr lang="es-CO" sz="1400" i="1" dirty="0" err="1"/>
-              <a:t>Journal</a:t>
-            </a:r>
-            <a:r>
-              <a:rPr lang="es-CO" sz="1400" dirty="0"/>
-              <a:t> </a:t>
-            </a:r>
-            <a:r>
-              <a:rPr lang="es-CO" sz="1400" b="1" dirty="0"/>
-              <a:t>2012</a:t>
-            </a:r>
-            <a:r>
-              <a:rPr lang="es-CO" sz="1400" dirty="0"/>
-              <a:t>, </a:t>
-            </a:r>
-            <a:r>
-              <a:rPr lang="es-CO" sz="1400" i="1" dirty="0"/>
-              <a:t>103</a:t>
-            </a:r>
-            <a:r>
-              <a:rPr lang="es-CO" sz="1400" dirty="0"/>
-              <a:t>, 342–351.</a:t>
-            </a:r>
-          </a:p>
-          <a:p>
-            <a:r>
-              <a:rPr lang="es-CO" sz="1400" dirty="0" err="1"/>
-              <a:t>Fulmer</a:t>
-            </a:r>
-            <a:r>
-              <a:rPr lang="es-CO" sz="1400" dirty="0"/>
-              <a:t>, G. R.; Miller, A. J. M.; </a:t>
-            </a:r>
-            <a:r>
-              <a:rPr lang="es-CO" sz="1400" dirty="0" err="1"/>
-              <a:t>Sherden</a:t>
-            </a:r>
-            <a:r>
-              <a:rPr lang="es-CO" sz="1400" dirty="0"/>
-              <a:t>, N. H.; </a:t>
-            </a:r>
-            <a:r>
-              <a:rPr lang="es-CO" sz="1400" dirty="0" err="1"/>
-              <a:t>Gottlieb</a:t>
-            </a:r>
-            <a:r>
-              <a:rPr lang="es-CO" sz="1400" dirty="0"/>
-              <a:t>, H. E.; </a:t>
-            </a:r>
-            <a:r>
-              <a:rPr lang="es-CO" sz="1400" dirty="0" err="1"/>
-              <a:t>Nudelman</a:t>
-            </a:r>
-            <a:r>
-              <a:rPr lang="es-CO" sz="1400" dirty="0"/>
-              <a:t>, A.; </a:t>
-            </a:r>
-            <a:r>
-              <a:rPr lang="es-CO" sz="1400" dirty="0" err="1"/>
-              <a:t>Stoltz</a:t>
-            </a:r>
-            <a:r>
-              <a:rPr lang="es-CO" sz="1400" dirty="0"/>
-              <a:t>, B. M.; </a:t>
-            </a:r>
-            <a:r>
-              <a:rPr lang="es-CO" sz="1400" dirty="0" err="1"/>
-              <a:t>Bercaw</a:t>
-            </a:r>
-            <a:r>
-              <a:rPr lang="es-CO" sz="1400" dirty="0"/>
-              <a:t>, J. E.; Goldberg, K. I. </a:t>
-            </a:r>
-            <a:r>
-              <a:rPr lang="es-CO" sz="1400" i="1" dirty="0" err="1"/>
-              <a:t>Organometallics</a:t>
-            </a:r>
-            <a:r>
-              <a:rPr lang="es-CO" sz="1400" dirty="0"/>
-              <a:t> </a:t>
-            </a:r>
-            <a:r>
-              <a:rPr lang="es-CO" sz="1400" b="1" dirty="0"/>
-              <a:t>2010</a:t>
-            </a:r>
-            <a:r>
-              <a:rPr lang="es-CO" sz="1400" dirty="0"/>
-              <a:t>, 29, 2176–2179.</a:t>
-            </a:r>
-            <a:endParaRPr lang="en-US" sz="1400" dirty="0"/>
-          </a:p>
-          <a:p>
-            <a:r>
-              <a:rPr lang="nn-NO" sz="1400" dirty="0"/>
-              <a:t>Zhong, J.-J.; Liu, Q.; Wu, C.-J.; Meng, Q.-Y.; </a:t>
-            </a:r>
-            <a:r>
-              <a:rPr lang="it-IT" sz="1400" dirty="0"/>
-              <a:t>Gao, X.-W.; Li, Z.-J.; Chen, B.; Tung, C.-H.; </a:t>
-            </a:r>
-            <a:r>
-              <a:rPr lang="fr-FR" sz="1400" dirty="0"/>
-              <a:t>Wu, L.-Z</a:t>
-            </a:r>
-            <a:r>
-              <a:rPr lang="fr-FR" sz="1400" i="1" dirty="0"/>
-              <a:t>. </a:t>
-            </a:r>
-            <a:r>
-              <a:rPr lang="fr-FR" sz="1400" i="1" dirty="0" err="1"/>
-              <a:t>Chem</a:t>
-            </a:r>
-            <a:r>
-              <a:rPr lang="fr-FR" sz="1400" i="1" dirty="0"/>
-              <a:t>. Commun</a:t>
-            </a:r>
-            <a:r>
-              <a:rPr lang="fr-FR" sz="1400" dirty="0"/>
-              <a:t>. </a:t>
-            </a:r>
-            <a:r>
-              <a:rPr lang="fr-FR" sz="1400" b="1" dirty="0"/>
-              <a:t>2016</a:t>
-            </a:r>
-            <a:r>
-              <a:rPr lang="fr-FR" sz="1400" dirty="0"/>
-              <a:t>, </a:t>
-            </a:r>
-            <a:r>
-              <a:rPr lang="fr-FR" sz="1400" i="1" dirty="0"/>
-              <a:t>52</a:t>
-            </a:r>
-            <a:r>
-              <a:rPr lang="fr-FR" sz="1400" dirty="0"/>
-              <a:t>, 1800–1803.</a:t>
-            </a:r>
-          </a:p>
-          <a:p>
-            <a:r>
-              <a:rPr lang="en-US" sz="1400" dirty="0"/>
-              <a:t>Richards, I. C. </a:t>
-            </a:r>
-            <a:r>
-              <a:rPr lang="en-US" sz="1400" i="1" dirty="0"/>
-              <a:t>Encyclopedia of Reagents for Organic Synthesis</a:t>
-            </a:r>
-            <a:r>
-              <a:rPr lang="en-US" sz="1400" dirty="0"/>
-              <a:t>; John Wiley &amp; Sons, Ltd, 2001.</a:t>
-            </a:r>
-          </a:p>
-          <a:p>
-            <a:r>
-              <a:rPr lang="es-CO" sz="1400" dirty="0" err="1"/>
-              <a:t>Uchiyama</a:t>
-            </a:r>
-            <a:r>
-              <a:rPr lang="es-CO" sz="1400" dirty="0"/>
-              <a:t>, M.; Matsumoto, Y.; Nakamura, S.; </a:t>
-            </a:r>
-            <a:r>
-              <a:rPr lang="es-CO" sz="1400" dirty="0" err="1"/>
-              <a:t>Ohwada</a:t>
-            </a:r>
-            <a:r>
-              <a:rPr lang="es-CO" sz="1400" dirty="0"/>
-              <a:t>, T.; </a:t>
-            </a:r>
-            <a:r>
-              <a:rPr lang="es-CO" sz="1400" dirty="0" err="1"/>
-              <a:t>Kobayashi</a:t>
-            </a:r>
-            <a:r>
-              <a:rPr lang="es-CO" sz="1400" dirty="0"/>
-              <a:t>, N.; </a:t>
-            </a:r>
-            <a:r>
-              <a:rPr lang="es-CO" sz="1400" dirty="0" err="1"/>
-              <a:t>Yamashita</a:t>
-            </a:r>
-            <a:r>
-              <a:rPr lang="es-CO" sz="1400" dirty="0"/>
-              <a:t>, N.; </a:t>
-            </a:r>
-            <a:r>
-              <a:rPr lang="es-CO" sz="1400" dirty="0" err="1"/>
-              <a:t>Matsumiya</a:t>
-            </a:r>
-            <a:r>
-              <a:rPr lang="es-CO" sz="1400" dirty="0"/>
-              <a:t>, </a:t>
-            </a:r>
-            <a:r>
-              <a:rPr lang="en-US" sz="1400" dirty="0"/>
-              <a:t>A.; Sakamoto, T. </a:t>
-            </a:r>
-            <a:r>
-              <a:rPr lang="en-US" sz="1400" i="1" dirty="0"/>
-              <a:t>Journal of the American Chemical Society</a:t>
-            </a:r>
-            <a:r>
-              <a:rPr lang="en-US" sz="1400" dirty="0"/>
-              <a:t> </a:t>
-            </a:r>
-            <a:r>
-              <a:rPr lang="en-US" sz="1400" b="1" dirty="0"/>
-              <a:t>2004</a:t>
-            </a:r>
-            <a:r>
-              <a:rPr lang="en-US" sz="1400" dirty="0"/>
-              <a:t>, </a:t>
-            </a:r>
-            <a:r>
-              <a:rPr lang="en-US" sz="1400" i="1" dirty="0"/>
-              <a:t>126</a:t>
-            </a:r>
-            <a:r>
-              <a:rPr lang="en-US" sz="1400" dirty="0"/>
-              <a:t>, 8755-8759.</a:t>
-            </a:r>
-          </a:p>
-          <a:p>
-            <a:r>
-              <a:rPr lang="en-US" sz="1400" dirty="0"/>
-              <a:t>Barton, D. H. R.; Willis, B. J. </a:t>
-            </a:r>
-            <a:r>
-              <a:rPr lang="en-US" sz="1400" i="1" dirty="0"/>
-              <a:t>Journal of the Chemical Society D: Chemical Communications </a:t>
-            </a:r>
-            <a:r>
-              <a:rPr lang="en-US" sz="1400" b="1" dirty="0"/>
-              <a:t>1970</a:t>
-            </a:r>
-            <a:r>
-              <a:rPr lang="en-US" sz="1400" dirty="0"/>
-              <a:t>,</a:t>
-            </a:r>
-            <a:r>
-              <a:rPr lang="es-CO" sz="1400" dirty="0"/>
-              <a:t>1225.</a:t>
-            </a:r>
-          </a:p>
-          <a:p>
-            <a:r>
-              <a:rPr lang="nl-NL" sz="1400" dirty="0"/>
-              <a:t>Kellogg, R. M.; Wassenaar, S. </a:t>
-            </a:r>
-            <a:r>
-              <a:rPr lang="nl-NL" sz="1400" i="1" dirty="0"/>
-              <a:t>Tetrahedron Letters</a:t>
-            </a:r>
-            <a:r>
-              <a:rPr lang="nl-NL" sz="1400" dirty="0"/>
-              <a:t> </a:t>
-            </a:r>
-            <a:r>
-              <a:rPr lang="es-CO" sz="1400" b="1" dirty="0"/>
-              <a:t>1970</a:t>
-            </a:r>
-            <a:r>
-              <a:rPr lang="es-CO" sz="1400" dirty="0"/>
-              <a:t>, </a:t>
-            </a:r>
-            <a:r>
-              <a:rPr lang="es-CO" sz="1400" i="1" dirty="0"/>
-              <a:t>11</a:t>
-            </a:r>
-            <a:r>
-              <a:rPr lang="es-CO" sz="1400" dirty="0"/>
-              <a:t>, 1987–1990.</a:t>
-            </a:r>
           </a:p>
         </p:txBody>
       </p:sp>
@@ -13521,7 +12650,7 @@
           <p:cNvPr id="4" name="Slide Number Placeholder 3">
             <a:extLst>
               <a:ext uri="{FF2B5EF4-FFF2-40B4-BE49-F238E27FC236}">
-                <a16:creationId xmlns:a16="http://schemas.microsoft.com/office/drawing/2014/main" id="{604C336C-0D85-48CF-A3F5-EA338CBD8291}"/>
+                <a16:creationId xmlns:a16="http://schemas.microsoft.com/office/drawing/2014/main" xmlns="" id="{42840902-473E-4517-83E2-FDD72AABD8DF}"/>
               </a:ext>
             </a:extLst>
           </p:cNvPr>
@@ -13549,7 +12678,7 @@
     </p:spTree>
     <p:extLst>
       <p:ext uri="{BB962C8B-B14F-4D97-AF65-F5344CB8AC3E}">
-        <p14:creationId xmlns:p14="http://schemas.microsoft.com/office/powerpoint/2010/main" val="496855487"/>
+        <p14:creationId xmlns:p14="http://schemas.microsoft.com/office/powerpoint/2010/main" val="1962612328"/>
       </p:ext>
     </p:extLst>
   </p:cSld>
@@ -13581,7 +12710,7 @@
           <p:cNvPr id="2" name="Title 1">
             <a:extLst>
               <a:ext uri="{FF2B5EF4-FFF2-40B4-BE49-F238E27FC236}">
-                <a16:creationId xmlns:a16="http://schemas.microsoft.com/office/drawing/2014/main" id="{E07EF9F7-A4C7-464B-BED9-A76EAFE04726}"/>
+                <a16:creationId xmlns:a16="http://schemas.microsoft.com/office/drawing/2014/main" xmlns="" id="{F25B8E26-49D7-43CA-9159-76A91BB78FBA}"/>
               </a:ext>
             </a:extLst>
           </p:cNvPr>
@@ -13592,21 +12721,24 @@
             <p:ph type="title"/>
           </p:nvPr>
         </p:nvSpPr>
-        <p:spPr>
-          <a:xfrm>
-            <a:off x="4999241" y="3126678"/>
-            <a:ext cx="2909518" cy="1280890"/>
-          </a:xfrm>
-        </p:spPr>
+        <p:spPr/>
         <p:txBody>
           <a:bodyPr/>
           <a:lstStyle/>
           <a:p>
             <a:r>
+              <a:rPr lang="en-US" dirty="0" err="1"/>
+              <a:t>Resultados</a:t>
+            </a:r>
+            <a:r>
               <a:rPr lang="en-US" dirty="0"/>
-              <a:t>Gracias</a:t>
-            </a:r>
-            <a:endParaRPr lang="es-CO" dirty="0"/>
+              <a:t> y </a:t>
+            </a:r>
+            <a:r>
+              <a:rPr lang="en-US" dirty="0" err="1"/>
+              <a:t>discusión</a:t>
+            </a:r>
+            <a:endParaRPr lang="en-US" dirty="0"/>
           </a:p>
         </p:txBody>
       </p:sp>
@@ -13615,7 +12747,7 @@
           <p:cNvPr id="4" name="Slide Number Placeholder 3">
             <a:extLst>
               <a:ext uri="{FF2B5EF4-FFF2-40B4-BE49-F238E27FC236}">
-                <a16:creationId xmlns:a16="http://schemas.microsoft.com/office/drawing/2014/main" id="{42840902-473E-4517-83E2-FDD72AABD8DF}"/>
+                <a16:creationId xmlns:a16="http://schemas.microsoft.com/office/drawing/2014/main" xmlns="" id="{BA7E69C3-56CF-45B5-8EB1-5EC4DC4FD7DE}"/>
               </a:ext>
             </a:extLst>
           </p:cNvPr>
@@ -13640,109 +12772,12 @@
           </a:p>
         </p:txBody>
       </p:sp>
-    </p:spTree>
-    <p:extLst>
-      <p:ext uri="{BB962C8B-B14F-4D97-AF65-F5344CB8AC3E}">
-        <p14:creationId xmlns:p14="http://schemas.microsoft.com/office/powerpoint/2010/main" val="1962612328"/>
-      </p:ext>
-    </p:extLst>
-  </p:cSld>
-  <p:clrMapOvr>
-    <a:masterClrMapping/>
-  </p:clrMapOvr>
-</p:sld>
-</file>
-
-<file path=ppt/slides/slide14.xml><?xml version="1.0" encoding="utf-8"?>
-<p:sld xmlns:a="http://schemas.openxmlformats.org/drawingml/2006/main" xmlns:r="http://schemas.openxmlformats.org/officeDocument/2006/relationships" xmlns:p="http://schemas.openxmlformats.org/presentationml/2006/main">
-  <p:cSld>
-    <p:spTree>
-      <p:nvGrpSpPr>
-        <p:cNvPr id="1" name=""/>
-        <p:cNvGrpSpPr/>
-        <p:nvPr/>
-      </p:nvGrpSpPr>
-      <p:grpSpPr>
-        <a:xfrm>
-          <a:off x="0" y="0"/>
-          <a:ext cx="0" cy="0"/>
-          <a:chOff x="0" y="0"/>
-          <a:chExt cx="0" cy="0"/>
-        </a:xfrm>
-      </p:grpSpPr>
-      <p:sp>
-        <p:nvSpPr>
-          <p:cNvPr id="2" name="Title 1">
-            <a:extLst>
-              <a:ext uri="{FF2B5EF4-FFF2-40B4-BE49-F238E27FC236}">
-                <a16:creationId xmlns:a16="http://schemas.microsoft.com/office/drawing/2014/main" id="{F25B8E26-49D7-43CA-9159-76A91BB78FBA}"/>
-              </a:ext>
-            </a:extLst>
-          </p:cNvPr>
-          <p:cNvSpPr>
-            <a:spLocks noGrp="1"/>
-          </p:cNvSpPr>
-          <p:nvPr>
-            <p:ph type="title"/>
-          </p:nvPr>
-        </p:nvSpPr>
-        <p:spPr/>
-        <p:txBody>
-          <a:bodyPr/>
-          <a:lstStyle/>
-          <a:p>
-            <a:r>
-              <a:rPr lang="en-US" dirty="0" err="1"/>
-              <a:t>Resultados</a:t>
-            </a:r>
-            <a:r>
-              <a:rPr lang="en-US" dirty="0"/>
-              <a:t> y </a:t>
-            </a:r>
-            <a:r>
-              <a:rPr lang="en-US" dirty="0" err="1"/>
-              <a:t>discusión</a:t>
-            </a:r>
-            <a:endParaRPr lang="en-US" dirty="0"/>
-          </a:p>
-        </p:txBody>
-      </p:sp>
-      <p:sp>
-        <p:nvSpPr>
-          <p:cNvPr id="4" name="Slide Number Placeholder 3">
-            <a:extLst>
-              <a:ext uri="{FF2B5EF4-FFF2-40B4-BE49-F238E27FC236}">
-                <a16:creationId xmlns:a16="http://schemas.microsoft.com/office/drawing/2014/main" id="{BA7E69C3-56CF-45B5-8EB1-5EC4DC4FD7DE}"/>
-              </a:ext>
-            </a:extLst>
-          </p:cNvPr>
-          <p:cNvSpPr>
-            <a:spLocks noGrp="1"/>
-          </p:cNvSpPr>
-          <p:nvPr>
-            <p:ph type="sldNum" sz="quarter" idx="12"/>
-          </p:nvPr>
-        </p:nvSpPr>
-        <p:spPr/>
-        <p:txBody>
-          <a:bodyPr/>
-          <a:lstStyle/>
-          <a:p>
-            <a:fld id="{D57F1E4F-1CFF-5643-939E-217C01CDF565}" type="slidenum">
-              <a:rPr lang="en-US" smtClean="0"/>
-              <a:pPr/>
-              <a:t>14</a:t>
-            </a:fld>
-            <a:endParaRPr lang="en-US" dirty="0"/>
-          </a:p>
-        </p:txBody>
-      </p:sp>
       <p:pic>
         <p:nvPicPr>
           <p:cNvPr id="9" name="Content Placeholder 8">
             <a:extLst>
               <a:ext uri="{FF2B5EF4-FFF2-40B4-BE49-F238E27FC236}">
-                <a16:creationId xmlns:a16="http://schemas.microsoft.com/office/drawing/2014/main" id="{169AF6C5-D67F-4FF8-9576-8267E6A295B5}"/>
+                <a16:creationId xmlns:a16="http://schemas.microsoft.com/office/drawing/2014/main" xmlns="" id="{169AF6C5-D67F-4FF8-9576-8267E6A295B5}"/>
               </a:ext>
             </a:extLst>
           </p:cNvPr>
@@ -13771,7 +12806,7 @@
           <p:cNvPr id="7" name="Picture 6">
             <a:extLst>
               <a:ext uri="{FF2B5EF4-FFF2-40B4-BE49-F238E27FC236}">
-                <a16:creationId xmlns:a16="http://schemas.microsoft.com/office/drawing/2014/main" id="{B69FEB2E-156C-4650-9951-66B3AC426623}"/>
+                <a16:creationId xmlns:a16="http://schemas.microsoft.com/office/drawing/2014/main" xmlns="" id="{B69FEB2E-156C-4650-9951-66B3AC426623}"/>
               </a:ext>
             </a:extLst>
           </p:cNvPr>
@@ -13809,7 +12844,7 @@
 </p:sld>
 </file>
 
-<file path=ppt/slides/slide15.xml><?xml version="1.0" encoding="utf-8"?>
+<file path=ppt/slides/slide14.xml><?xml version="1.0" encoding="utf-8"?>
 <p:sld xmlns:a="http://schemas.openxmlformats.org/drawingml/2006/main" xmlns:r="http://schemas.openxmlformats.org/officeDocument/2006/relationships" xmlns:p="http://schemas.openxmlformats.org/presentationml/2006/main">
   <p:cSld>
     <p:spTree>
@@ -13831,7 +12866,7 @@
           <p:cNvPr id="4" name="Slide Number Placeholder 3">
             <a:extLst>
               <a:ext uri="{FF2B5EF4-FFF2-40B4-BE49-F238E27FC236}">
-                <a16:creationId xmlns:a16="http://schemas.microsoft.com/office/drawing/2014/main" id="{431854D3-3BC8-49FD-ACAB-E1165BC64D5E}"/>
+                <a16:creationId xmlns:a16="http://schemas.microsoft.com/office/drawing/2014/main" xmlns="" id="{431854D3-3BC8-49FD-ACAB-E1165BC64D5E}"/>
               </a:ext>
             </a:extLst>
           </p:cNvPr>
@@ -13850,7 +12885,7 @@
             <a:fld id="{D57F1E4F-1CFF-5643-939E-217C01CDF565}" type="slidenum">
               <a:rPr lang="en-US" smtClean="0"/>
               <a:pPr/>
-              <a:t>15</a:t>
+              <a:t>14</a:t>
             </a:fld>
             <a:endParaRPr lang="en-US" dirty="0"/>
           </a:p>
@@ -13861,7 +12896,7 @@
           <p:cNvPr id="6" name="Picture 5">
             <a:extLst>
               <a:ext uri="{FF2B5EF4-FFF2-40B4-BE49-F238E27FC236}">
-                <a16:creationId xmlns:a16="http://schemas.microsoft.com/office/drawing/2014/main" id="{8EB80DC0-A5DA-4BD3-8A55-A5204AB1A56A}"/>
+                <a16:creationId xmlns:a16="http://schemas.microsoft.com/office/drawing/2014/main" xmlns="" id="{8EB80DC0-A5DA-4BD3-8A55-A5204AB1A56A}"/>
               </a:ext>
             </a:extLst>
           </p:cNvPr>
@@ -13891,7 +12926,7 @@
           <p:cNvPr id="8" name="Picture 7">
             <a:extLst>
               <a:ext uri="{FF2B5EF4-FFF2-40B4-BE49-F238E27FC236}">
-                <a16:creationId xmlns:a16="http://schemas.microsoft.com/office/drawing/2014/main" id="{3BFD5376-B361-4E53-ABA6-32A04F61340D}"/>
+                <a16:creationId xmlns:a16="http://schemas.microsoft.com/office/drawing/2014/main" xmlns="" id="{3BFD5376-B361-4E53-ABA6-32A04F61340D}"/>
               </a:ext>
             </a:extLst>
           </p:cNvPr>
@@ -13921,7 +12956,7 @@
           <p:cNvPr id="9" name="TextBox 8">
             <a:extLst>
               <a:ext uri="{FF2B5EF4-FFF2-40B4-BE49-F238E27FC236}">
-                <a16:creationId xmlns:a16="http://schemas.microsoft.com/office/drawing/2014/main" id="{A4FDDFD4-A4FA-46B2-A304-AD567610AF12}"/>
+                <a16:creationId xmlns:a16="http://schemas.microsoft.com/office/drawing/2014/main" xmlns="" id="{A4FDDFD4-A4FA-46B2-A304-AD567610AF12}"/>
               </a:ext>
             </a:extLst>
           </p:cNvPr>
@@ -13973,7 +13008,7 @@
           <p:cNvPr id="10" name="TextBox 9">
             <a:extLst>
               <a:ext uri="{FF2B5EF4-FFF2-40B4-BE49-F238E27FC236}">
-                <a16:creationId xmlns:a16="http://schemas.microsoft.com/office/drawing/2014/main" id="{E0C04E51-197A-4454-822E-8DFDBAAAB1AD}"/>
+                <a16:creationId xmlns:a16="http://schemas.microsoft.com/office/drawing/2014/main" xmlns="" id="{E0C04E51-197A-4454-822E-8DFDBAAAB1AD}"/>
               </a:ext>
             </a:extLst>
           </p:cNvPr>
@@ -14024,6 +13059,230 @@
     <p:extLst>
       <p:ext uri="{BB962C8B-B14F-4D97-AF65-F5344CB8AC3E}">
         <p14:creationId xmlns:p14="http://schemas.microsoft.com/office/powerpoint/2010/main" val="3956560575"/>
+      </p:ext>
+    </p:extLst>
+  </p:cSld>
+  <p:clrMapOvr>
+    <a:masterClrMapping/>
+  </p:clrMapOvr>
+</p:sld>
+</file>
+
+<file path=ppt/slides/slide15.xml><?xml version="1.0" encoding="utf-8"?>
+<p:sld xmlns:a="http://schemas.openxmlformats.org/drawingml/2006/main" xmlns:r="http://schemas.openxmlformats.org/officeDocument/2006/relationships" xmlns:p="http://schemas.openxmlformats.org/presentationml/2006/main">
+  <p:cSld>
+    <p:spTree>
+      <p:nvGrpSpPr>
+        <p:cNvPr id="1" name=""/>
+        <p:cNvGrpSpPr/>
+        <p:nvPr/>
+      </p:nvGrpSpPr>
+      <p:grpSpPr>
+        <a:xfrm>
+          <a:off x="0" y="0"/>
+          <a:ext cx="0" cy="0"/>
+          <a:chOff x="0" y="0"/>
+          <a:chExt cx="0" cy="0"/>
+        </a:xfrm>
+      </p:grpSpPr>
+      <p:sp>
+        <p:nvSpPr>
+          <p:cNvPr id="4" name="Slide Number Placeholder 3">
+            <a:extLst>
+              <a:ext uri="{FF2B5EF4-FFF2-40B4-BE49-F238E27FC236}">
+                <a16:creationId xmlns:a16="http://schemas.microsoft.com/office/drawing/2014/main" xmlns="" id="{BA692EEC-779B-4C4B-B40D-FCBE442819E8}"/>
+              </a:ext>
+            </a:extLst>
+          </p:cNvPr>
+          <p:cNvSpPr>
+            <a:spLocks noGrp="1"/>
+          </p:cNvSpPr>
+          <p:nvPr>
+            <p:ph type="sldNum" sz="quarter" idx="12"/>
+          </p:nvPr>
+        </p:nvSpPr>
+        <p:spPr/>
+        <p:txBody>
+          <a:bodyPr/>
+          <a:lstStyle/>
+          <a:p>
+            <a:fld id="{D57F1E4F-1CFF-5643-939E-217C01CDF565}" type="slidenum">
+              <a:rPr lang="en-US" smtClean="0"/>
+              <a:pPr/>
+              <a:t>15</a:t>
+            </a:fld>
+            <a:endParaRPr lang="en-US" dirty="0"/>
+          </a:p>
+        </p:txBody>
+      </p:sp>
+      <p:pic>
+        <p:nvPicPr>
+          <p:cNvPr id="6" name="Picture 5">
+            <a:extLst>
+              <a:ext uri="{FF2B5EF4-FFF2-40B4-BE49-F238E27FC236}">
+                <a16:creationId xmlns:a16="http://schemas.microsoft.com/office/drawing/2014/main" xmlns="" id="{32A9F643-FF3B-4DFA-8368-F69964FD630C}"/>
+              </a:ext>
+            </a:extLst>
+          </p:cNvPr>
+          <p:cNvPicPr>
+            <a:picLocks noChangeAspect="1"/>
+          </p:cNvPicPr>
+          <p:nvPr/>
+        </p:nvPicPr>
+        <p:blipFill>
+          <a:blip r:embed="rId2"/>
+          <a:stretch>
+            <a:fillRect/>
+          </a:stretch>
+        </p:blipFill>
+        <p:spPr>
+          <a:xfrm>
+            <a:off x="1779329" y="529390"/>
+            <a:ext cx="4972907" cy="3119167"/>
+          </a:xfrm>
+          <a:prstGeom prst="rect">
+            <a:avLst/>
+          </a:prstGeom>
+        </p:spPr>
+      </p:pic>
+      <p:pic>
+        <p:nvPicPr>
+          <p:cNvPr id="8" name="Picture 7">
+            <a:extLst>
+              <a:ext uri="{FF2B5EF4-FFF2-40B4-BE49-F238E27FC236}">
+                <a16:creationId xmlns:a16="http://schemas.microsoft.com/office/drawing/2014/main" xmlns="" id="{712E0927-DACB-4F79-BF1F-50A65411B0DC}"/>
+              </a:ext>
+            </a:extLst>
+          </p:cNvPr>
+          <p:cNvPicPr>
+            <a:picLocks noChangeAspect="1"/>
+          </p:cNvPicPr>
+          <p:nvPr/>
+        </p:nvPicPr>
+        <p:blipFill>
+          <a:blip r:embed="rId3"/>
+          <a:stretch>
+            <a:fillRect/>
+          </a:stretch>
+        </p:blipFill>
+        <p:spPr>
+          <a:xfrm>
+            <a:off x="6752236" y="2561001"/>
+            <a:ext cx="4541333" cy="3644279"/>
+          </a:xfrm>
+          <a:prstGeom prst="rect">
+            <a:avLst/>
+          </a:prstGeom>
+        </p:spPr>
+      </p:pic>
+      <p:sp>
+        <p:nvSpPr>
+          <p:cNvPr id="9" name="TextBox 8">
+            <a:extLst>
+              <a:ext uri="{FF2B5EF4-FFF2-40B4-BE49-F238E27FC236}">
+                <a16:creationId xmlns:a16="http://schemas.microsoft.com/office/drawing/2014/main" xmlns="" id="{34B9BED0-F47A-4CBF-A0C4-CAA6D004A258}"/>
+              </a:ext>
+            </a:extLst>
+          </p:cNvPr>
+          <p:cNvSpPr txBox="1"/>
+          <p:nvPr/>
+        </p:nvSpPr>
+        <p:spPr>
+          <a:xfrm>
+            <a:off x="2069431" y="2561001"/>
+            <a:ext cx="2064989" cy="369332"/>
+          </a:xfrm>
+          <a:prstGeom prst="rect">
+            <a:avLst/>
+          </a:prstGeom>
+          <a:noFill/>
+        </p:spPr>
+        <p:txBody>
+          <a:bodyPr wrap="none" rtlCol="0">
+            <a:spAutoFit/>
+          </a:bodyPr>
+          <a:lstStyle/>
+          <a:p>
+            <a:r>
+              <a:rPr lang="en-US" dirty="0">
+                <a:solidFill>
+                  <a:srgbClr val="0070C0"/>
+                </a:solidFill>
+              </a:rPr>
+              <a:t>48.3852 kcal/</a:t>
+            </a:r>
+            <a:r>
+              <a:rPr lang="en-US" dirty="0" err="1">
+                <a:solidFill>
+                  <a:srgbClr val="0070C0"/>
+                </a:solidFill>
+              </a:rPr>
+              <a:t>mol</a:t>
+            </a:r>
+            <a:endParaRPr lang="es-CO" dirty="0">
+              <a:solidFill>
+                <a:srgbClr val="0070C0"/>
+              </a:solidFill>
+            </a:endParaRPr>
+          </a:p>
+        </p:txBody>
+      </p:sp>
+      <p:sp>
+        <p:nvSpPr>
+          <p:cNvPr id="10" name="TextBox 9">
+            <a:extLst>
+              <a:ext uri="{FF2B5EF4-FFF2-40B4-BE49-F238E27FC236}">
+                <a16:creationId xmlns:a16="http://schemas.microsoft.com/office/drawing/2014/main" xmlns="" id="{244EF210-1217-4031-8E9B-9EDB1A5A09F0}"/>
+              </a:ext>
+            </a:extLst>
+          </p:cNvPr>
+          <p:cNvSpPr txBox="1"/>
+          <p:nvPr/>
+        </p:nvSpPr>
+        <p:spPr>
+          <a:xfrm>
+            <a:off x="6957913" y="5567873"/>
+            <a:ext cx="2064989" cy="369332"/>
+          </a:xfrm>
+          <a:prstGeom prst="rect">
+            <a:avLst/>
+          </a:prstGeom>
+          <a:noFill/>
+        </p:spPr>
+        <p:txBody>
+          <a:bodyPr wrap="none" rtlCol="0">
+            <a:spAutoFit/>
+          </a:bodyPr>
+          <a:lstStyle/>
+          <a:p>
+            <a:r>
+              <a:rPr lang="en-US" dirty="0">
+                <a:solidFill>
+                  <a:srgbClr val="0070C0"/>
+                </a:solidFill>
+              </a:rPr>
+              <a:t>47.1725 kcal/</a:t>
+            </a:r>
+            <a:r>
+              <a:rPr lang="en-US" dirty="0" err="1">
+                <a:solidFill>
+                  <a:srgbClr val="0070C0"/>
+                </a:solidFill>
+              </a:rPr>
+              <a:t>mol</a:t>
+            </a:r>
+            <a:endParaRPr lang="es-CO" dirty="0">
+              <a:solidFill>
+                <a:srgbClr val="0070C0"/>
+              </a:solidFill>
+            </a:endParaRPr>
+          </a:p>
+        </p:txBody>
+      </p:sp>
+    </p:spTree>
+    <p:extLst>
+      <p:ext uri="{BB962C8B-B14F-4D97-AF65-F5344CB8AC3E}">
+        <p14:creationId xmlns:p14="http://schemas.microsoft.com/office/powerpoint/2010/main" val="1713070410"/>
       </p:ext>
     </p:extLst>
   </p:cSld>
@@ -14055,7 +13314,7 @@
           <p:cNvPr id="4" name="Slide Number Placeholder 3">
             <a:extLst>
               <a:ext uri="{FF2B5EF4-FFF2-40B4-BE49-F238E27FC236}">
-                <a16:creationId xmlns:a16="http://schemas.microsoft.com/office/drawing/2014/main" id="{BA692EEC-779B-4C4B-B40D-FCBE442819E8}"/>
+                <a16:creationId xmlns:a16="http://schemas.microsoft.com/office/drawing/2014/main" xmlns="" id="{76789675-9B78-4C52-8144-29F9411E0540}"/>
               </a:ext>
             </a:extLst>
           </p:cNvPr>
@@ -14085,231 +13344,7 @@
           <p:cNvPr id="6" name="Picture 5">
             <a:extLst>
               <a:ext uri="{FF2B5EF4-FFF2-40B4-BE49-F238E27FC236}">
-                <a16:creationId xmlns:a16="http://schemas.microsoft.com/office/drawing/2014/main" id="{32A9F643-FF3B-4DFA-8368-F69964FD630C}"/>
-              </a:ext>
-            </a:extLst>
-          </p:cNvPr>
-          <p:cNvPicPr>
-            <a:picLocks noChangeAspect="1"/>
-          </p:cNvPicPr>
-          <p:nvPr/>
-        </p:nvPicPr>
-        <p:blipFill>
-          <a:blip r:embed="rId2"/>
-          <a:stretch>
-            <a:fillRect/>
-          </a:stretch>
-        </p:blipFill>
-        <p:spPr>
-          <a:xfrm>
-            <a:off x="1779329" y="529390"/>
-            <a:ext cx="4972907" cy="3119167"/>
-          </a:xfrm>
-          <a:prstGeom prst="rect">
-            <a:avLst/>
-          </a:prstGeom>
-        </p:spPr>
-      </p:pic>
-      <p:pic>
-        <p:nvPicPr>
-          <p:cNvPr id="8" name="Picture 7">
-            <a:extLst>
-              <a:ext uri="{FF2B5EF4-FFF2-40B4-BE49-F238E27FC236}">
-                <a16:creationId xmlns:a16="http://schemas.microsoft.com/office/drawing/2014/main" id="{712E0927-DACB-4F79-BF1F-50A65411B0DC}"/>
-              </a:ext>
-            </a:extLst>
-          </p:cNvPr>
-          <p:cNvPicPr>
-            <a:picLocks noChangeAspect="1"/>
-          </p:cNvPicPr>
-          <p:nvPr/>
-        </p:nvPicPr>
-        <p:blipFill>
-          <a:blip r:embed="rId3"/>
-          <a:stretch>
-            <a:fillRect/>
-          </a:stretch>
-        </p:blipFill>
-        <p:spPr>
-          <a:xfrm>
-            <a:off x="6752236" y="2561001"/>
-            <a:ext cx="4541333" cy="3644279"/>
-          </a:xfrm>
-          <a:prstGeom prst="rect">
-            <a:avLst/>
-          </a:prstGeom>
-        </p:spPr>
-      </p:pic>
-      <p:sp>
-        <p:nvSpPr>
-          <p:cNvPr id="9" name="TextBox 8">
-            <a:extLst>
-              <a:ext uri="{FF2B5EF4-FFF2-40B4-BE49-F238E27FC236}">
-                <a16:creationId xmlns:a16="http://schemas.microsoft.com/office/drawing/2014/main" id="{34B9BED0-F47A-4CBF-A0C4-CAA6D004A258}"/>
-              </a:ext>
-            </a:extLst>
-          </p:cNvPr>
-          <p:cNvSpPr txBox="1"/>
-          <p:nvPr/>
-        </p:nvSpPr>
-        <p:spPr>
-          <a:xfrm>
-            <a:off x="2069431" y="2561001"/>
-            <a:ext cx="2064989" cy="369332"/>
-          </a:xfrm>
-          <a:prstGeom prst="rect">
-            <a:avLst/>
-          </a:prstGeom>
-          <a:noFill/>
-        </p:spPr>
-        <p:txBody>
-          <a:bodyPr wrap="none" rtlCol="0">
-            <a:spAutoFit/>
-          </a:bodyPr>
-          <a:lstStyle/>
-          <a:p>
-            <a:r>
-              <a:rPr lang="en-US" dirty="0">
-                <a:solidFill>
-                  <a:srgbClr val="0070C0"/>
-                </a:solidFill>
-              </a:rPr>
-              <a:t>48.3852 kcal/</a:t>
-            </a:r>
-            <a:r>
-              <a:rPr lang="en-US" dirty="0" err="1">
-                <a:solidFill>
-                  <a:srgbClr val="0070C0"/>
-                </a:solidFill>
-              </a:rPr>
-              <a:t>mol</a:t>
-            </a:r>
-            <a:endParaRPr lang="es-CO" dirty="0">
-              <a:solidFill>
-                <a:srgbClr val="0070C0"/>
-              </a:solidFill>
-            </a:endParaRPr>
-          </a:p>
-        </p:txBody>
-      </p:sp>
-      <p:sp>
-        <p:nvSpPr>
-          <p:cNvPr id="10" name="TextBox 9">
-            <a:extLst>
-              <a:ext uri="{FF2B5EF4-FFF2-40B4-BE49-F238E27FC236}">
-                <a16:creationId xmlns:a16="http://schemas.microsoft.com/office/drawing/2014/main" id="{244EF210-1217-4031-8E9B-9EDB1A5A09F0}"/>
-              </a:ext>
-            </a:extLst>
-          </p:cNvPr>
-          <p:cNvSpPr txBox="1"/>
-          <p:nvPr/>
-        </p:nvSpPr>
-        <p:spPr>
-          <a:xfrm>
-            <a:off x="6957913" y="5567873"/>
-            <a:ext cx="2064989" cy="369332"/>
-          </a:xfrm>
-          <a:prstGeom prst="rect">
-            <a:avLst/>
-          </a:prstGeom>
-          <a:noFill/>
-        </p:spPr>
-        <p:txBody>
-          <a:bodyPr wrap="none" rtlCol="0">
-            <a:spAutoFit/>
-          </a:bodyPr>
-          <a:lstStyle/>
-          <a:p>
-            <a:r>
-              <a:rPr lang="en-US" dirty="0">
-                <a:solidFill>
-                  <a:srgbClr val="0070C0"/>
-                </a:solidFill>
-              </a:rPr>
-              <a:t>47.1725 kcal/</a:t>
-            </a:r>
-            <a:r>
-              <a:rPr lang="en-US" dirty="0" err="1">
-                <a:solidFill>
-                  <a:srgbClr val="0070C0"/>
-                </a:solidFill>
-              </a:rPr>
-              <a:t>mol</a:t>
-            </a:r>
-            <a:endParaRPr lang="es-CO" dirty="0">
-              <a:solidFill>
-                <a:srgbClr val="0070C0"/>
-              </a:solidFill>
-            </a:endParaRPr>
-          </a:p>
-        </p:txBody>
-      </p:sp>
-    </p:spTree>
-    <p:extLst>
-      <p:ext uri="{BB962C8B-B14F-4D97-AF65-F5344CB8AC3E}">
-        <p14:creationId xmlns:p14="http://schemas.microsoft.com/office/powerpoint/2010/main" val="1713070410"/>
-      </p:ext>
-    </p:extLst>
-  </p:cSld>
-  <p:clrMapOvr>
-    <a:masterClrMapping/>
-  </p:clrMapOvr>
-</p:sld>
-</file>
-
-<file path=ppt/slides/slide17.xml><?xml version="1.0" encoding="utf-8"?>
-<p:sld xmlns:a="http://schemas.openxmlformats.org/drawingml/2006/main" xmlns:r="http://schemas.openxmlformats.org/officeDocument/2006/relationships" xmlns:p="http://schemas.openxmlformats.org/presentationml/2006/main">
-  <p:cSld>
-    <p:spTree>
-      <p:nvGrpSpPr>
-        <p:cNvPr id="1" name=""/>
-        <p:cNvGrpSpPr/>
-        <p:nvPr/>
-      </p:nvGrpSpPr>
-      <p:grpSpPr>
-        <a:xfrm>
-          <a:off x="0" y="0"/>
-          <a:ext cx="0" cy="0"/>
-          <a:chOff x="0" y="0"/>
-          <a:chExt cx="0" cy="0"/>
-        </a:xfrm>
-      </p:grpSpPr>
-      <p:sp>
-        <p:nvSpPr>
-          <p:cNvPr id="4" name="Slide Number Placeholder 3">
-            <a:extLst>
-              <a:ext uri="{FF2B5EF4-FFF2-40B4-BE49-F238E27FC236}">
-                <a16:creationId xmlns:a16="http://schemas.microsoft.com/office/drawing/2014/main" id="{76789675-9B78-4C52-8144-29F9411E0540}"/>
-              </a:ext>
-            </a:extLst>
-          </p:cNvPr>
-          <p:cNvSpPr>
-            <a:spLocks noGrp="1"/>
-          </p:cNvSpPr>
-          <p:nvPr>
-            <p:ph type="sldNum" sz="quarter" idx="12"/>
-          </p:nvPr>
-        </p:nvSpPr>
-        <p:spPr/>
-        <p:txBody>
-          <a:bodyPr/>
-          <a:lstStyle/>
-          <a:p>
-            <a:fld id="{D57F1E4F-1CFF-5643-939E-217C01CDF565}" type="slidenum">
-              <a:rPr lang="en-US" smtClean="0"/>
-              <a:pPr/>
-              <a:t>17</a:t>
-            </a:fld>
-            <a:endParaRPr lang="en-US" dirty="0"/>
-          </a:p>
-        </p:txBody>
-      </p:sp>
-      <p:pic>
-        <p:nvPicPr>
-          <p:cNvPr id="6" name="Picture 5">
-            <a:extLst>
-              <a:ext uri="{FF2B5EF4-FFF2-40B4-BE49-F238E27FC236}">
-                <a16:creationId xmlns:a16="http://schemas.microsoft.com/office/drawing/2014/main" id="{4E765069-08EC-40A4-9A37-03832560ED76}"/>
+                <a16:creationId xmlns:a16="http://schemas.microsoft.com/office/drawing/2014/main" xmlns="" id="{4E765069-08EC-40A4-9A37-03832560ED76}"/>
               </a:ext>
             </a:extLst>
           </p:cNvPr>
@@ -14339,7 +13374,7 @@
           <p:cNvPr id="8" name="Picture 7">
             <a:extLst>
               <a:ext uri="{FF2B5EF4-FFF2-40B4-BE49-F238E27FC236}">
-                <a16:creationId xmlns:a16="http://schemas.microsoft.com/office/drawing/2014/main" id="{D75648ED-D30F-4AF2-B843-E5C75828B581}"/>
+                <a16:creationId xmlns:a16="http://schemas.microsoft.com/office/drawing/2014/main" xmlns="" id="{D75648ED-D30F-4AF2-B843-E5C75828B581}"/>
               </a:ext>
             </a:extLst>
           </p:cNvPr>
@@ -14399,7 +13434,7 @@
           <p:cNvPr id="2" name="Title 1">
             <a:extLst>
               <a:ext uri="{FF2B5EF4-FFF2-40B4-BE49-F238E27FC236}">
-                <a16:creationId xmlns:a16="http://schemas.microsoft.com/office/drawing/2014/main" id="{106B149F-839A-40BD-BCF7-76C13376EC53}"/>
+                <a16:creationId xmlns:a16="http://schemas.microsoft.com/office/drawing/2014/main" xmlns="" id="{106B149F-839A-40BD-BCF7-76C13376EC53}"/>
               </a:ext>
             </a:extLst>
           </p:cNvPr>
@@ -14428,7 +13463,7 @@
           <p:cNvPr id="3" name="Content Placeholder 2">
             <a:extLst>
               <a:ext uri="{FF2B5EF4-FFF2-40B4-BE49-F238E27FC236}">
-                <a16:creationId xmlns:a16="http://schemas.microsoft.com/office/drawing/2014/main" id="{B12763A9-2C3B-4E77-93CC-5B613A1C7C0F}"/>
+                <a16:creationId xmlns:a16="http://schemas.microsoft.com/office/drawing/2014/main" xmlns="" id="{B12763A9-2C3B-4E77-93CC-5B613A1C7C0F}"/>
               </a:ext>
             </a:extLst>
           </p:cNvPr>
@@ -14509,7 +13544,7 @@
           <p:cNvPr id="4" name="Slide Number Placeholder 3">
             <a:extLst>
               <a:ext uri="{FF2B5EF4-FFF2-40B4-BE49-F238E27FC236}">
-                <a16:creationId xmlns:a16="http://schemas.microsoft.com/office/drawing/2014/main" id="{C2DEC7B9-07A9-4BD9-8F66-8CEA7C53D3E5}"/>
+                <a16:creationId xmlns:a16="http://schemas.microsoft.com/office/drawing/2014/main" xmlns="" id="{C2DEC7B9-07A9-4BD9-8F66-8CEA7C53D3E5}"/>
               </a:ext>
             </a:extLst>
           </p:cNvPr>
@@ -14569,7 +13604,7 @@
           <p:cNvPr id="2" name="Title 1">
             <a:extLst>
               <a:ext uri="{FF2B5EF4-FFF2-40B4-BE49-F238E27FC236}">
-                <a16:creationId xmlns:a16="http://schemas.microsoft.com/office/drawing/2014/main" id="{1AB38423-BB53-4EE8-9B01-D075ABBCD20D}"/>
+                <a16:creationId xmlns:a16="http://schemas.microsoft.com/office/drawing/2014/main" xmlns="" id="{1AB38423-BB53-4EE8-9B01-D075ABBCD20D}"/>
               </a:ext>
             </a:extLst>
           </p:cNvPr>
@@ -14597,7 +13632,7 @@
           <p:cNvPr id="4" name="Slide Number Placeholder 3">
             <a:extLst>
               <a:ext uri="{FF2B5EF4-FFF2-40B4-BE49-F238E27FC236}">
-                <a16:creationId xmlns:a16="http://schemas.microsoft.com/office/drawing/2014/main" id="{4E33105B-71A3-4BDA-95D0-2577CEA4E448}"/>
+                <a16:creationId xmlns:a16="http://schemas.microsoft.com/office/drawing/2014/main" xmlns="" id="{4E33105B-71A3-4BDA-95D0-2577CEA4E448}"/>
               </a:ext>
             </a:extLst>
           </p:cNvPr>
@@ -14627,7 +13662,7 @@
           <p:cNvPr id="7" name="TextBox 6">
             <a:extLst>
               <a:ext uri="{FF2B5EF4-FFF2-40B4-BE49-F238E27FC236}">
-                <a16:creationId xmlns:a16="http://schemas.microsoft.com/office/drawing/2014/main" id="{7483A66F-54EB-4184-A294-F18C3F2AE557}"/>
+                <a16:creationId xmlns:a16="http://schemas.microsoft.com/office/drawing/2014/main" xmlns="" id="{7483A66F-54EB-4184-A294-F18C3F2AE557}"/>
               </a:ext>
             </a:extLst>
           </p:cNvPr>
@@ -14707,7 +13742,7 @@
           <p:cNvPr id="8" name="Rectangle 7">
             <a:extLst>
               <a:ext uri="{FF2B5EF4-FFF2-40B4-BE49-F238E27FC236}">
-                <a16:creationId xmlns:a16="http://schemas.microsoft.com/office/drawing/2014/main" id="{B7785E06-731C-4473-AACE-09429B81794D}"/>
+                <a16:creationId xmlns:a16="http://schemas.microsoft.com/office/drawing/2014/main" xmlns="" id="{B7785E06-731C-4473-AACE-09429B81794D}"/>
               </a:ext>
             </a:extLst>
           </p:cNvPr>
@@ -14716,8 +13751,8 @@
         </p:nvSpPr>
         <p:spPr>
           <a:xfrm>
-            <a:off x="2408027" y="6210266"/>
-            <a:ext cx="9281482" cy="276999"/>
+            <a:off x="2059380" y="5905429"/>
+            <a:ext cx="9281482" cy="646331"/>
           </a:xfrm>
           <a:prstGeom prst="rect">
             <a:avLst/>
@@ -14731,305 +13766,434 @@
           <a:p>
             <a:r>
               <a:rPr lang="en-US" sz="1200" dirty="0"/>
-              <a:t>Wang, Z. </a:t>
+              <a:t>Gilbert, J. C.; Martin, S. F. </a:t>
             </a:r>
             <a:r>
               <a:rPr lang="en-US" sz="1200" i="1" dirty="0"/>
-              <a:t>Comprehensive Organic Name Reactions and Reagents</a:t>
+              <a:t>Experimental Organic Chemistry: A </a:t>
+            </a:r>
+            <a:r>
+              <a:rPr lang="en-US" sz="1200" i="1" dirty="0" err="1"/>
+              <a:t>Miniscale</a:t>
+            </a:r>
+            <a:r>
+              <a:rPr lang="en-US" sz="1200" i="1" dirty="0"/>
+              <a:t> and Microscale Approach</a:t>
             </a:r>
             <a:r>
               <a:rPr lang="en-US" sz="1200" dirty="0"/>
-              <a:t>; John Wiley &amp; Sons, Inc.: Hoboken, NJ, USA, 2010.</a:t>
-            </a:r>
+              <a:t>; 2010; pp </a:t>
+            </a:r>
+            <a:r>
+              <a:rPr lang="en-US" sz="1200" dirty="0" smtClean="0"/>
+              <a:t>537–540</a:t>
+            </a:r>
+          </a:p>
+          <a:p>
+            <a:r>
+              <a:rPr lang="en-US" sz="1200" dirty="0" smtClean="0"/>
+              <a:t>Wade, L. </a:t>
+            </a:r>
+            <a:r>
+              <a:rPr lang="en-US" sz="1200" i="1" dirty="0" smtClean="0"/>
+              <a:t>Organic Chemistry</a:t>
+            </a:r>
+            <a:r>
+              <a:rPr lang="en-US" sz="1200" dirty="0" smtClean="0"/>
+              <a:t>, eight ed.; Pearson: New York, 2015; pp 328-390</a:t>
+            </a:r>
+          </a:p>
+          <a:p>
+            <a:r>
+              <a:rPr lang="en-US" sz="1200" dirty="0" smtClean="0"/>
+              <a:t>Morrison, R.; Boyd, R. </a:t>
+            </a:r>
+            <a:r>
+              <a:rPr lang="en-US" sz="1200" i="1" dirty="0" smtClean="0"/>
+              <a:t>Organic Chemistry</a:t>
+            </a:r>
+            <a:r>
+              <a:rPr lang="en-US" sz="1200" dirty="0" smtClean="0"/>
+              <a:t>, Prentice-Hall: New York, 2002; pp 218 – 219.</a:t>
+            </a:r>
+            <a:endParaRPr lang="en-US" sz="1200" dirty="0"/>
           </a:p>
         </p:txBody>
       </p:sp>
-      <p:sp>
-        <p:nvSpPr>
-          <p:cNvPr id="11" name="Content Placeholder 2">
-            <a:extLst>
-              <a:ext uri="{FF2B5EF4-FFF2-40B4-BE49-F238E27FC236}">
-                <a16:creationId xmlns:a16="http://schemas.microsoft.com/office/drawing/2014/main" id="{A1363DF2-9A24-4066-994F-35421398673F}"/>
-              </a:ext>
-            </a:extLst>
-          </p:cNvPr>
-          <p:cNvSpPr txBox="1">
-            <a:spLocks/>
-          </p:cNvSpPr>
-          <p:nvPr/>
-        </p:nvSpPr>
-        <p:spPr>
-          <a:xfrm>
-            <a:off x="2059380" y="3534614"/>
-            <a:ext cx="9785290" cy="2675652"/>
-          </a:xfrm>
-          <a:prstGeom prst="rect">
-            <a:avLst/>
-          </a:prstGeom>
-        </p:spPr>
-        <p:txBody>
-          <a:bodyPr vert="horz" lIns="91440" tIns="45720" rIns="91440" bIns="45720" rtlCol="0">
-            <a:normAutofit/>
-          </a:bodyPr>
-          <a:lstStyle>
-            <a:lvl1pPr marL="342900" indent="-342900" algn="l" defTabSz="457200" rtl="0" eaLnBrk="1" latinLnBrk="0" hangingPunct="1">
-              <a:spcBef>
-                <a:spcPts val="1000"/>
-              </a:spcBef>
-              <a:spcAft>
-                <a:spcPts val="0"/>
-              </a:spcAft>
-              <a:buClr>
-                <a:schemeClr val="accent1"/>
-              </a:buClr>
-              <a:buFont typeface="Wingdings 3" charset="2"/>
-              <a:buChar char=""/>
-              <a:defRPr sz="1800" kern="1200">
-                <a:solidFill>
-                  <a:schemeClr val="tx1">
-                    <a:lumMod val="75000"/>
-                    <a:lumOff val="25000"/>
-                  </a:schemeClr>
-                </a:solidFill>
-                <a:latin typeface="+mn-lt"/>
-                <a:ea typeface="+mn-ea"/>
-                <a:cs typeface="+mn-cs"/>
-              </a:defRPr>
-            </a:lvl1pPr>
-            <a:lvl2pPr marL="742950" indent="-285750" algn="l" defTabSz="457200" rtl="0" eaLnBrk="1" latinLnBrk="0" hangingPunct="1">
-              <a:spcBef>
-                <a:spcPts val="1000"/>
-              </a:spcBef>
-              <a:spcAft>
-                <a:spcPts val="0"/>
-              </a:spcAft>
-              <a:buClr>
-                <a:schemeClr val="accent1"/>
-              </a:buClr>
-              <a:buFont typeface="Wingdings 3" charset="2"/>
-              <a:buChar char=""/>
-              <a:defRPr sz="1600" kern="1200">
-                <a:solidFill>
-                  <a:schemeClr val="tx1">
-                    <a:lumMod val="75000"/>
-                    <a:lumOff val="25000"/>
-                  </a:schemeClr>
-                </a:solidFill>
-                <a:latin typeface="+mn-lt"/>
-                <a:ea typeface="+mn-ea"/>
-                <a:cs typeface="+mn-cs"/>
-              </a:defRPr>
-            </a:lvl2pPr>
-            <a:lvl3pPr marL="1143000" indent="-228600" algn="l" defTabSz="457200" rtl="0" eaLnBrk="1" latinLnBrk="0" hangingPunct="1">
-              <a:spcBef>
-                <a:spcPts val="1000"/>
-              </a:spcBef>
-              <a:spcAft>
-                <a:spcPts val="0"/>
-              </a:spcAft>
-              <a:buClr>
-                <a:schemeClr val="accent1"/>
-              </a:buClr>
-              <a:buFont typeface="Wingdings 3" charset="2"/>
-              <a:buChar char=""/>
-              <a:defRPr sz="1400" kern="1200">
-                <a:solidFill>
-                  <a:schemeClr val="tx1">
-                    <a:lumMod val="75000"/>
-                    <a:lumOff val="25000"/>
-                  </a:schemeClr>
-                </a:solidFill>
-                <a:latin typeface="+mn-lt"/>
-                <a:ea typeface="+mn-ea"/>
-                <a:cs typeface="+mn-cs"/>
-              </a:defRPr>
-            </a:lvl3pPr>
-            <a:lvl4pPr marL="1600200" indent="-228600" algn="l" defTabSz="457200" rtl="0" eaLnBrk="1" latinLnBrk="0" hangingPunct="1">
-              <a:spcBef>
-                <a:spcPts val="1000"/>
-              </a:spcBef>
-              <a:spcAft>
-                <a:spcPts val="0"/>
-              </a:spcAft>
-              <a:buClr>
-                <a:schemeClr val="accent1"/>
-              </a:buClr>
-              <a:buFont typeface="Wingdings 3" charset="2"/>
-              <a:buChar char=""/>
-              <a:defRPr sz="1200" kern="1200">
-                <a:solidFill>
-                  <a:schemeClr val="tx1">
-                    <a:lumMod val="75000"/>
-                    <a:lumOff val="25000"/>
-                  </a:schemeClr>
-                </a:solidFill>
-                <a:latin typeface="+mn-lt"/>
-                <a:ea typeface="+mn-ea"/>
-                <a:cs typeface="+mn-cs"/>
-              </a:defRPr>
-            </a:lvl4pPr>
-            <a:lvl5pPr marL="2057400" indent="-228600" algn="l" defTabSz="457200" rtl="0" eaLnBrk="1" latinLnBrk="0" hangingPunct="1">
-              <a:spcBef>
-                <a:spcPts val="1000"/>
-              </a:spcBef>
-              <a:spcAft>
-                <a:spcPts val="0"/>
-              </a:spcAft>
-              <a:buClr>
-                <a:schemeClr val="accent1"/>
-              </a:buClr>
-              <a:buFont typeface="Wingdings 3" charset="2"/>
-              <a:buChar char=""/>
-              <a:defRPr sz="1200" kern="1200">
-                <a:solidFill>
-                  <a:schemeClr val="tx1">
-                    <a:lumMod val="75000"/>
-                    <a:lumOff val="25000"/>
-                  </a:schemeClr>
-                </a:solidFill>
-                <a:latin typeface="+mn-lt"/>
-                <a:ea typeface="+mn-ea"/>
-                <a:cs typeface="+mn-cs"/>
-              </a:defRPr>
-            </a:lvl5pPr>
-            <a:lvl6pPr marL="2514600" indent="-228600" algn="l" defTabSz="457200" rtl="0" eaLnBrk="1" latinLnBrk="0" hangingPunct="1">
-              <a:spcBef>
-                <a:spcPts val="1000"/>
-              </a:spcBef>
-              <a:spcAft>
-                <a:spcPts val="0"/>
-              </a:spcAft>
-              <a:buClr>
-                <a:schemeClr val="accent1"/>
-              </a:buClr>
-              <a:buFont typeface="Wingdings 3" charset="2"/>
-              <a:buChar char=""/>
-              <a:defRPr sz="1200" kern="1200">
-                <a:solidFill>
-                  <a:schemeClr val="tx1">
-                    <a:lumMod val="75000"/>
-                    <a:lumOff val="25000"/>
-                  </a:schemeClr>
-                </a:solidFill>
-                <a:latin typeface="+mn-lt"/>
-                <a:ea typeface="+mn-ea"/>
-                <a:cs typeface="+mn-cs"/>
-              </a:defRPr>
-            </a:lvl6pPr>
-            <a:lvl7pPr marL="2971800" indent="-228600" algn="l" defTabSz="457200" rtl="0" eaLnBrk="1" latinLnBrk="0" hangingPunct="1">
-              <a:spcBef>
-                <a:spcPts val="1000"/>
-              </a:spcBef>
-              <a:spcAft>
-                <a:spcPts val="0"/>
-              </a:spcAft>
-              <a:buClr>
-                <a:schemeClr val="accent1"/>
-              </a:buClr>
-              <a:buFont typeface="Wingdings 3" charset="2"/>
-              <a:buChar char=""/>
-              <a:defRPr sz="1200" kern="1200">
-                <a:solidFill>
-                  <a:schemeClr val="tx1">
-                    <a:lumMod val="75000"/>
-                    <a:lumOff val="25000"/>
-                  </a:schemeClr>
-                </a:solidFill>
-                <a:latin typeface="+mn-lt"/>
-                <a:ea typeface="+mn-ea"/>
-                <a:cs typeface="+mn-cs"/>
-              </a:defRPr>
-            </a:lvl7pPr>
-            <a:lvl8pPr marL="3429000" indent="-228600" algn="l" defTabSz="457200" rtl="0" eaLnBrk="1" latinLnBrk="0" hangingPunct="1">
-              <a:spcBef>
-                <a:spcPts val="1000"/>
-              </a:spcBef>
-              <a:spcAft>
-                <a:spcPts val="0"/>
-              </a:spcAft>
-              <a:buClr>
-                <a:schemeClr val="accent1"/>
-              </a:buClr>
-              <a:buFont typeface="Wingdings 3" charset="2"/>
-              <a:buChar char=""/>
-              <a:defRPr sz="1200" kern="1200">
-                <a:solidFill>
-                  <a:schemeClr val="tx1">
-                    <a:lumMod val="75000"/>
-                    <a:lumOff val="25000"/>
-                  </a:schemeClr>
-                </a:solidFill>
-                <a:latin typeface="+mn-lt"/>
-                <a:ea typeface="+mn-ea"/>
-                <a:cs typeface="+mn-cs"/>
-              </a:defRPr>
-            </a:lvl8pPr>
-            <a:lvl9pPr marL="3886200" indent="-228600" algn="l" defTabSz="457200" rtl="0" eaLnBrk="1" latinLnBrk="0" hangingPunct="1">
-              <a:spcBef>
-                <a:spcPts val="1000"/>
-              </a:spcBef>
-              <a:spcAft>
-                <a:spcPts val="0"/>
-              </a:spcAft>
-              <a:buClr>
-                <a:schemeClr val="accent1"/>
-              </a:buClr>
-              <a:buFont typeface="Wingdings 3" charset="2"/>
-              <a:buChar char=""/>
-              <a:defRPr sz="1200" kern="1200">
-                <a:solidFill>
-                  <a:schemeClr val="tx1">
-                    <a:lumMod val="75000"/>
-                    <a:lumOff val="25000"/>
-                  </a:schemeClr>
-                </a:solidFill>
-                <a:latin typeface="+mn-lt"/>
-                <a:ea typeface="+mn-ea"/>
-                <a:cs typeface="+mn-cs"/>
-              </a:defRPr>
-            </a:lvl9pPr>
-          </a:lstStyle>
-          <a:p>
-            <a:pPr>
-              <a:lnSpc>
-                <a:spcPct val="200000"/>
-              </a:lnSpc>
-            </a:pPr>
-            <a:r>
-              <a:rPr lang="es-ES" dirty="0"/>
-              <a:t>Generación de aldehídos y cetonas.</a:t>
-            </a:r>
-          </a:p>
-          <a:p>
-            <a:pPr>
-              <a:lnSpc>
-                <a:spcPct val="200000"/>
-              </a:lnSpc>
-            </a:pPr>
-            <a:r>
-              <a:rPr lang="es-ES" dirty="0"/>
-              <a:t>Fácil realización.</a:t>
-            </a:r>
-          </a:p>
-          <a:p>
-            <a:pPr>
-              <a:lnSpc>
-                <a:spcPct val="200000"/>
-              </a:lnSpc>
-            </a:pPr>
-            <a:r>
-              <a:rPr lang="es-ES" dirty="0"/>
-              <a:t>.</a:t>
-            </a:r>
-          </a:p>
-        </p:txBody>
-      </p:sp>
+      <mc:AlternateContent xmlns:mc="http://schemas.openxmlformats.org/markup-compatibility/2006">
+        <mc:Choice xmlns:a14="http://schemas.microsoft.com/office/drawing/2010/main" Requires="a14">
+          <p:sp>
+            <p:nvSpPr>
+              <p:cNvPr id="11" name="Content Placeholder 2">
+                <a:extLst>
+                  <a:ext uri="{FF2B5EF4-FFF2-40B4-BE49-F238E27FC236}">
+                    <a16:creationId xmlns:a16="http://schemas.microsoft.com/office/drawing/2014/main" xmlns="" id="{A1363DF2-9A24-4066-994F-35421398673F}"/>
+                  </a:ext>
+                </a:extLst>
+              </p:cNvPr>
+              <p:cNvSpPr txBox="1">
+                <a:spLocks/>
+              </p:cNvSpPr>
+              <p:nvPr/>
+            </p:nvSpPr>
+            <p:spPr>
+              <a:xfrm>
+                <a:off x="2059380" y="3534614"/>
+                <a:ext cx="9785290" cy="2675652"/>
+              </a:xfrm>
+              <a:prstGeom prst="rect">
+                <a:avLst/>
+              </a:prstGeom>
+            </p:spPr>
+            <p:txBody>
+              <a:bodyPr vert="horz" lIns="91440" tIns="45720" rIns="91440" bIns="45720" rtlCol="0">
+                <a:normAutofit/>
+              </a:bodyPr>
+              <a:lstStyle>
+                <a:lvl1pPr marL="342900" indent="-342900" algn="l" defTabSz="457200" rtl="0" eaLnBrk="1" latinLnBrk="0" hangingPunct="1">
+                  <a:spcBef>
+                    <a:spcPts val="1000"/>
+                  </a:spcBef>
+                  <a:spcAft>
+                    <a:spcPts val="0"/>
+                  </a:spcAft>
+                  <a:buClr>
+                    <a:schemeClr val="accent1"/>
+                  </a:buClr>
+                  <a:buFont typeface="Wingdings 3" charset="2"/>
+                  <a:buChar char=""/>
+                  <a:defRPr sz="1800" kern="1200">
+                    <a:solidFill>
+                      <a:schemeClr val="tx1">
+                        <a:lumMod val="75000"/>
+                        <a:lumOff val="25000"/>
+                      </a:schemeClr>
+                    </a:solidFill>
+                    <a:latin typeface="+mn-lt"/>
+                    <a:ea typeface="+mn-ea"/>
+                    <a:cs typeface="+mn-cs"/>
+                  </a:defRPr>
+                </a:lvl1pPr>
+                <a:lvl2pPr marL="742950" indent="-285750" algn="l" defTabSz="457200" rtl="0" eaLnBrk="1" latinLnBrk="0" hangingPunct="1">
+                  <a:spcBef>
+                    <a:spcPts val="1000"/>
+                  </a:spcBef>
+                  <a:spcAft>
+                    <a:spcPts val="0"/>
+                  </a:spcAft>
+                  <a:buClr>
+                    <a:schemeClr val="accent1"/>
+                  </a:buClr>
+                  <a:buFont typeface="Wingdings 3" charset="2"/>
+                  <a:buChar char=""/>
+                  <a:defRPr sz="1600" kern="1200">
+                    <a:solidFill>
+                      <a:schemeClr val="tx1">
+                        <a:lumMod val="75000"/>
+                        <a:lumOff val="25000"/>
+                      </a:schemeClr>
+                    </a:solidFill>
+                    <a:latin typeface="+mn-lt"/>
+                    <a:ea typeface="+mn-ea"/>
+                    <a:cs typeface="+mn-cs"/>
+                  </a:defRPr>
+                </a:lvl2pPr>
+                <a:lvl3pPr marL="1143000" indent="-228600" algn="l" defTabSz="457200" rtl="0" eaLnBrk="1" latinLnBrk="0" hangingPunct="1">
+                  <a:spcBef>
+                    <a:spcPts val="1000"/>
+                  </a:spcBef>
+                  <a:spcAft>
+                    <a:spcPts val="0"/>
+                  </a:spcAft>
+                  <a:buClr>
+                    <a:schemeClr val="accent1"/>
+                  </a:buClr>
+                  <a:buFont typeface="Wingdings 3" charset="2"/>
+                  <a:buChar char=""/>
+                  <a:defRPr sz="1400" kern="1200">
+                    <a:solidFill>
+                      <a:schemeClr val="tx1">
+                        <a:lumMod val="75000"/>
+                        <a:lumOff val="25000"/>
+                      </a:schemeClr>
+                    </a:solidFill>
+                    <a:latin typeface="+mn-lt"/>
+                    <a:ea typeface="+mn-ea"/>
+                    <a:cs typeface="+mn-cs"/>
+                  </a:defRPr>
+                </a:lvl3pPr>
+                <a:lvl4pPr marL="1600200" indent="-228600" algn="l" defTabSz="457200" rtl="0" eaLnBrk="1" latinLnBrk="0" hangingPunct="1">
+                  <a:spcBef>
+                    <a:spcPts val="1000"/>
+                  </a:spcBef>
+                  <a:spcAft>
+                    <a:spcPts val="0"/>
+                  </a:spcAft>
+                  <a:buClr>
+                    <a:schemeClr val="accent1"/>
+                  </a:buClr>
+                  <a:buFont typeface="Wingdings 3" charset="2"/>
+                  <a:buChar char=""/>
+                  <a:defRPr sz="1200" kern="1200">
+                    <a:solidFill>
+                      <a:schemeClr val="tx1">
+                        <a:lumMod val="75000"/>
+                        <a:lumOff val="25000"/>
+                      </a:schemeClr>
+                    </a:solidFill>
+                    <a:latin typeface="+mn-lt"/>
+                    <a:ea typeface="+mn-ea"/>
+                    <a:cs typeface="+mn-cs"/>
+                  </a:defRPr>
+                </a:lvl4pPr>
+                <a:lvl5pPr marL="2057400" indent="-228600" algn="l" defTabSz="457200" rtl="0" eaLnBrk="1" latinLnBrk="0" hangingPunct="1">
+                  <a:spcBef>
+                    <a:spcPts val="1000"/>
+                  </a:spcBef>
+                  <a:spcAft>
+                    <a:spcPts val="0"/>
+                  </a:spcAft>
+                  <a:buClr>
+                    <a:schemeClr val="accent1"/>
+                  </a:buClr>
+                  <a:buFont typeface="Wingdings 3" charset="2"/>
+                  <a:buChar char=""/>
+                  <a:defRPr sz="1200" kern="1200">
+                    <a:solidFill>
+                      <a:schemeClr val="tx1">
+                        <a:lumMod val="75000"/>
+                        <a:lumOff val="25000"/>
+                      </a:schemeClr>
+                    </a:solidFill>
+                    <a:latin typeface="+mn-lt"/>
+                    <a:ea typeface="+mn-ea"/>
+                    <a:cs typeface="+mn-cs"/>
+                  </a:defRPr>
+                </a:lvl5pPr>
+                <a:lvl6pPr marL="2514600" indent="-228600" algn="l" defTabSz="457200" rtl="0" eaLnBrk="1" latinLnBrk="0" hangingPunct="1">
+                  <a:spcBef>
+                    <a:spcPts val="1000"/>
+                  </a:spcBef>
+                  <a:spcAft>
+                    <a:spcPts val="0"/>
+                  </a:spcAft>
+                  <a:buClr>
+                    <a:schemeClr val="accent1"/>
+                  </a:buClr>
+                  <a:buFont typeface="Wingdings 3" charset="2"/>
+                  <a:buChar char=""/>
+                  <a:defRPr sz="1200" kern="1200">
+                    <a:solidFill>
+                      <a:schemeClr val="tx1">
+                        <a:lumMod val="75000"/>
+                        <a:lumOff val="25000"/>
+                      </a:schemeClr>
+                    </a:solidFill>
+                    <a:latin typeface="+mn-lt"/>
+                    <a:ea typeface="+mn-ea"/>
+                    <a:cs typeface="+mn-cs"/>
+                  </a:defRPr>
+                </a:lvl6pPr>
+                <a:lvl7pPr marL="2971800" indent="-228600" algn="l" defTabSz="457200" rtl="0" eaLnBrk="1" latinLnBrk="0" hangingPunct="1">
+                  <a:spcBef>
+                    <a:spcPts val="1000"/>
+                  </a:spcBef>
+                  <a:spcAft>
+                    <a:spcPts val="0"/>
+                  </a:spcAft>
+                  <a:buClr>
+                    <a:schemeClr val="accent1"/>
+                  </a:buClr>
+                  <a:buFont typeface="Wingdings 3" charset="2"/>
+                  <a:buChar char=""/>
+                  <a:defRPr sz="1200" kern="1200">
+                    <a:solidFill>
+                      <a:schemeClr val="tx1">
+                        <a:lumMod val="75000"/>
+                        <a:lumOff val="25000"/>
+                      </a:schemeClr>
+                    </a:solidFill>
+                    <a:latin typeface="+mn-lt"/>
+                    <a:ea typeface="+mn-ea"/>
+                    <a:cs typeface="+mn-cs"/>
+                  </a:defRPr>
+                </a:lvl7pPr>
+                <a:lvl8pPr marL="3429000" indent="-228600" algn="l" defTabSz="457200" rtl="0" eaLnBrk="1" latinLnBrk="0" hangingPunct="1">
+                  <a:spcBef>
+                    <a:spcPts val="1000"/>
+                  </a:spcBef>
+                  <a:spcAft>
+                    <a:spcPts val="0"/>
+                  </a:spcAft>
+                  <a:buClr>
+                    <a:schemeClr val="accent1"/>
+                  </a:buClr>
+                  <a:buFont typeface="Wingdings 3" charset="2"/>
+                  <a:buChar char=""/>
+                  <a:defRPr sz="1200" kern="1200">
+                    <a:solidFill>
+                      <a:schemeClr val="tx1">
+                        <a:lumMod val="75000"/>
+                        <a:lumOff val="25000"/>
+                      </a:schemeClr>
+                    </a:solidFill>
+                    <a:latin typeface="+mn-lt"/>
+                    <a:ea typeface="+mn-ea"/>
+                    <a:cs typeface="+mn-cs"/>
+                  </a:defRPr>
+                </a:lvl8pPr>
+                <a:lvl9pPr marL="3886200" indent="-228600" algn="l" defTabSz="457200" rtl="0" eaLnBrk="1" latinLnBrk="0" hangingPunct="1">
+                  <a:spcBef>
+                    <a:spcPts val="1000"/>
+                  </a:spcBef>
+                  <a:spcAft>
+                    <a:spcPts val="0"/>
+                  </a:spcAft>
+                  <a:buClr>
+                    <a:schemeClr val="accent1"/>
+                  </a:buClr>
+                  <a:buFont typeface="Wingdings 3" charset="2"/>
+                  <a:buChar char=""/>
+                  <a:defRPr sz="1200" kern="1200">
+                    <a:solidFill>
+                      <a:schemeClr val="tx1">
+                        <a:lumMod val="75000"/>
+                        <a:lumOff val="25000"/>
+                      </a:schemeClr>
+                    </a:solidFill>
+                    <a:latin typeface="+mn-lt"/>
+                    <a:ea typeface="+mn-ea"/>
+                    <a:cs typeface="+mn-cs"/>
+                  </a:defRPr>
+                </a:lvl9pPr>
+              </a:lstStyle>
+              <a:p>
+                <a:pPr>
+                  <a:lnSpc>
+                    <a:spcPct val="200000"/>
+                  </a:lnSpc>
+                </a:pPr>
+                <a:r>
+                  <a:rPr lang="es-ES" dirty="0" smtClean="0"/>
+                  <a:t>Generación de aldehídos y cetonas.</a:t>
+                </a:r>
+              </a:p>
+              <a:p>
+                <a:pPr>
+                  <a:lnSpc>
+                    <a:spcPct val="200000"/>
+                  </a:lnSpc>
+                </a:pPr>
+                <a:r>
+                  <a:rPr lang="es-ES" dirty="0" smtClean="0"/>
+                  <a:t>El enlace </a:t>
+                </a:r>
+                <a14:m>
+                  <m:oMath xmlns:m="http://schemas.openxmlformats.org/officeDocument/2006/math">
+                    <m:r>
+                      <a:rPr lang="es-CO" b="0" i="1" smtClean="0">
+                        <a:latin typeface="Cambria Math" panose="02040503050406030204" pitchFamily="18" charset="0"/>
+                      </a:rPr>
+                      <m:t>𝜋</m:t>
+                    </m:r>
+                  </m:oMath>
+                </a14:m>
+                <a:r>
+                  <a:rPr lang="es-ES" dirty="0" smtClean="0"/>
+                  <a:t> se rompe y el </a:t>
+                </a:r>
+                <a:r>
+                  <a:rPr lang="es-ES" dirty="0" err="1" smtClean="0"/>
+                  <a:t>alqueno</a:t>
+                </a:r>
+                <a:r>
+                  <a:rPr lang="es-ES" dirty="0" smtClean="0"/>
+                  <a:t> da lugar a dos moléculas de aldehído o cetona.</a:t>
+                </a:r>
+                <a:endParaRPr lang="es-ES" dirty="0"/>
+              </a:p>
+              <a:p>
+                <a:pPr>
+                  <a:lnSpc>
+                    <a:spcPct val="200000"/>
+                  </a:lnSpc>
+                </a:pPr>
+                <a:r>
+                  <a:rPr lang="es-ES" dirty="0" smtClean="0"/>
+                  <a:t>Determinación de la ubicación de la </a:t>
+                </a:r>
+                <a:r>
+                  <a:rPr lang="es-ES" dirty="0" err="1" smtClean="0"/>
+                  <a:t>insaturaci</a:t>
+                </a:r>
+                <a:r>
+                  <a:rPr lang="es-ES" dirty="0" err="1" smtClean="0"/>
+                  <a:t>ón</a:t>
+                </a:r>
+                <a:r>
+                  <a:rPr lang="es-ES" dirty="0" smtClean="0"/>
+                  <a:t> en los alquenos</a:t>
+                </a:r>
+                <a:r>
+                  <a:rPr lang="es-ES" dirty="0" smtClean="0"/>
+                  <a:t>.</a:t>
+                </a:r>
+                <a:endParaRPr lang="es-ES" dirty="0"/>
+              </a:p>
+            </p:txBody>
+          </p:sp>
+        </mc:Choice>
+        <mc:Fallback>
+          <p:sp>
+            <p:nvSpPr>
+              <p:cNvPr id="11" name="Content Placeholder 2">
+                <a:extLst>
+                  <a:ext uri="{FF2B5EF4-FFF2-40B4-BE49-F238E27FC236}">
+                    <a16:creationId xmlns:a16="http://schemas.microsoft.com/office/drawing/2014/main" xmlns="" id="{A1363DF2-9A24-4066-994F-35421398673F}"/>
+                  </a:ext>
+                </a:extLst>
+              </p:cNvPr>
+              <p:cNvSpPr txBox="1">
+                <a:spLocks noRot="1" noChangeAspect="1" noMove="1" noResize="1" noEditPoints="1" noAdjustHandles="1" noChangeArrowheads="1" noChangeShapeType="1" noTextEdit="1"/>
+              </p:cNvSpPr>
+              <p:nvPr/>
+            </p:nvSpPr>
+            <p:spPr>
+              <a:xfrm>
+                <a:off x="2059380" y="3534614"/>
+                <a:ext cx="9785290" cy="2675652"/>
+              </a:xfrm>
+              <a:prstGeom prst="rect">
+                <a:avLst/>
+              </a:prstGeom>
+              <a:blipFill rotWithShape="0">
+                <a:blip r:embed="rId2"/>
+                <a:stretch>
+                  <a:fillRect l="-436" r="-498"/>
+                </a:stretch>
+              </a:blipFill>
+            </p:spPr>
+            <p:txBody>
+              <a:bodyPr/>
+              <a:lstStyle/>
+              <a:p>
+                <a:r>
+                  <a:rPr lang="es-CO">
+                    <a:noFill/>
+                  </a:rPr>
+                  <a:t> </a:t>
+                </a:r>
+              </a:p>
+            </p:txBody>
+          </p:sp>
+        </mc:Fallback>
+      </mc:AlternateContent>
       <p:pic>
         <p:nvPicPr>
           <p:cNvPr id="10" name="Picture 9">
             <a:extLst>
               <a:ext uri="{FF2B5EF4-FFF2-40B4-BE49-F238E27FC236}">
-                <a16:creationId xmlns:a16="http://schemas.microsoft.com/office/drawing/2014/main" id="{FC54E83B-0BD9-4E18-86E9-EF5172EE398F}"/>
+                <a16:creationId xmlns:a16="http://schemas.microsoft.com/office/drawing/2014/main" xmlns="" id="{FC54E83B-0BD9-4E18-86E9-EF5172EE398F}"/>
               </a:ext>
             </a:extLst>
           </p:cNvPr>
@@ -15039,7 +14203,7 @@
           <p:nvPr/>
         </p:nvPicPr>
         <p:blipFill>
-          <a:blip r:embed="rId2"/>
+          <a:blip r:embed="rId3"/>
           <a:stretch>
             <a:fillRect/>
           </a:stretch>
@@ -15059,7 +14223,7 @@
           <p:cNvPr id="13" name="Picture 12">
             <a:extLst>
               <a:ext uri="{FF2B5EF4-FFF2-40B4-BE49-F238E27FC236}">
-                <a16:creationId xmlns:a16="http://schemas.microsoft.com/office/drawing/2014/main" id="{DB4F94B4-AE57-49C2-B052-F51A8B039959}"/>
+                <a16:creationId xmlns:a16="http://schemas.microsoft.com/office/drawing/2014/main" xmlns="" id="{DB4F94B4-AE57-49C2-B052-F51A8B039959}"/>
               </a:ext>
             </a:extLst>
           </p:cNvPr>
@@ -15069,15 +14233,15 @@
           <p:nvPr/>
         </p:nvPicPr>
         <p:blipFill>
-          <a:blip r:embed="rId3"/>
+          <a:blip r:embed="rId4"/>
           <a:stretch>
             <a:fillRect/>
           </a:stretch>
         </p:blipFill>
         <p:spPr>
           <a:xfrm rot="10800000">
-            <a:off x="9273485" y="3534614"/>
-            <a:ext cx="2341617" cy="2282335"/>
+            <a:off x="9927849" y="2530052"/>
+            <a:ext cx="1761660" cy="1717061"/>
           </a:xfrm>
           <a:prstGeom prst="rect">
             <a:avLst/>
@@ -15119,7 +14283,7 @@
           <p:cNvPr id="2" name="Title 1">
             <a:extLst>
               <a:ext uri="{FF2B5EF4-FFF2-40B4-BE49-F238E27FC236}">
-                <a16:creationId xmlns:a16="http://schemas.microsoft.com/office/drawing/2014/main" id="{1AB38423-BB53-4EE8-9B01-D075ABBCD20D}"/>
+                <a16:creationId xmlns:a16="http://schemas.microsoft.com/office/drawing/2014/main" xmlns="" id="{2A1CC3FA-D5DC-446B-9A29-58EC451BC22A}"/>
               </a:ext>
             </a:extLst>
           </p:cNvPr>
@@ -15130,24 +14294,64 @@
             <p:ph type="title"/>
           </p:nvPr>
         </p:nvSpPr>
-        <p:spPr/>
+        <p:spPr>
+          <a:xfrm>
+            <a:off x="2592925" y="624110"/>
+            <a:ext cx="8911687" cy="734907"/>
+          </a:xfrm>
+        </p:spPr>
         <p:txBody>
           <a:bodyPr/>
           <a:lstStyle/>
           <a:p>
             <a:r>
-              <a:rPr lang="es-CO" dirty="0"/>
-              <a:t>Introducción</a:t>
+              <a:rPr lang="en-US" dirty="0" err="1"/>
+              <a:t>Sección</a:t>
+            </a:r>
+            <a:r>
+              <a:rPr lang="en-US" dirty="0"/>
+              <a:t> experimental</a:t>
             </a:r>
           </a:p>
         </p:txBody>
       </p:sp>
+      <p:graphicFrame>
+        <p:nvGraphicFramePr>
+          <p:cNvPr id="5" name="Content Placeholder 4">
+            <a:extLst>
+              <a:ext uri="{FF2B5EF4-FFF2-40B4-BE49-F238E27FC236}">
+                <a16:creationId xmlns:a16="http://schemas.microsoft.com/office/drawing/2014/main" xmlns="" id="{814A3EC3-8BD9-4AA3-8697-AA5D0EF60BCD}"/>
+              </a:ext>
+            </a:extLst>
+          </p:cNvPr>
+          <p:cNvGraphicFramePr>
+            <a:graphicFrameLocks noGrp="1"/>
+          </p:cNvGraphicFramePr>
+          <p:nvPr>
+            <p:ph idx="1"/>
+            <p:extLst>
+              <p:ext uri="{D42A27DB-BD31-4B8C-83A1-F6EECF244321}">
+                <p14:modId xmlns:p14="http://schemas.microsoft.com/office/powerpoint/2010/main" val="1657390936"/>
+              </p:ext>
+            </p:extLst>
+          </p:nvPr>
+        </p:nvGraphicFramePr>
+        <p:xfrm>
+          <a:off x="2589213" y="1577130"/>
+          <a:ext cx="8915400" cy="5033394"/>
+        </p:xfrm>
+        <a:graphic>
+          <a:graphicData uri="http://schemas.openxmlformats.org/drawingml/2006/diagram">
+            <dgm:relIds xmlns:dgm="http://schemas.openxmlformats.org/drawingml/2006/diagram" xmlns:r="http://schemas.openxmlformats.org/officeDocument/2006/relationships" r:dm="rId2" r:lo="rId3" r:qs="rId4" r:cs="rId5"/>
+          </a:graphicData>
+        </a:graphic>
+      </p:graphicFrame>
       <p:sp>
         <p:nvSpPr>
           <p:cNvPr id="4" name="Slide Number Placeholder 3">
             <a:extLst>
               <a:ext uri="{FF2B5EF4-FFF2-40B4-BE49-F238E27FC236}">
-                <a16:creationId xmlns:a16="http://schemas.microsoft.com/office/drawing/2014/main" id="{4E33105B-71A3-4BDA-95D0-2577CEA4E448}"/>
+                <a16:creationId xmlns:a16="http://schemas.microsoft.com/office/drawing/2014/main" xmlns="" id="{72971BDC-184D-445A-A5B9-8A4CA473425C}"/>
               </a:ext>
             </a:extLst>
           </p:cNvPr>
@@ -15172,393 +14376,10 @@
           </a:p>
         </p:txBody>
       </p:sp>
-      <p:sp>
-        <p:nvSpPr>
-          <p:cNvPr id="7" name="TextBox 6">
-            <a:extLst>
-              <a:ext uri="{FF2B5EF4-FFF2-40B4-BE49-F238E27FC236}">
-                <a16:creationId xmlns:a16="http://schemas.microsoft.com/office/drawing/2014/main" id="{7483A66F-54EB-4184-A294-F18C3F2AE557}"/>
-              </a:ext>
-            </a:extLst>
-          </p:cNvPr>
-          <p:cNvSpPr txBox="1"/>
-          <p:nvPr/>
-        </p:nvSpPr>
-        <p:spPr>
-          <a:xfrm>
-            <a:off x="3492548" y="3257615"/>
-            <a:ext cx="4810932" cy="307777"/>
-          </a:xfrm>
-          <a:prstGeom prst="rect">
-            <a:avLst/>
-          </a:prstGeom>
-          <a:noFill/>
-        </p:spPr>
-        <p:txBody>
-          <a:bodyPr wrap="none" rtlCol="0">
-            <a:spAutoFit/>
-          </a:bodyPr>
-          <a:lstStyle/>
-          <a:p>
-            <a:r>
-              <a:rPr lang="en-US" sz="1400" b="1" dirty="0" err="1"/>
-              <a:t>Esquema</a:t>
-            </a:r>
-            <a:r>
-              <a:rPr lang="en-US" sz="1400" b="1" dirty="0"/>
-              <a:t> 2: </a:t>
-            </a:r>
-            <a:r>
-              <a:rPr lang="en-US" sz="1400" dirty="0" err="1"/>
-              <a:t>Preparación</a:t>
-            </a:r>
-            <a:r>
-              <a:rPr lang="en-US" sz="1400" dirty="0"/>
-              <a:t> de </a:t>
-            </a:r>
-            <a:r>
-              <a:rPr lang="en-US" sz="1400" dirty="0" err="1"/>
-              <a:t>análogo</a:t>
-            </a:r>
-            <a:r>
-              <a:rPr lang="en-US" sz="1400" dirty="0"/>
-              <a:t> al </a:t>
-            </a:r>
-            <a:r>
-              <a:rPr lang="en-US" sz="1400" dirty="0" err="1"/>
-              <a:t>Tamoxifeno</a:t>
-            </a:r>
-            <a:r>
-              <a:rPr lang="en-US" sz="1400" dirty="0"/>
-              <a:t>.</a:t>
-            </a:r>
-            <a:endParaRPr lang="en-US" sz="1400" b="1" dirty="0"/>
-          </a:p>
-        </p:txBody>
-      </p:sp>
-      <p:sp>
-        <p:nvSpPr>
-          <p:cNvPr id="8" name="Rectangle 7">
-            <a:extLst>
-              <a:ext uri="{FF2B5EF4-FFF2-40B4-BE49-F238E27FC236}">
-                <a16:creationId xmlns:a16="http://schemas.microsoft.com/office/drawing/2014/main" id="{B7785E06-731C-4473-AACE-09429B81794D}"/>
-              </a:ext>
-            </a:extLst>
-          </p:cNvPr>
-          <p:cNvSpPr/>
-          <p:nvPr/>
-        </p:nvSpPr>
-        <p:spPr>
-          <a:xfrm>
-            <a:off x="2408027" y="6210266"/>
-            <a:ext cx="9281482" cy="276999"/>
-          </a:xfrm>
-          <a:prstGeom prst="rect">
-            <a:avLst/>
-          </a:prstGeom>
-        </p:spPr>
-        <p:txBody>
-          <a:bodyPr wrap="square">
-            <a:spAutoFit/>
-          </a:bodyPr>
-          <a:lstStyle/>
-          <a:p>
-            <a:r>
-              <a:rPr lang="en-US" sz="1200" dirty="0"/>
-              <a:t>Zheng, L.; Wei, Q.; Zhou, B.; Yang, L.; Liu, Z.-L. </a:t>
-            </a:r>
-            <a:r>
-              <a:rPr lang="en-US" sz="1200" i="1" dirty="0"/>
-              <a:t>Anti-Cancer Drugs</a:t>
-            </a:r>
-            <a:r>
-              <a:rPr lang="en-US" sz="1200" dirty="0"/>
-              <a:t> </a:t>
-            </a:r>
-            <a:r>
-              <a:rPr lang="en-US" sz="1200" b="1" dirty="0"/>
-              <a:t>2007</a:t>
-            </a:r>
-            <a:r>
-              <a:rPr lang="en-US" sz="1200" dirty="0"/>
-              <a:t>, 18, 1039–1044.</a:t>
-            </a:r>
-          </a:p>
-        </p:txBody>
-      </p:sp>
-      <p:sp>
-        <p:nvSpPr>
-          <p:cNvPr id="11" name="Content Placeholder 2">
-            <a:extLst>
-              <a:ext uri="{FF2B5EF4-FFF2-40B4-BE49-F238E27FC236}">
-                <a16:creationId xmlns:a16="http://schemas.microsoft.com/office/drawing/2014/main" id="{A1363DF2-9A24-4066-994F-35421398673F}"/>
-              </a:ext>
-            </a:extLst>
-          </p:cNvPr>
-          <p:cNvSpPr txBox="1">
-            <a:spLocks/>
-          </p:cNvSpPr>
-          <p:nvPr/>
-        </p:nvSpPr>
-        <p:spPr>
-          <a:xfrm>
-            <a:off x="2059380" y="4200309"/>
-            <a:ext cx="9785290" cy="1435396"/>
-          </a:xfrm>
-          <a:prstGeom prst="rect">
-            <a:avLst/>
-          </a:prstGeom>
-        </p:spPr>
-        <p:txBody>
-          <a:bodyPr vert="horz" lIns="91440" tIns="45720" rIns="91440" bIns="45720" rtlCol="0">
-            <a:normAutofit/>
-          </a:bodyPr>
-          <a:lstStyle>
-            <a:lvl1pPr marL="342900" indent="-342900" algn="l" defTabSz="457200" rtl="0" eaLnBrk="1" latinLnBrk="0" hangingPunct="1">
-              <a:spcBef>
-                <a:spcPts val="1000"/>
-              </a:spcBef>
-              <a:spcAft>
-                <a:spcPts val="0"/>
-              </a:spcAft>
-              <a:buClr>
-                <a:schemeClr val="accent1"/>
-              </a:buClr>
-              <a:buFont typeface="Wingdings 3" charset="2"/>
-              <a:buChar char=""/>
-              <a:defRPr sz="1800" kern="1200">
-                <a:solidFill>
-                  <a:schemeClr val="tx1">
-                    <a:lumMod val="75000"/>
-                    <a:lumOff val="25000"/>
-                  </a:schemeClr>
-                </a:solidFill>
-                <a:latin typeface="+mn-lt"/>
-                <a:ea typeface="+mn-ea"/>
-                <a:cs typeface="+mn-cs"/>
-              </a:defRPr>
-            </a:lvl1pPr>
-            <a:lvl2pPr marL="742950" indent="-285750" algn="l" defTabSz="457200" rtl="0" eaLnBrk="1" latinLnBrk="0" hangingPunct="1">
-              <a:spcBef>
-                <a:spcPts val="1000"/>
-              </a:spcBef>
-              <a:spcAft>
-                <a:spcPts val="0"/>
-              </a:spcAft>
-              <a:buClr>
-                <a:schemeClr val="accent1"/>
-              </a:buClr>
-              <a:buFont typeface="Wingdings 3" charset="2"/>
-              <a:buChar char=""/>
-              <a:defRPr sz="1600" kern="1200">
-                <a:solidFill>
-                  <a:schemeClr val="tx1">
-                    <a:lumMod val="75000"/>
-                    <a:lumOff val="25000"/>
-                  </a:schemeClr>
-                </a:solidFill>
-                <a:latin typeface="+mn-lt"/>
-                <a:ea typeface="+mn-ea"/>
-                <a:cs typeface="+mn-cs"/>
-              </a:defRPr>
-            </a:lvl2pPr>
-            <a:lvl3pPr marL="1143000" indent="-228600" algn="l" defTabSz="457200" rtl="0" eaLnBrk="1" latinLnBrk="0" hangingPunct="1">
-              <a:spcBef>
-                <a:spcPts val="1000"/>
-              </a:spcBef>
-              <a:spcAft>
-                <a:spcPts val="0"/>
-              </a:spcAft>
-              <a:buClr>
-                <a:schemeClr val="accent1"/>
-              </a:buClr>
-              <a:buFont typeface="Wingdings 3" charset="2"/>
-              <a:buChar char=""/>
-              <a:defRPr sz="1400" kern="1200">
-                <a:solidFill>
-                  <a:schemeClr val="tx1">
-                    <a:lumMod val="75000"/>
-                    <a:lumOff val="25000"/>
-                  </a:schemeClr>
-                </a:solidFill>
-                <a:latin typeface="+mn-lt"/>
-                <a:ea typeface="+mn-ea"/>
-                <a:cs typeface="+mn-cs"/>
-              </a:defRPr>
-            </a:lvl3pPr>
-            <a:lvl4pPr marL="1600200" indent="-228600" algn="l" defTabSz="457200" rtl="0" eaLnBrk="1" latinLnBrk="0" hangingPunct="1">
-              <a:spcBef>
-                <a:spcPts val="1000"/>
-              </a:spcBef>
-              <a:spcAft>
-                <a:spcPts val="0"/>
-              </a:spcAft>
-              <a:buClr>
-                <a:schemeClr val="accent1"/>
-              </a:buClr>
-              <a:buFont typeface="Wingdings 3" charset="2"/>
-              <a:buChar char=""/>
-              <a:defRPr sz="1200" kern="1200">
-                <a:solidFill>
-                  <a:schemeClr val="tx1">
-                    <a:lumMod val="75000"/>
-                    <a:lumOff val="25000"/>
-                  </a:schemeClr>
-                </a:solidFill>
-                <a:latin typeface="+mn-lt"/>
-                <a:ea typeface="+mn-ea"/>
-                <a:cs typeface="+mn-cs"/>
-              </a:defRPr>
-            </a:lvl4pPr>
-            <a:lvl5pPr marL="2057400" indent="-228600" algn="l" defTabSz="457200" rtl="0" eaLnBrk="1" latinLnBrk="0" hangingPunct="1">
-              <a:spcBef>
-                <a:spcPts val="1000"/>
-              </a:spcBef>
-              <a:spcAft>
-                <a:spcPts val="0"/>
-              </a:spcAft>
-              <a:buClr>
-                <a:schemeClr val="accent1"/>
-              </a:buClr>
-              <a:buFont typeface="Wingdings 3" charset="2"/>
-              <a:buChar char=""/>
-              <a:defRPr sz="1200" kern="1200">
-                <a:solidFill>
-                  <a:schemeClr val="tx1">
-                    <a:lumMod val="75000"/>
-                    <a:lumOff val="25000"/>
-                  </a:schemeClr>
-                </a:solidFill>
-                <a:latin typeface="+mn-lt"/>
-                <a:ea typeface="+mn-ea"/>
-                <a:cs typeface="+mn-cs"/>
-              </a:defRPr>
-            </a:lvl5pPr>
-            <a:lvl6pPr marL="2514600" indent="-228600" algn="l" defTabSz="457200" rtl="0" eaLnBrk="1" latinLnBrk="0" hangingPunct="1">
-              <a:spcBef>
-                <a:spcPts val="1000"/>
-              </a:spcBef>
-              <a:spcAft>
-                <a:spcPts val="0"/>
-              </a:spcAft>
-              <a:buClr>
-                <a:schemeClr val="accent1"/>
-              </a:buClr>
-              <a:buFont typeface="Wingdings 3" charset="2"/>
-              <a:buChar char=""/>
-              <a:defRPr sz="1200" kern="1200">
-                <a:solidFill>
-                  <a:schemeClr val="tx1">
-                    <a:lumMod val="75000"/>
-                    <a:lumOff val="25000"/>
-                  </a:schemeClr>
-                </a:solidFill>
-                <a:latin typeface="+mn-lt"/>
-                <a:ea typeface="+mn-ea"/>
-                <a:cs typeface="+mn-cs"/>
-              </a:defRPr>
-            </a:lvl6pPr>
-            <a:lvl7pPr marL="2971800" indent="-228600" algn="l" defTabSz="457200" rtl="0" eaLnBrk="1" latinLnBrk="0" hangingPunct="1">
-              <a:spcBef>
-                <a:spcPts val="1000"/>
-              </a:spcBef>
-              <a:spcAft>
-                <a:spcPts val="0"/>
-              </a:spcAft>
-              <a:buClr>
-                <a:schemeClr val="accent1"/>
-              </a:buClr>
-              <a:buFont typeface="Wingdings 3" charset="2"/>
-              <a:buChar char=""/>
-              <a:defRPr sz="1200" kern="1200">
-                <a:solidFill>
-                  <a:schemeClr val="tx1">
-                    <a:lumMod val="75000"/>
-                    <a:lumOff val="25000"/>
-                  </a:schemeClr>
-                </a:solidFill>
-                <a:latin typeface="+mn-lt"/>
-                <a:ea typeface="+mn-ea"/>
-                <a:cs typeface="+mn-cs"/>
-              </a:defRPr>
-            </a:lvl7pPr>
-            <a:lvl8pPr marL="3429000" indent="-228600" algn="l" defTabSz="457200" rtl="0" eaLnBrk="1" latinLnBrk="0" hangingPunct="1">
-              <a:spcBef>
-                <a:spcPts val="1000"/>
-              </a:spcBef>
-              <a:spcAft>
-                <a:spcPts val="0"/>
-              </a:spcAft>
-              <a:buClr>
-                <a:schemeClr val="accent1"/>
-              </a:buClr>
-              <a:buFont typeface="Wingdings 3" charset="2"/>
-              <a:buChar char=""/>
-              <a:defRPr sz="1200" kern="1200">
-                <a:solidFill>
-                  <a:schemeClr val="tx1">
-                    <a:lumMod val="75000"/>
-                    <a:lumOff val="25000"/>
-                  </a:schemeClr>
-                </a:solidFill>
-                <a:latin typeface="+mn-lt"/>
-                <a:ea typeface="+mn-ea"/>
-                <a:cs typeface="+mn-cs"/>
-              </a:defRPr>
-            </a:lvl8pPr>
-            <a:lvl9pPr marL="3886200" indent="-228600" algn="l" defTabSz="457200" rtl="0" eaLnBrk="1" latinLnBrk="0" hangingPunct="1">
-              <a:spcBef>
-                <a:spcPts val="1000"/>
-              </a:spcBef>
-              <a:spcAft>
-                <a:spcPts val="0"/>
-              </a:spcAft>
-              <a:buClr>
-                <a:schemeClr val="accent1"/>
-              </a:buClr>
-              <a:buFont typeface="Wingdings 3" charset="2"/>
-              <a:buChar char=""/>
-              <a:defRPr sz="1200" kern="1200">
-                <a:solidFill>
-                  <a:schemeClr val="tx1">
-                    <a:lumMod val="75000"/>
-                    <a:lumOff val="25000"/>
-                  </a:schemeClr>
-                </a:solidFill>
-                <a:latin typeface="+mn-lt"/>
-                <a:ea typeface="+mn-ea"/>
-                <a:cs typeface="+mn-cs"/>
-              </a:defRPr>
-            </a:lvl9pPr>
-          </a:lstStyle>
-          <a:p>
-            <a:pPr>
-              <a:lnSpc>
-                <a:spcPct val="200000"/>
-              </a:lnSpc>
-            </a:pPr>
-            <a:r>
-              <a:rPr lang="es-ES" dirty="0"/>
-              <a:t>Síntesis de compuestos estrogénicos.</a:t>
-            </a:r>
-          </a:p>
-          <a:p>
-            <a:pPr>
-              <a:lnSpc>
-                <a:spcPct val="200000"/>
-              </a:lnSpc>
-            </a:pPr>
-            <a:r>
-              <a:rPr lang="es-ES" dirty="0"/>
-              <a:t>Tratamiento contra el cáncer de mama.</a:t>
-            </a:r>
-          </a:p>
-        </p:txBody>
-      </p:sp>
     </p:spTree>
     <p:extLst>
       <p:ext uri="{BB962C8B-B14F-4D97-AF65-F5344CB8AC3E}">
-        <p14:creationId xmlns:p14="http://schemas.microsoft.com/office/powerpoint/2010/main" val="811650880"/>
+        <p14:creationId xmlns:p14="http://schemas.microsoft.com/office/powerpoint/2010/main" val="1020988484"/>
       </p:ext>
     </p:extLst>
   </p:cSld>
@@ -15590,135 +14411,7 @@
           <p:cNvPr id="2" name="Title 1">
             <a:extLst>
               <a:ext uri="{FF2B5EF4-FFF2-40B4-BE49-F238E27FC236}">
-                <a16:creationId xmlns:a16="http://schemas.microsoft.com/office/drawing/2014/main" id="{2A1CC3FA-D5DC-446B-9A29-58EC451BC22A}"/>
-              </a:ext>
-            </a:extLst>
-          </p:cNvPr>
-          <p:cNvSpPr>
-            <a:spLocks noGrp="1"/>
-          </p:cNvSpPr>
-          <p:nvPr>
-            <p:ph type="title"/>
-          </p:nvPr>
-        </p:nvSpPr>
-        <p:spPr>
-          <a:xfrm>
-            <a:off x="2592925" y="624110"/>
-            <a:ext cx="8911687" cy="734907"/>
-          </a:xfrm>
-        </p:spPr>
-        <p:txBody>
-          <a:bodyPr/>
-          <a:lstStyle/>
-          <a:p>
-            <a:r>
-              <a:rPr lang="en-US" dirty="0" err="1"/>
-              <a:t>Sección</a:t>
-            </a:r>
-            <a:r>
-              <a:rPr lang="en-US" dirty="0"/>
-              <a:t> experimental</a:t>
-            </a:r>
-          </a:p>
-        </p:txBody>
-      </p:sp>
-      <p:graphicFrame>
-        <p:nvGraphicFramePr>
-          <p:cNvPr id="5" name="Content Placeholder 4">
-            <a:extLst>
-              <a:ext uri="{FF2B5EF4-FFF2-40B4-BE49-F238E27FC236}">
-                <a16:creationId xmlns:a16="http://schemas.microsoft.com/office/drawing/2014/main" id="{814A3EC3-8BD9-4AA3-8697-AA5D0EF60BCD}"/>
-              </a:ext>
-            </a:extLst>
-          </p:cNvPr>
-          <p:cNvGraphicFramePr>
-            <a:graphicFrameLocks noGrp="1"/>
-          </p:cNvGraphicFramePr>
-          <p:nvPr>
-            <p:ph idx="1"/>
-            <p:extLst>
-              <p:ext uri="{D42A27DB-BD31-4B8C-83A1-F6EECF244321}">
-                <p14:modId xmlns:p14="http://schemas.microsoft.com/office/powerpoint/2010/main" val="3299737889"/>
-              </p:ext>
-            </p:extLst>
-          </p:nvPr>
-        </p:nvGraphicFramePr>
-        <p:xfrm>
-          <a:off x="2589213" y="1577130"/>
-          <a:ext cx="8915400" cy="5033394"/>
-        </p:xfrm>
-        <a:graphic>
-          <a:graphicData uri="http://schemas.openxmlformats.org/drawingml/2006/diagram">
-            <dgm:relIds xmlns:dgm="http://schemas.openxmlformats.org/drawingml/2006/diagram" xmlns:r="http://schemas.openxmlformats.org/officeDocument/2006/relationships" r:dm="rId2" r:lo="rId3" r:qs="rId4" r:cs="rId5"/>
-          </a:graphicData>
-        </a:graphic>
-      </p:graphicFrame>
-      <p:sp>
-        <p:nvSpPr>
-          <p:cNvPr id="4" name="Slide Number Placeholder 3">
-            <a:extLst>
-              <a:ext uri="{FF2B5EF4-FFF2-40B4-BE49-F238E27FC236}">
-                <a16:creationId xmlns:a16="http://schemas.microsoft.com/office/drawing/2014/main" id="{72971BDC-184D-445A-A5B9-8A4CA473425C}"/>
-              </a:ext>
-            </a:extLst>
-          </p:cNvPr>
-          <p:cNvSpPr>
-            <a:spLocks noGrp="1"/>
-          </p:cNvSpPr>
-          <p:nvPr>
-            <p:ph type="sldNum" sz="quarter" idx="12"/>
-          </p:nvPr>
-        </p:nvSpPr>
-        <p:spPr/>
-        <p:txBody>
-          <a:bodyPr/>
-          <a:lstStyle/>
-          <a:p>
-            <a:fld id="{D57F1E4F-1CFF-5643-939E-217C01CDF565}" type="slidenum">
-              <a:rPr lang="en-US" smtClean="0"/>
-              <a:pPr/>
-              <a:t>5</a:t>
-            </a:fld>
-            <a:endParaRPr lang="en-US" dirty="0"/>
-          </a:p>
-        </p:txBody>
-      </p:sp>
-    </p:spTree>
-    <p:extLst>
-      <p:ext uri="{BB962C8B-B14F-4D97-AF65-F5344CB8AC3E}">
-        <p14:creationId xmlns:p14="http://schemas.microsoft.com/office/powerpoint/2010/main" val="1020988484"/>
-      </p:ext>
-    </p:extLst>
-  </p:cSld>
-  <p:clrMapOvr>
-    <a:masterClrMapping/>
-  </p:clrMapOvr>
-</p:sld>
-</file>
-
-<file path=ppt/slides/slide6.xml><?xml version="1.0" encoding="utf-8"?>
-<p:sld xmlns:a="http://schemas.openxmlformats.org/drawingml/2006/main" xmlns:r="http://schemas.openxmlformats.org/officeDocument/2006/relationships" xmlns:p="http://schemas.openxmlformats.org/presentationml/2006/main">
-  <p:cSld>
-    <p:spTree>
-      <p:nvGrpSpPr>
-        <p:cNvPr id="1" name=""/>
-        <p:cNvGrpSpPr/>
-        <p:nvPr/>
-      </p:nvGrpSpPr>
-      <p:grpSpPr>
-        <a:xfrm>
-          <a:off x="0" y="0"/>
-          <a:ext cx="0" cy="0"/>
-          <a:chOff x="0" y="0"/>
-          <a:chExt cx="0" cy="0"/>
-        </a:xfrm>
-      </p:grpSpPr>
-      <p:sp>
-        <p:nvSpPr>
-          <p:cNvPr id="2" name="Title 1">
-            <a:extLst>
-              <a:ext uri="{FF2B5EF4-FFF2-40B4-BE49-F238E27FC236}">
-                <a16:creationId xmlns:a16="http://schemas.microsoft.com/office/drawing/2014/main" id="{3EFD2825-5C33-4041-BFF5-09BC1152EDE1}"/>
+                <a16:creationId xmlns:a16="http://schemas.microsoft.com/office/drawing/2014/main" xmlns="" id="{3EFD2825-5C33-4041-BFF5-09BC1152EDE1}"/>
               </a:ext>
             </a:extLst>
           </p:cNvPr>
@@ -15755,7 +14448,7 @@
           <p:cNvPr id="3" name="Content Placeholder 2">
             <a:extLst>
               <a:ext uri="{FF2B5EF4-FFF2-40B4-BE49-F238E27FC236}">
-                <a16:creationId xmlns:a16="http://schemas.microsoft.com/office/drawing/2014/main" id="{42C0AA34-F2C3-4722-8A9C-BB88B5CB5698}"/>
+                <a16:creationId xmlns:a16="http://schemas.microsoft.com/office/drawing/2014/main" xmlns="" id="{42C0AA34-F2C3-4722-8A9C-BB88B5CB5698}"/>
               </a:ext>
             </a:extLst>
           </p:cNvPr>
@@ -15779,12 +14472,16 @@
           <a:lstStyle/>
           <a:p>
             <a:r>
-              <a:rPr lang="en-US" dirty="0" err="1"/>
-              <a:t>Rendimiento</a:t>
+              <a:rPr lang="en-US" dirty="0" err="1" smtClean="0"/>
+              <a:t>Recuperación</a:t>
+            </a:r>
+            <a:r>
+              <a:rPr lang="en-US" dirty="0" smtClean="0"/>
+              <a:t> del 72 </a:t>
             </a:r>
             <a:r>
               <a:rPr lang="en-US" dirty="0"/>
-              <a:t> de 20.3 %.</a:t>
+              <a:t>%.</a:t>
             </a:r>
           </a:p>
           <a:p>
@@ -15801,12 +14498,32 @@
               <a:t> de las </a:t>
             </a:r>
             <a:r>
-              <a:rPr lang="en-US" dirty="0" err="1"/>
+              <a:rPr lang="en-US" dirty="0" err="1" smtClean="0"/>
               <a:t>impurezas</a:t>
             </a:r>
             <a:r>
+              <a:rPr lang="en-US" dirty="0" smtClean="0"/>
+              <a:t>, </a:t>
+            </a:r>
+            <a:r>
+              <a:rPr lang="en-US" dirty="0" err="1" smtClean="0"/>
+              <a:t>rendimiento</a:t>
+            </a:r>
+            <a:r>
+              <a:rPr lang="en-US" dirty="0" smtClean="0"/>
+              <a:t> </a:t>
+            </a:r>
+            <a:r>
               <a:rPr lang="en-US" dirty="0"/>
-              <a:t>: &gt; 8.0 %.</a:t>
+              <a:t>&lt;</a:t>
+            </a:r>
+            <a:r>
+              <a:rPr lang="en-US" dirty="0" smtClean="0"/>
+              <a:t> 49 </a:t>
+            </a:r>
+            <a:r>
+              <a:rPr lang="en-US" dirty="0"/>
+              <a:t>%.</a:t>
             </a:r>
           </a:p>
         </p:txBody>
@@ -15816,7 +14533,7 @@
           <p:cNvPr id="4" name="Slide Number Placeholder 3">
             <a:extLst>
               <a:ext uri="{FF2B5EF4-FFF2-40B4-BE49-F238E27FC236}">
-                <a16:creationId xmlns:a16="http://schemas.microsoft.com/office/drawing/2014/main" id="{B02906C4-3FA7-45DF-8AEC-81991297F699}"/>
+                <a16:creationId xmlns:a16="http://schemas.microsoft.com/office/drawing/2014/main" xmlns="" id="{B02906C4-3FA7-45DF-8AEC-81991297F699}"/>
               </a:ext>
             </a:extLst>
           </p:cNvPr>
@@ -15835,7 +14552,7 @@
             <a:fld id="{D57F1E4F-1CFF-5643-939E-217C01CDF565}" type="slidenum">
               <a:rPr lang="en-US" smtClean="0"/>
               <a:pPr/>
-              <a:t>6</a:t>
+              <a:t>5</a:t>
             </a:fld>
             <a:endParaRPr lang="en-US" dirty="0"/>
           </a:p>
@@ -15846,7 +14563,7 @@
           <p:cNvPr id="7" name="Group 6">
             <a:extLst>
               <a:ext uri="{FF2B5EF4-FFF2-40B4-BE49-F238E27FC236}">
-                <a16:creationId xmlns:a16="http://schemas.microsoft.com/office/drawing/2014/main" id="{9FD25BF3-DA17-460F-88A4-E7F1FE18A162}"/>
+                <a16:creationId xmlns:a16="http://schemas.microsoft.com/office/drawing/2014/main" xmlns="" id="{9FD25BF3-DA17-460F-88A4-E7F1FE18A162}"/>
               </a:ext>
             </a:extLst>
           </p:cNvPr>
@@ -15868,7 +14585,7 @@
                 <p:cNvPr id="5" name="TextBox 4">
                   <a:extLst>
                     <a:ext uri="{FF2B5EF4-FFF2-40B4-BE49-F238E27FC236}">
-                      <a16:creationId xmlns:a16="http://schemas.microsoft.com/office/drawing/2014/main" id="{254D76D1-AF70-4500-BCEA-3CC883FE4BA4}"/>
+                      <a16:creationId xmlns:a16="http://schemas.microsoft.com/office/drawing/2014/main" xmlns="" id="{254D76D1-AF70-4500-BCEA-3CC883FE4BA4}"/>
                     </a:ext>
                   </a:extLst>
                 </p:cNvPr>
@@ -16241,7 +14958,7 @@
                 <p:cNvPr id="6" name="TextBox 5">
                   <a:extLst>
                     <a:ext uri="{FF2B5EF4-FFF2-40B4-BE49-F238E27FC236}">
-                      <a16:creationId xmlns:a16="http://schemas.microsoft.com/office/drawing/2014/main" id="{05D98682-CF97-4DC5-9D39-7809C46C618A}"/>
+                      <a16:creationId xmlns:a16="http://schemas.microsoft.com/office/drawing/2014/main" xmlns="" id="{05D98682-CF97-4DC5-9D39-7809C46C618A}"/>
                     </a:ext>
                   </a:extLst>
                 </p:cNvPr>
@@ -16566,14 +15283,14 @@
           </mc:Fallback>
         </mc:AlternateContent>
       </p:grpSp>
-      <mc:AlternateContent xmlns:mc="http://schemas.openxmlformats.org/markup-compatibility/2006" xmlns:a14="http://schemas.microsoft.com/office/drawing/2010/main">
-        <mc:Choice Requires="a14">
+      <mc:AlternateContent xmlns:mc="http://schemas.openxmlformats.org/markup-compatibility/2006">
+        <mc:Choice xmlns:a14="http://schemas.microsoft.com/office/drawing/2010/main" Requires="a14">
           <p:graphicFrame>
             <p:nvGraphicFramePr>
               <p:cNvPr id="8" name="Table 7">
                 <a:extLst>
                   <a:ext uri="{FF2B5EF4-FFF2-40B4-BE49-F238E27FC236}">
-                    <a16:creationId xmlns:a16="http://schemas.microsoft.com/office/drawing/2014/main" id="{ED640222-77D3-4CD5-8DED-2E50C1BF7671}"/>
+                    <a16:creationId xmlns:a16="http://schemas.microsoft.com/office/drawing/2014/main" xmlns="" id="{ED640222-77D3-4CD5-8DED-2E50C1BF7671}"/>
                   </a:ext>
                 </a:extLst>
               </p:cNvPr>
@@ -16583,14 +15300,14 @@
               <p:nvPr>
                 <p:extLst>
                   <p:ext uri="{D42A27DB-BD31-4B8C-83A1-F6EECF244321}">
-                    <p14:modId xmlns:p14="http://schemas.microsoft.com/office/powerpoint/2010/main" val="3855218205"/>
+                    <p14:modId xmlns:p14="http://schemas.microsoft.com/office/powerpoint/2010/main" val="1929983573"/>
                   </p:ext>
                 </p:extLst>
               </p:nvPr>
             </p:nvGraphicFramePr>
             <p:xfrm>
-              <a:off x="6082767" y="5223510"/>
-              <a:ext cx="5060733" cy="1133856"/>
+              <a:off x="567181" y="4619817"/>
+              <a:ext cx="5060733" cy="1875536"/>
             </p:xfrm>
             <a:graphic>
               <a:graphicData uri="http://schemas.openxmlformats.org/drawingml/2006/table">
@@ -16602,35 +15319,35 @@
                     <a:gridCol w="1532255">
                       <a:extLst>
                         <a:ext uri="{9D8B030D-6E8A-4147-A177-3AD203B41FA5}">
-                          <a16:colId xmlns:a16="http://schemas.microsoft.com/office/drawing/2014/main" val="1932548680"/>
+                          <a16:colId xmlns:a16="http://schemas.microsoft.com/office/drawing/2014/main" xmlns="" val="1932548680"/>
                         </a:ext>
                       </a:extLst>
                     </a:gridCol>
                     <a:gridCol w="452291">
                       <a:extLst>
                         <a:ext uri="{9D8B030D-6E8A-4147-A177-3AD203B41FA5}">
-                          <a16:colId xmlns:a16="http://schemas.microsoft.com/office/drawing/2014/main" val="974605646"/>
+                          <a16:colId xmlns:a16="http://schemas.microsoft.com/office/drawing/2014/main" xmlns="" val="974605646"/>
                         </a:ext>
                       </a:extLst>
                     </a:gridCol>
                     <a:gridCol w="690880">
                       <a:extLst>
                         <a:ext uri="{9D8B030D-6E8A-4147-A177-3AD203B41FA5}">
-                          <a16:colId xmlns:a16="http://schemas.microsoft.com/office/drawing/2014/main" val="2723256158"/>
+                          <a16:colId xmlns:a16="http://schemas.microsoft.com/office/drawing/2014/main" xmlns="" val="2723256158"/>
                         </a:ext>
                       </a:extLst>
                     </a:gridCol>
                     <a:gridCol w="1011635">
                       <a:extLst>
                         <a:ext uri="{9D8B030D-6E8A-4147-A177-3AD203B41FA5}">
-                          <a16:colId xmlns:a16="http://schemas.microsoft.com/office/drawing/2014/main" val="86690558"/>
+                          <a16:colId xmlns:a16="http://schemas.microsoft.com/office/drawing/2014/main" xmlns="" val="86690558"/>
                         </a:ext>
                       </a:extLst>
                     </a:gridCol>
                     <a:gridCol w="1373672">
                       <a:extLst>
                         <a:ext uri="{9D8B030D-6E8A-4147-A177-3AD203B41FA5}">
-                          <a16:colId xmlns:a16="http://schemas.microsoft.com/office/drawing/2014/main" val="3399186977"/>
+                          <a16:colId xmlns:a16="http://schemas.microsoft.com/office/drawing/2014/main" xmlns="" val="3399186977"/>
                         </a:ext>
                       </a:extLst>
                     </a:gridCol>
@@ -16894,7 +15611,7 @@
                     </a:tc>
                     <a:extLst>
                       <a:ext uri="{0D108BD9-81ED-4DB2-BD59-A6C34878D82A}">
-                        <a16:rowId xmlns:a16="http://schemas.microsoft.com/office/drawing/2014/main" val="2345776386"/>
+                        <a16:rowId xmlns:a16="http://schemas.microsoft.com/office/drawing/2014/main" xmlns="" val="2345776386"/>
                       </a:ext>
                     </a:extLst>
                   </a:tr>
@@ -16906,8 +15623,27 @@
                         <a:p>
                           <a:pPr algn="ctr"/>
                           <a:r>
-                            <a:rPr lang="en-US" dirty="0"/>
-                            <a:t>THF</a:t>
+                            <a:rPr lang="en-US" dirty="0" smtClean="0"/>
+                            <a:t>CHCl</a:t>
+                          </a:r>
+                          <a:r>
+                            <a:rPr lang="en-US" baseline="-25000" dirty="0" smtClean="0"/>
+                            <a:t>3</a:t>
+                          </a:r>
+                          <a:endParaRPr lang="es-CO" baseline="-25000" dirty="0"/>
+                        </a:p>
+                      </a:txBody>
+                      <a:tcPr anchor="ctr"/>
+                    </a:tc>
+                    <a:tc>
+                      <a:txBody>
+                        <a:bodyPr/>
+                        <a:lstStyle/>
+                        <a:p>
+                          <a:pPr algn="ctr"/>
+                          <a:r>
+                            <a:rPr lang="en-US" dirty="0" smtClean="0"/>
+                            <a:t>1</a:t>
                           </a:r>
                           <a:endParaRPr lang="es-CO" dirty="0"/>
                         </a:p>
@@ -16921,7 +15657,172 @@
                         <a:p>
                           <a:pPr algn="ctr"/>
                           <a:r>
-                            <a:rPr lang="en-US" dirty="0"/>
+                            <a:rPr lang="en-US" dirty="0" smtClean="0"/>
+                            <a:t>0,18</a:t>
+                          </a:r>
+                          <a:endParaRPr lang="es-CO" dirty="0"/>
+                        </a:p>
+                      </a:txBody>
+                      <a:tcPr anchor="ctr"/>
+                    </a:tc>
+                    <a:tc>
+                      <a:txBody>
+                        <a:bodyPr/>
+                        <a:lstStyle/>
+                        <a:p>
+                          <a:pPr algn="ctr"/>
+                          <a:r>
+                            <a:rPr lang="es-CO" dirty="0" smtClean="0"/>
+                            <a:t>20,98</a:t>
+                          </a:r>
+                          <a:endParaRPr lang="es-CO" dirty="0"/>
+                        </a:p>
+                      </a:txBody>
+                      <a:tcPr anchor="ctr"/>
+                    </a:tc>
+                    <a:tc>
+                      <a:txBody>
+                        <a:bodyPr/>
+                        <a:lstStyle/>
+                        <a:p>
+                          <a:pPr algn="ctr"/>
+                          <a:r>
+                            <a:rPr lang="en-US" dirty="0" smtClean="0"/>
+                            <a:t>0,13</a:t>
+                          </a:r>
+                          <a:endParaRPr lang="es-CO" dirty="0"/>
+                        </a:p>
+                      </a:txBody>
+                      <a:tcPr anchor="ctr"/>
+                    </a:tc>
+                    <a:extLst>
+                      <a:ext uri="{0D108BD9-81ED-4DB2-BD59-A6C34878D82A}">
+                        <a16:rowId xmlns:a16="http://schemas.microsoft.com/office/drawing/2014/main" xmlns="" val="235995012"/>
+                      </a:ext>
+                    </a:extLst>
+                  </a:tr>
+                  <a:tr h="370840">
+                    <a:tc>
+                      <a:txBody>
+                        <a:bodyPr/>
+                        <a:lstStyle/>
+                        <a:p>
+                          <a:pPr algn="ctr"/>
+                          <a:r>
+                            <a:rPr lang="en-US" dirty="0" smtClean="0"/>
+                            <a:t>PPh</a:t>
+                          </a:r>
+                          <a:r>
+                            <a:rPr lang="en-US" baseline="-25000" dirty="0" smtClean="0"/>
+                            <a:t>3</a:t>
+                          </a:r>
+                          <a:endParaRPr lang="es-CO" baseline="-25000" dirty="0"/>
+                        </a:p>
+                      </a:txBody>
+                      <a:tcPr anchor="ctr"/>
+                    </a:tc>
+                    <a:tc>
+                      <a:txBody>
+                        <a:bodyPr/>
+                        <a:lstStyle/>
+                        <a:p>
+                          <a:pPr algn="ctr"/>
+                          <a:r>
+                            <a:rPr lang="en-US" dirty="0" smtClean="0"/>
+                            <a:t>15</a:t>
+                          </a:r>
+                          <a:endParaRPr lang="es-CO" dirty="0"/>
+                        </a:p>
+                      </a:txBody>
+                      <a:tcPr anchor="ctr"/>
+                    </a:tc>
+                    <a:tc>
+                      <a:txBody>
+                        <a:bodyPr/>
+                        <a:lstStyle/>
+                        <a:p>
+                          <a:pPr algn="ctr"/>
+                          <a:r>
+                            <a:rPr lang="en-US" dirty="0" smtClean="0"/>
+                            <a:t>1,48</a:t>
+                          </a:r>
+                          <a:endParaRPr lang="es-CO" dirty="0"/>
+                        </a:p>
+                      </a:txBody>
+                      <a:tcPr anchor="ctr"/>
+                    </a:tc>
+                    <a:tc>
+                      <a:txBody>
+                        <a:bodyPr/>
+                        <a:lstStyle/>
+                        <a:p>
+                          <a:pPr algn="ctr"/>
+                          <a:r>
+                            <a:rPr lang="es-CO" dirty="0" smtClean="0"/>
+                            <a:t>25,27</a:t>
+                          </a:r>
+                          <a:endParaRPr lang="es-CO" dirty="0"/>
+                        </a:p>
+                      </a:txBody>
+                      <a:tcPr anchor="ctr"/>
+                    </a:tc>
+                    <a:tc>
+                      <a:txBody>
+                        <a:bodyPr/>
+                        <a:lstStyle/>
+                        <a:p>
+                          <a:pPr algn="ctr"/>
+                          <a:r>
+                            <a:rPr lang="en-US" dirty="0" smtClean="0"/>
+                            <a:t>0,15</a:t>
+                          </a:r>
+                          <a:endParaRPr lang="es-CO" dirty="0"/>
+                        </a:p>
+                      </a:txBody>
+                      <a:tcPr anchor="ctr"/>
+                    </a:tc>
+                    <a:extLst>
+                      <a:ext uri="{0D108BD9-81ED-4DB2-BD59-A6C34878D82A}">
+                        <a16:rowId xmlns:a16="http://schemas.microsoft.com/office/drawing/2014/main" xmlns="" val="4244662741"/>
+                      </a:ext>
+                    </a:extLst>
+                  </a:tr>
+                  <a:tr h="370840">
+                    <a:tc>
+                      <a:txBody>
+                        <a:bodyPr/>
+                        <a:lstStyle/>
+                        <a:p>
+                          <a:pPr algn="ctr"/>
+                          <a:r>
+                            <a:rPr lang="es-CO" dirty="0" smtClean="0"/>
+                            <a:t>CH</a:t>
+                          </a:r>
+                          <a:r>
+                            <a:rPr lang="es-CO" baseline="-25000" dirty="0" smtClean="0"/>
+                            <a:t>2</a:t>
+                          </a:r>
+                          <a:r>
+                            <a:rPr lang="es-CO" dirty="0" smtClean="0"/>
+                            <a:t>Cl</a:t>
+                          </a:r>
+                          <a:r>
+                            <a:rPr lang="es-CO" baseline="-25000" dirty="0" smtClean="0"/>
+                            <a:t>2</a:t>
+                          </a:r>
+                          <a:endParaRPr lang="es-CO" baseline="-25000" dirty="0"/>
+                        </a:p>
+                      </a:txBody>
+                      <a:tcPr anchor="ctr"/>
+                    </a:tc>
+                    <a:tc>
+                      <a:txBody>
+                        <a:bodyPr/>
+                        <a:lstStyle/>
+                        <a:p>
+                          <a:pPr algn="ctr"/>
+                          <a:r>
+                            <a:rPr lang="es-CO" dirty="0" smtClean="0"/>
                             <a:t>2</a:t>
                           </a:r>
                           <a:endParaRPr lang="es-CO" dirty="0"/>
@@ -16936,8 +15837,8 @@
                         <a:p>
                           <a:pPr algn="ctr"/>
                           <a:r>
-                            <a:rPr lang="en-US" dirty="0"/>
-                            <a:t>7.98</a:t>
+                            <a:rPr lang="es-CO" dirty="0" smtClean="0"/>
+                            <a:t>0,16</a:t>
                           </a:r>
                           <a:endParaRPr lang="es-CO" dirty="0"/>
                         </a:p>
@@ -16951,8 +15852,8 @@
                         <a:p>
                           <a:pPr algn="ctr"/>
                           <a:r>
-                            <a:rPr lang="en-US" dirty="0"/>
-                            <a:t>276.49</a:t>
+                            <a:rPr lang="es-CO" dirty="0" smtClean="0"/>
+                            <a:t>6,64</a:t>
                           </a:r>
                           <a:endParaRPr lang="es-CO" dirty="0"/>
                         </a:p>
@@ -16966,19 +15867,14 @@
                         <a:p>
                           <a:pPr algn="ctr"/>
                           <a:r>
-                            <a:rPr lang="en-US" dirty="0"/>
-                            <a:t>0.46</a:t>
+                            <a:rPr lang="es-CO" dirty="0" smtClean="0"/>
+                            <a:t>0,04</a:t>
                           </a:r>
                           <a:endParaRPr lang="es-CO" dirty="0"/>
                         </a:p>
                       </a:txBody>
                       <a:tcPr anchor="ctr"/>
                     </a:tc>
-                    <a:extLst>
-                      <a:ext uri="{0D108BD9-81ED-4DB2-BD59-A6C34878D82A}">
-                        <a16:rowId xmlns:a16="http://schemas.microsoft.com/office/drawing/2014/main" val="235995012"/>
-                      </a:ext>
-                    </a:extLst>
                   </a:tr>
                   <a:tr h="370840">
                     <a:tc>
@@ -16988,8 +15884,16 @@
                         <a:p>
                           <a:pPr algn="ctr"/>
                           <a:r>
-                            <a:rPr lang="en-US" dirty="0"/>
-                            <a:t>C16H18O4</a:t>
+                            <a:rPr lang="es-CO" dirty="0" smtClean="0"/>
+                            <a:t>CH</a:t>
+                          </a:r>
+                          <a:r>
+                            <a:rPr lang="es-CO" baseline="-25000" dirty="0" smtClean="0"/>
+                            <a:t>3</a:t>
+                          </a:r>
+                          <a:r>
+                            <a:rPr lang="es-CO" dirty="0" smtClean="0"/>
+                            <a:t>OH</a:t>
                           </a:r>
                           <a:endParaRPr lang="es-CO" dirty="0"/>
                         </a:p>
@@ -17003,8 +15907,8 @@
                         <a:p>
                           <a:pPr algn="ctr"/>
                           <a:r>
-                            <a:rPr lang="en-US" dirty="0"/>
-                            <a:t>6</a:t>
+                            <a:rPr lang="es-CO" dirty="0" smtClean="0"/>
+                            <a:t>4</a:t>
                           </a:r>
                           <a:endParaRPr lang="es-CO" dirty="0"/>
                         </a:p>
@@ -17018,8 +15922,8 @@
                         <a:p>
                           <a:pPr algn="ctr"/>
                           <a:r>
-                            <a:rPr lang="en-US" dirty="0"/>
-                            <a:t>0.29</a:t>
+                            <a:rPr lang="es-CO" dirty="0" smtClean="0"/>
+                            <a:t>0,08</a:t>
                           </a:r>
                           <a:endParaRPr lang="es-CO" dirty="0"/>
                         </a:p>
@@ -17033,8 +15937,8 @@
                         <a:p>
                           <a:pPr algn="ctr"/>
                           <a:r>
-                            <a:rPr lang="en-US" dirty="0"/>
-                            <a:t>79.96</a:t>
+                            <a:rPr lang="es-CO" dirty="0" smtClean="0"/>
+                            <a:t>0,63</a:t>
                           </a:r>
                           <a:endParaRPr lang="es-CO" dirty="0"/>
                         </a:p>
@@ -17048,32 +15952,27 @@
                         <a:p>
                           <a:pPr algn="ctr"/>
                           <a:r>
-                            <a:rPr lang="en-US" dirty="0"/>
-                            <a:t>0.13</a:t>
+                            <a:rPr lang="es-CO" dirty="0" smtClean="0"/>
+                            <a:t>0,00</a:t>
                           </a:r>
                           <a:endParaRPr lang="es-CO" dirty="0"/>
                         </a:p>
                       </a:txBody>
                       <a:tcPr anchor="ctr"/>
                     </a:tc>
-                    <a:extLst>
-                      <a:ext uri="{0D108BD9-81ED-4DB2-BD59-A6C34878D82A}">
-                        <a16:rowId xmlns:a16="http://schemas.microsoft.com/office/drawing/2014/main" val="4244662741"/>
-                      </a:ext>
-                    </a:extLst>
                   </a:tr>
                 </a:tbl>
               </a:graphicData>
             </a:graphic>
           </p:graphicFrame>
         </mc:Choice>
-        <mc:Fallback xmlns="">
+        <mc:Fallback>
           <p:graphicFrame>
             <p:nvGraphicFramePr>
               <p:cNvPr id="8" name="Table 7">
                 <a:extLst>
                   <a:ext uri="{FF2B5EF4-FFF2-40B4-BE49-F238E27FC236}">
-                    <a16:creationId xmlns:a16="http://schemas.microsoft.com/office/drawing/2014/main" id="{ED640222-77D3-4CD5-8DED-2E50C1BF7671}"/>
+                    <a16:creationId xmlns:a16="http://schemas.microsoft.com/office/drawing/2014/main" xmlns:a14="http://schemas.microsoft.com/office/drawing/2010/main" xmlns="" id="{ED640222-77D3-4CD5-8DED-2E50C1BF7671}"/>
                   </a:ext>
                 </a:extLst>
               </p:cNvPr>
@@ -17083,14 +15982,14 @@
               <p:nvPr>
                 <p:extLst>
                   <p:ext uri="{D42A27DB-BD31-4B8C-83A1-F6EECF244321}">
-                    <p14:modId xmlns:p14="http://schemas.microsoft.com/office/powerpoint/2010/main" val="3855218205"/>
+                    <p14:modId xmlns:p14="http://schemas.microsoft.com/office/powerpoint/2010/main" val="1929983573"/>
                   </p:ext>
                 </p:extLst>
               </p:nvPr>
             </p:nvGraphicFramePr>
             <p:xfrm>
-              <a:off x="6082767" y="5223510"/>
-              <a:ext cx="5060733" cy="1133856"/>
+              <a:off x="567181" y="4619817"/>
+              <a:ext cx="5060733" cy="1875536"/>
             </p:xfrm>
             <a:graphic>
               <a:graphicData uri="http://schemas.openxmlformats.org/drawingml/2006/table">
@@ -17102,35 +16001,35 @@
                     <a:gridCol w="1532255">
                       <a:extLst>
                         <a:ext uri="{9D8B030D-6E8A-4147-A177-3AD203B41FA5}">
-                          <a16:colId xmlns:a16="http://schemas.microsoft.com/office/drawing/2014/main" val="1932548680"/>
+                          <a16:colId xmlns:a16="http://schemas.microsoft.com/office/drawing/2014/main" xmlns:a14="http://schemas.microsoft.com/office/drawing/2010/main" xmlns="" val="1932548680"/>
                         </a:ext>
                       </a:extLst>
                     </a:gridCol>
                     <a:gridCol w="452291">
                       <a:extLst>
                         <a:ext uri="{9D8B030D-6E8A-4147-A177-3AD203B41FA5}">
-                          <a16:colId xmlns:a16="http://schemas.microsoft.com/office/drawing/2014/main" val="974605646"/>
+                          <a16:colId xmlns:a16="http://schemas.microsoft.com/office/drawing/2014/main" xmlns:a14="http://schemas.microsoft.com/office/drawing/2010/main" xmlns="" val="974605646"/>
                         </a:ext>
                       </a:extLst>
                     </a:gridCol>
                     <a:gridCol w="690880">
                       <a:extLst>
                         <a:ext uri="{9D8B030D-6E8A-4147-A177-3AD203B41FA5}">
-                          <a16:colId xmlns:a16="http://schemas.microsoft.com/office/drawing/2014/main" val="2723256158"/>
+                          <a16:colId xmlns:a16="http://schemas.microsoft.com/office/drawing/2014/main" xmlns:a14="http://schemas.microsoft.com/office/drawing/2010/main" xmlns="" val="2723256158"/>
                         </a:ext>
                       </a:extLst>
                     </a:gridCol>
                     <a:gridCol w="1011635">
                       <a:extLst>
                         <a:ext uri="{9D8B030D-6E8A-4147-A177-3AD203B41FA5}">
-                          <a16:colId xmlns:a16="http://schemas.microsoft.com/office/drawing/2014/main" val="86690558"/>
+                          <a16:colId xmlns:a16="http://schemas.microsoft.com/office/drawing/2014/main" xmlns:a14="http://schemas.microsoft.com/office/drawing/2010/main" xmlns="" val="86690558"/>
                         </a:ext>
                       </a:extLst>
                     </a:gridCol>
                     <a:gridCol w="1373672">
                       <a:extLst>
                         <a:ext uri="{9D8B030D-6E8A-4147-A177-3AD203B41FA5}">
-                          <a16:colId xmlns:a16="http://schemas.microsoft.com/office/drawing/2014/main" val="3399186977"/>
+                          <a16:colId xmlns:a16="http://schemas.microsoft.com/office/drawing/2014/main" xmlns:a14="http://schemas.microsoft.com/office/drawing/2010/main" xmlns="" val="3399186977"/>
                         </a:ext>
                       </a:extLst>
                     </a:gridCol>
@@ -17160,10 +16059,10 @@
                         </a:p>
                       </a:txBody>
                       <a:tcPr anchor="ctr">
-                        <a:blipFill>
+                        <a:blipFill rotWithShape="0">
                           <a:blip r:embed="rId4"/>
                           <a:stretch>
-                            <a:fillRect l="-341892" t="-3077" r="-689189" b="-210769"/>
+                            <a:fillRect l="-341892" t="-3077" r="-687838" b="-398462"/>
                           </a:stretch>
                         </a:blipFill>
                       </a:tcPr>
@@ -17177,10 +16076,10 @@
                         </a:p>
                       </a:txBody>
                       <a:tcPr anchor="ctr">
-                        <a:blipFill>
+                        <a:blipFill rotWithShape="0">
                           <a:blip r:embed="rId4"/>
                           <a:stretch>
-                            <a:fillRect l="-286842" t="-3077" r="-347368" b="-210769"/>
+                            <a:fillRect l="-289381" t="-3077" r="-350442" b="-398462"/>
                           </a:stretch>
                         </a:blipFill>
                       </a:tcPr>
@@ -17194,10 +16093,10 @@
                         </a:p>
                       </a:txBody>
                       <a:tcPr anchor="ctr">
-                        <a:blipFill>
+                        <a:blipFill rotWithShape="0">
                           <a:blip r:embed="rId4"/>
                           <a:stretch>
-                            <a:fillRect l="-265663" t="-3077" r="-138554" b="-210769"/>
+                            <a:fillRect l="-265060" t="-3077" r="-138554" b="-398462"/>
                           </a:stretch>
                         </a:blipFill>
                       </a:tcPr>
@@ -17211,17 +16110,17 @@
                         </a:p>
                       </a:txBody>
                       <a:tcPr anchor="ctr">
-                        <a:blipFill>
+                        <a:blipFill rotWithShape="0">
                           <a:blip r:embed="rId4"/>
                           <a:stretch>
-                            <a:fillRect l="-268584" t="-3077" r="-1770" b="-210769"/>
+                            <a:fillRect l="-268142" t="-3077" r="-1770" b="-398462"/>
                           </a:stretch>
                         </a:blipFill>
                       </a:tcPr>
                     </a:tc>
                     <a:extLst>
                       <a:ext uri="{0D108BD9-81ED-4DB2-BD59-A6C34878D82A}">
-                        <a16:rowId xmlns:a16="http://schemas.microsoft.com/office/drawing/2014/main" val="2345776386"/>
+                        <a16:rowId xmlns:a16="http://schemas.microsoft.com/office/drawing/2014/main" xmlns:a14="http://schemas.microsoft.com/office/drawing/2010/main" xmlns="" val="2345776386"/>
                       </a:ext>
                     </a:extLst>
                   </a:tr>
@@ -17233,8 +16132,27 @@
                         <a:p>
                           <a:pPr algn="ctr"/>
                           <a:r>
-                            <a:rPr lang="en-US" dirty="0"/>
-                            <a:t>THF</a:t>
+                            <a:rPr lang="en-US" dirty="0" smtClean="0"/>
+                            <a:t>CHCl</a:t>
+                          </a:r>
+                          <a:r>
+                            <a:rPr lang="en-US" baseline="-25000" dirty="0" smtClean="0"/>
+                            <a:t>3</a:t>
+                          </a:r>
+                          <a:endParaRPr lang="es-CO" baseline="-25000" dirty="0"/>
+                        </a:p>
+                      </a:txBody>
+                      <a:tcPr anchor="ctr"/>
+                    </a:tc>
+                    <a:tc>
+                      <a:txBody>
+                        <a:bodyPr/>
+                        <a:lstStyle/>
+                        <a:p>
+                          <a:pPr algn="ctr"/>
+                          <a:r>
+                            <a:rPr lang="en-US" dirty="0" smtClean="0"/>
+                            <a:t>1</a:t>
                           </a:r>
                           <a:endParaRPr lang="es-CO" dirty="0"/>
                         </a:p>
@@ -17248,7 +16166,172 @@
                         <a:p>
                           <a:pPr algn="ctr"/>
                           <a:r>
-                            <a:rPr lang="en-US" dirty="0"/>
+                            <a:rPr lang="en-US" dirty="0" smtClean="0"/>
+                            <a:t>0,18</a:t>
+                          </a:r>
+                          <a:endParaRPr lang="es-CO" dirty="0"/>
+                        </a:p>
+                      </a:txBody>
+                      <a:tcPr anchor="ctr"/>
+                    </a:tc>
+                    <a:tc>
+                      <a:txBody>
+                        <a:bodyPr/>
+                        <a:lstStyle/>
+                        <a:p>
+                          <a:pPr algn="ctr"/>
+                          <a:r>
+                            <a:rPr lang="es-CO" dirty="0" smtClean="0"/>
+                            <a:t>20,98</a:t>
+                          </a:r>
+                          <a:endParaRPr lang="es-CO" dirty="0"/>
+                        </a:p>
+                      </a:txBody>
+                      <a:tcPr anchor="ctr"/>
+                    </a:tc>
+                    <a:tc>
+                      <a:txBody>
+                        <a:bodyPr/>
+                        <a:lstStyle/>
+                        <a:p>
+                          <a:pPr algn="ctr"/>
+                          <a:r>
+                            <a:rPr lang="en-US" dirty="0" smtClean="0"/>
+                            <a:t>0,13</a:t>
+                          </a:r>
+                          <a:endParaRPr lang="es-CO" dirty="0"/>
+                        </a:p>
+                      </a:txBody>
+                      <a:tcPr anchor="ctr"/>
+                    </a:tc>
+                    <a:extLst>
+                      <a:ext uri="{0D108BD9-81ED-4DB2-BD59-A6C34878D82A}">
+                        <a16:rowId xmlns:a16="http://schemas.microsoft.com/office/drawing/2014/main" xmlns:a14="http://schemas.microsoft.com/office/drawing/2010/main" xmlns="" val="235995012"/>
+                      </a:ext>
+                    </a:extLst>
+                  </a:tr>
+                  <a:tr h="370840">
+                    <a:tc>
+                      <a:txBody>
+                        <a:bodyPr/>
+                        <a:lstStyle/>
+                        <a:p>
+                          <a:pPr algn="ctr"/>
+                          <a:r>
+                            <a:rPr lang="en-US" dirty="0" smtClean="0"/>
+                            <a:t>PPh</a:t>
+                          </a:r>
+                          <a:r>
+                            <a:rPr lang="en-US" baseline="-25000" dirty="0" smtClean="0"/>
+                            <a:t>3</a:t>
+                          </a:r>
+                          <a:endParaRPr lang="es-CO" baseline="-25000" dirty="0"/>
+                        </a:p>
+                      </a:txBody>
+                      <a:tcPr anchor="ctr"/>
+                    </a:tc>
+                    <a:tc>
+                      <a:txBody>
+                        <a:bodyPr/>
+                        <a:lstStyle/>
+                        <a:p>
+                          <a:pPr algn="ctr"/>
+                          <a:r>
+                            <a:rPr lang="en-US" dirty="0" smtClean="0"/>
+                            <a:t>15</a:t>
+                          </a:r>
+                          <a:endParaRPr lang="es-CO" dirty="0"/>
+                        </a:p>
+                      </a:txBody>
+                      <a:tcPr anchor="ctr"/>
+                    </a:tc>
+                    <a:tc>
+                      <a:txBody>
+                        <a:bodyPr/>
+                        <a:lstStyle/>
+                        <a:p>
+                          <a:pPr algn="ctr"/>
+                          <a:r>
+                            <a:rPr lang="en-US" dirty="0" smtClean="0"/>
+                            <a:t>1,48</a:t>
+                          </a:r>
+                          <a:endParaRPr lang="es-CO" dirty="0"/>
+                        </a:p>
+                      </a:txBody>
+                      <a:tcPr anchor="ctr"/>
+                    </a:tc>
+                    <a:tc>
+                      <a:txBody>
+                        <a:bodyPr/>
+                        <a:lstStyle/>
+                        <a:p>
+                          <a:pPr algn="ctr"/>
+                          <a:r>
+                            <a:rPr lang="es-CO" dirty="0" smtClean="0"/>
+                            <a:t>25,27</a:t>
+                          </a:r>
+                          <a:endParaRPr lang="es-CO" dirty="0"/>
+                        </a:p>
+                      </a:txBody>
+                      <a:tcPr anchor="ctr"/>
+                    </a:tc>
+                    <a:tc>
+                      <a:txBody>
+                        <a:bodyPr/>
+                        <a:lstStyle/>
+                        <a:p>
+                          <a:pPr algn="ctr"/>
+                          <a:r>
+                            <a:rPr lang="en-US" dirty="0" smtClean="0"/>
+                            <a:t>0,15</a:t>
+                          </a:r>
+                          <a:endParaRPr lang="es-CO" dirty="0"/>
+                        </a:p>
+                      </a:txBody>
+                      <a:tcPr anchor="ctr"/>
+                    </a:tc>
+                    <a:extLst>
+                      <a:ext uri="{0D108BD9-81ED-4DB2-BD59-A6C34878D82A}">
+                        <a16:rowId xmlns:a16="http://schemas.microsoft.com/office/drawing/2014/main" xmlns:a14="http://schemas.microsoft.com/office/drawing/2010/main" xmlns="" val="4244662741"/>
+                      </a:ext>
+                    </a:extLst>
+                  </a:tr>
+                  <a:tr h="370840">
+                    <a:tc>
+                      <a:txBody>
+                        <a:bodyPr/>
+                        <a:lstStyle/>
+                        <a:p>
+                          <a:pPr algn="ctr"/>
+                          <a:r>
+                            <a:rPr lang="es-CO" dirty="0" smtClean="0"/>
+                            <a:t>CH</a:t>
+                          </a:r>
+                          <a:r>
+                            <a:rPr lang="es-CO" baseline="-25000" dirty="0" smtClean="0"/>
+                            <a:t>2</a:t>
+                          </a:r>
+                          <a:r>
+                            <a:rPr lang="es-CO" dirty="0" smtClean="0"/>
+                            <a:t>Cl</a:t>
+                          </a:r>
+                          <a:r>
+                            <a:rPr lang="es-CO" baseline="-25000" dirty="0" smtClean="0"/>
+                            <a:t>2</a:t>
+                          </a:r>
+                          <a:endParaRPr lang="es-CO" baseline="-25000" dirty="0"/>
+                        </a:p>
+                      </a:txBody>
+                      <a:tcPr anchor="ctr"/>
+                    </a:tc>
+                    <a:tc>
+                      <a:txBody>
+                        <a:bodyPr/>
+                        <a:lstStyle/>
+                        <a:p>
+                          <a:pPr algn="ctr"/>
+                          <a:r>
+                            <a:rPr lang="es-CO" dirty="0" smtClean="0"/>
                             <a:t>2</a:t>
                           </a:r>
                           <a:endParaRPr lang="es-CO" dirty="0"/>
@@ -17263,8 +16346,8 @@
                         <a:p>
                           <a:pPr algn="ctr"/>
                           <a:r>
-                            <a:rPr lang="en-US" dirty="0"/>
-                            <a:t>7.98</a:t>
+                            <a:rPr lang="es-CO" dirty="0" smtClean="0"/>
+                            <a:t>0,16</a:t>
                           </a:r>
                           <a:endParaRPr lang="es-CO" dirty="0"/>
                         </a:p>
@@ -17278,8 +16361,8 @@
                         <a:p>
                           <a:pPr algn="ctr"/>
                           <a:r>
-                            <a:rPr lang="en-US" dirty="0"/>
-                            <a:t>276.49</a:t>
+                            <a:rPr lang="es-CO" dirty="0" smtClean="0"/>
+                            <a:t>6,64</a:t>
                           </a:r>
                           <a:endParaRPr lang="es-CO" dirty="0"/>
                         </a:p>
@@ -17293,19 +16376,14 @@
                         <a:p>
                           <a:pPr algn="ctr"/>
                           <a:r>
-                            <a:rPr lang="en-US" dirty="0"/>
-                            <a:t>0.46</a:t>
+                            <a:rPr lang="es-CO" dirty="0" smtClean="0"/>
+                            <a:t>0,04</a:t>
                           </a:r>
                           <a:endParaRPr lang="es-CO" dirty="0"/>
                         </a:p>
                       </a:txBody>
                       <a:tcPr anchor="ctr"/>
                     </a:tc>
-                    <a:extLst>
-                      <a:ext uri="{0D108BD9-81ED-4DB2-BD59-A6C34878D82A}">
-                        <a16:rowId xmlns:a16="http://schemas.microsoft.com/office/drawing/2014/main" val="235995012"/>
-                      </a:ext>
-                    </a:extLst>
                   </a:tr>
                   <a:tr h="370840">
                     <a:tc>
@@ -17315,8 +16393,16 @@
                         <a:p>
                           <a:pPr algn="ctr"/>
                           <a:r>
-                            <a:rPr lang="en-US" dirty="0"/>
-                            <a:t>C16H18O4</a:t>
+                            <a:rPr lang="es-CO" dirty="0" smtClean="0"/>
+                            <a:t>CH</a:t>
+                          </a:r>
+                          <a:r>
+                            <a:rPr lang="es-CO" baseline="-25000" dirty="0" smtClean="0"/>
+                            <a:t>3</a:t>
+                          </a:r>
+                          <a:r>
+                            <a:rPr lang="es-CO" dirty="0" smtClean="0"/>
+                            <a:t>OH</a:t>
                           </a:r>
                           <a:endParaRPr lang="es-CO" dirty="0"/>
                         </a:p>
@@ -17330,8 +16416,8 @@
                         <a:p>
                           <a:pPr algn="ctr"/>
                           <a:r>
-                            <a:rPr lang="en-US" dirty="0"/>
-                            <a:t>6</a:t>
+                            <a:rPr lang="es-CO" dirty="0" smtClean="0"/>
+                            <a:t>4</a:t>
                           </a:r>
                           <a:endParaRPr lang="es-CO" dirty="0"/>
                         </a:p>
@@ -17345,8 +16431,8 @@
                         <a:p>
                           <a:pPr algn="ctr"/>
                           <a:r>
-                            <a:rPr lang="en-US" dirty="0"/>
-                            <a:t>0.29</a:t>
+                            <a:rPr lang="es-CO" dirty="0" smtClean="0"/>
+                            <a:t>0,08</a:t>
                           </a:r>
                           <a:endParaRPr lang="es-CO" dirty="0"/>
                         </a:p>
@@ -17360,8 +16446,8 @@
                         <a:p>
                           <a:pPr algn="ctr"/>
                           <a:r>
-                            <a:rPr lang="en-US" dirty="0"/>
-                            <a:t>79.96</a:t>
+                            <a:rPr lang="es-CO" dirty="0" smtClean="0"/>
+                            <a:t>0,63</a:t>
                           </a:r>
                           <a:endParaRPr lang="es-CO" dirty="0"/>
                         </a:p>
@@ -17375,19 +16461,14 @@
                         <a:p>
                           <a:pPr algn="ctr"/>
                           <a:r>
-                            <a:rPr lang="en-US" dirty="0"/>
-                            <a:t>0.13</a:t>
+                            <a:rPr lang="es-CO" dirty="0" smtClean="0"/>
+                            <a:t>0,00</a:t>
                           </a:r>
                           <a:endParaRPr lang="es-CO" dirty="0"/>
                         </a:p>
                       </a:txBody>
                       <a:tcPr anchor="ctr"/>
                     </a:tc>
-                    <a:extLst>
-                      <a:ext uri="{0D108BD9-81ED-4DB2-BD59-A6C34878D82A}">
-                        <a16:rowId xmlns:a16="http://schemas.microsoft.com/office/drawing/2014/main" val="4244662741"/>
-                      </a:ext>
-                    </a:extLst>
                   </a:tr>
                 </a:tbl>
               </a:graphicData>
@@ -17400,7 +16481,7 @@
           <p:cNvPr id="9" name="TextBox 8">
             <a:extLst>
               <a:ext uri="{FF2B5EF4-FFF2-40B4-BE49-F238E27FC236}">
-                <a16:creationId xmlns:a16="http://schemas.microsoft.com/office/drawing/2014/main" id="{38CCFD7D-32AC-4459-B578-F13EAC31BF1C}"/>
+                <a16:creationId xmlns:a16="http://schemas.microsoft.com/office/drawing/2014/main" xmlns="" id="{38CCFD7D-32AC-4459-B578-F13EAC31BF1C}"/>
               </a:ext>
             </a:extLst>
           </p:cNvPr>
@@ -17409,7 +16490,7 @@
         </p:nvSpPr>
         <p:spPr>
           <a:xfrm>
-            <a:off x="6524259" y="4862481"/>
+            <a:off x="1008675" y="4218771"/>
             <a:ext cx="4177747" cy="307777"/>
           </a:xfrm>
           <a:prstGeom prst="rect">
@@ -17424,11 +16505,11 @@
           <a:lstStyle/>
           <a:p>
             <a:r>
-              <a:rPr lang="en-US" sz="1400" b="1" dirty="0" err="1"/>
+              <a:rPr lang="en-US" sz="1400" b="1" i="1" dirty="0" err="1"/>
               <a:t>Tabla</a:t>
             </a:r>
             <a:r>
-              <a:rPr lang="en-US" sz="1400" b="1" dirty="0"/>
+              <a:rPr lang="en-US" sz="1400" b="1" i="1" dirty="0"/>
               <a:t> 1: </a:t>
             </a:r>
             <a:r>
@@ -17436,26 +16517,26 @@
               <a:t>Cuantificación</a:t>
             </a:r>
             <a:r>
-              <a:rPr lang="en-US" sz="1400" dirty="0"/>
+              <a:rPr lang="en-US" sz="1400" i="1" dirty="0"/>
               <a:t> de </a:t>
             </a:r>
             <a:r>
-              <a:rPr lang="en-US" sz="1400" dirty="0" err="1"/>
+              <a:rPr lang="en-US" sz="1400" i="1" dirty="0" err="1"/>
               <a:t>los</a:t>
             </a:r>
             <a:r>
-              <a:rPr lang="en-US" sz="1400" dirty="0"/>
+              <a:rPr lang="en-US" sz="1400" i="1" dirty="0"/>
               <a:t> </a:t>
             </a:r>
             <a:r>
-              <a:rPr lang="en-US" sz="1400" dirty="0" err="1"/>
+              <a:rPr lang="en-US" sz="1400" i="1" dirty="0" err="1"/>
               <a:t>contaminantes</a:t>
             </a:r>
             <a:r>
-              <a:rPr lang="en-US" sz="1400" dirty="0"/>
+              <a:rPr lang="en-US" sz="1400" i="1" dirty="0"/>
               <a:t>.</a:t>
             </a:r>
-            <a:endParaRPr lang="es-CO" sz="1400" dirty="0"/>
+            <a:endParaRPr lang="es-CO" sz="1400" i="1" dirty="0"/>
           </a:p>
         </p:txBody>
       </p:sp>
@@ -17464,7 +16545,7 @@
           <p:cNvPr id="17" name="TextBox 16">
             <a:extLst>
               <a:ext uri="{FF2B5EF4-FFF2-40B4-BE49-F238E27FC236}">
-                <a16:creationId xmlns:a16="http://schemas.microsoft.com/office/drawing/2014/main" id="{778DD820-FC05-488C-B1FF-A8788EF0C4E2}"/>
+                <a16:creationId xmlns:a16="http://schemas.microsoft.com/office/drawing/2014/main" xmlns="" id="{778DD820-FC05-488C-B1FF-A8788EF0C4E2}"/>
               </a:ext>
             </a:extLst>
           </p:cNvPr>
@@ -17523,7 +16604,7 @@
           <p:cNvPr id="12" name="Picture 11">
             <a:extLst>
               <a:ext uri="{FF2B5EF4-FFF2-40B4-BE49-F238E27FC236}">
-                <a16:creationId xmlns:a16="http://schemas.microsoft.com/office/drawing/2014/main" id="{A651D7E1-6BC2-469C-94B8-3A8A73A64C09}"/>
+                <a16:creationId xmlns:a16="http://schemas.microsoft.com/office/drawing/2014/main" xmlns="" id="{A651D7E1-6BC2-469C-94B8-3A8A73A64C09}"/>
               </a:ext>
             </a:extLst>
           </p:cNvPr>
@@ -17561,7 +16642,7 @@
 </p:sld>
 </file>
 
-<file path=ppt/slides/slide7.xml><?xml version="1.0" encoding="utf-8"?>
+<file path=ppt/slides/slide6.xml><?xml version="1.0" encoding="utf-8"?>
 <p:sld xmlns:a="http://schemas.openxmlformats.org/drawingml/2006/main" xmlns:r="http://schemas.openxmlformats.org/officeDocument/2006/relationships" xmlns:p="http://schemas.openxmlformats.org/presentationml/2006/main">
   <p:cSld>
     <p:spTree>
@@ -17583,7 +16664,7 @@
           <p:cNvPr id="2" name="Title 1">
             <a:extLst>
               <a:ext uri="{FF2B5EF4-FFF2-40B4-BE49-F238E27FC236}">
-                <a16:creationId xmlns:a16="http://schemas.microsoft.com/office/drawing/2014/main" id="{779E37A4-8999-4E18-9594-C2027FEBAAE0}"/>
+                <a16:creationId xmlns:a16="http://schemas.microsoft.com/office/drawing/2014/main" xmlns="" id="{779E37A4-8999-4E18-9594-C2027FEBAAE0}"/>
               </a:ext>
             </a:extLst>
           </p:cNvPr>
@@ -17620,7 +16701,7 @@
           <p:cNvPr id="4" name="Slide Number Placeholder 3">
             <a:extLst>
               <a:ext uri="{FF2B5EF4-FFF2-40B4-BE49-F238E27FC236}">
-                <a16:creationId xmlns:a16="http://schemas.microsoft.com/office/drawing/2014/main" id="{A0E22773-995F-438C-B748-812F32E24826}"/>
+                <a16:creationId xmlns:a16="http://schemas.microsoft.com/office/drawing/2014/main" xmlns="" id="{A0E22773-995F-438C-B748-812F32E24826}"/>
               </a:ext>
             </a:extLst>
           </p:cNvPr>
@@ -17639,7 +16720,7 @@
             <a:fld id="{D57F1E4F-1CFF-5643-939E-217C01CDF565}" type="slidenum">
               <a:rPr lang="en-US" smtClean="0"/>
               <a:pPr/>
-              <a:t>7</a:t>
+              <a:t>6</a:t>
             </a:fld>
             <a:endParaRPr lang="en-US" dirty="0"/>
           </a:p>
@@ -17650,7 +16731,7 @@
           <p:cNvPr id="15" name="TextBox 14">
             <a:extLst>
               <a:ext uri="{FF2B5EF4-FFF2-40B4-BE49-F238E27FC236}">
-                <a16:creationId xmlns:a16="http://schemas.microsoft.com/office/drawing/2014/main" id="{E900257E-432E-4914-BA65-837DBE8A3B50}"/>
+                <a16:creationId xmlns:a16="http://schemas.microsoft.com/office/drawing/2014/main" xmlns="" id="{E900257E-432E-4914-BA65-837DBE8A3B50}"/>
               </a:ext>
             </a:extLst>
           </p:cNvPr>
@@ -17659,7 +16740,7 @@
         </p:nvSpPr>
         <p:spPr>
           <a:xfrm>
-            <a:off x="2056054" y="5244246"/>
+            <a:off x="2056053" y="4657746"/>
             <a:ext cx="4368504" cy="307777"/>
           </a:xfrm>
           <a:prstGeom prst="rect">
@@ -17717,7 +16798,7 @@
           <p:cNvPr id="8" name="Picture 7">
             <a:extLst>
               <a:ext uri="{FF2B5EF4-FFF2-40B4-BE49-F238E27FC236}">
-                <a16:creationId xmlns:a16="http://schemas.microsoft.com/office/drawing/2014/main" id="{50F52265-38D3-4355-A187-19FAA8C55A31}"/>
+                <a16:creationId xmlns:a16="http://schemas.microsoft.com/office/drawing/2014/main" xmlns="" id="{50F52265-38D3-4355-A187-19FAA8C55A31}"/>
               </a:ext>
             </a:extLst>
           </p:cNvPr>
@@ -17742,10 +16823,370 @@
           </a:prstGeom>
         </p:spPr>
       </p:pic>
+      <p:sp>
+        <p:nvSpPr>
+          <p:cNvPr id="5" name="Rectángulo 4"/>
+          <p:cNvSpPr/>
+          <p:nvPr/>
+        </p:nvSpPr>
+        <p:spPr>
+          <a:xfrm>
+            <a:off x="2056053" y="5925235"/>
+            <a:ext cx="7954721" cy="276999"/>
+          </a:xfrm>
+          <a:prstGeom prst="rect">
+            <a:avLst/>
+          </a:prstGeom>
+        </p:spPr>
+        <p:txBody>
+          <a:bodyPr wrap="square">
+            <a:spAutoFit/>
+          </a:bodyPr>
+          <a:lstStyle/>
+          <a:p>
+            <a:r>
+              <a:rPr lang="es-CO" sz="1200" dirty="0"/>
+              <a:t>Carey, F.A; </a:t>
+            </a:r>
+            <a:r>
+              <a:rPr lang="es-CO" sz="1200" dirty="0" err="1"/>
+              <a:t>Sundberg</a:t>
+            </a:r>
+            <a:r>
+              <a:rPr lang="es-CO" sz="1200" dirty="0"/>
+              <a:t>, R. </a:t>
+            </a:r>
+            <a:r>
+              <a:rPr lang="es-CO" sz="1200" i="1" dirty="0" err="1" smtClean="0"/>
+              <a:t>Advanced</a:t>
+            </a:r>
+            <a:r>
+              <a:rPr lang="es-CO" sz="1200" i="1" dirty="0" smtClean="0"/>
+              <a:t> </a:t>
+            </a:r>
+            <a:r>
+              <a:rPr lang="es-CO" sz="1200" i="1" dirty="0" err="1" smtClean="0"/>
+              <a:t>Organic</a:t>
+            </a:r>
+            <a:r>
+              <a:rPr lang="es-CO" sz="1200" i="1" dirty="0" smtClean="0"/>
+              <a:t> </a:t>
+            </a:r>
+            <a:r>
+              <a:rPr lang="es-CO" sz="1200" i="1" dirty="0" err="1" smtClean="0"/>
+              <a:t>Chemistry</a:t>
+            </a:r>
+            <a:r>
+              <a:rPr lang="es-CO" sz="1200" dirty="0" smtClean="0"/>
+              <a:t>, </a:t>
+            </a:r>
+            <a:r>
+              <a:rPr lang="es-CO" sz="1200" dirty="0"/>
+              <a:t>5th ed</a:t>
+            </a:r>
+            <a:r>
+              <a:rPr lang="es-CO" sz="1200" dirty="0" smtClean="0"/>
+              <a:t>.; </a:t>
+            </a:r>
+            <a:r>
+              <a:rPr lang="es-CO" sz="1200" dirty="0" err="1" smtClean="0"/>
+              <a:t>Springer</a:t>
+            </a:r>
+            <a:r>
+              <a:rPr lang="es-CO" sz="1200" dirty="0" smtClean="0"/>
+              <a:t>, </a:t>
+            </a:r>
+            <a:r>
+              <a:rPr lang="es-CO" sz="1200" dirty="0"/>
+              <a:t>Ed.; 2007. </a:t>
+            </a:r>
+          </a:p>
+        </p:txBody>
+      </p:sp>
     </p:spTree>
     <p:extLst>
       <p:ext uri="{BB962C8B-B14F-4D97-AF65-F5344CB8AC3E}">
         <p14:creationId xmlns:p14="http://schemas.microsoft.com/office/powerpoint/2010/main" val="3768028833"/>
+      </p:ext>
+    </p:extLst>
+  </p:cSld>
+  <p:clrMapOvr>
+    <a:masterClrMapping/>
+  </p:clrMapOvr>
+</p:sld>
+</file>
+
+<file path=ppt/slides/slide7.xml><?xml version="1.0" encoding="utf-8"?>
+<p:sld xmlns:a="http://schemas.openxmlformats.org/drawingml/2006/main" xmlns:r="http://schemas.openxmlformats.org/officeDocument/2006/relationships" xmlns:p="http://schemas.openxmlformats.org/presentationml/2006/main">
+  <p:cSld>
+    <p:spTree>
+      <p:nvGrpSpPr>
+        <p:cNvPr id="1" name=""/>
+        <p:cNvGrpSpPr/>
+        <p:nvPr/>
+      </p:nvGrpSpPr>
+      <p:grpSpPr>
+        <a:xfrm>
+          <a:off x="0" y="0"/>
+          <a:ext cx="0" cy="0"/>
+          <a:chOff x="0" y="0"/>
+          <a:chExt cx="0" cy="0"/>
+        </a:xfrm>
+      </p:grpSpPr>
+      <p:sp>
+        <p:nvSpPr>
+          <p:cNvPr id="2" name="Title 1">
+            <a:extLst>
+              <a:ext uri="{FF2B5EF4-FFF2-40B4-BE49-F238E27FC236}">
+                <a16:creationId xmlns:a16="http://schemas.microsoft.com/office/drawing/2014/main" xmlns="" id="{AD7B020B-A422-4A38-AAE0-31EAE64146BF}"/>
+              </a:ext>
+            </a:extLst>
+          </p:cNvPr>
+          <p:cNvSpPr>
+            <a:spLocks noGrp="1"/>
+          </p:cNvSpPr>
+          <p:nvPr>
+            <p:ph type="title"/>
+          </p:nvPr>
+        </p:nvSpPr>
+        <p:spPr/>
+        <p:txBody>
+          <a:bodyPr/>
+          <a:lstStyle/>
+          <a:p>
+            <a:r>
+              <a:rPr lang="en-US" dirty="0" err="1"/>
+              <a:t>Resultados</a:t>
+            </a:r>
+            <a:r>
+              <a:rPr lang="en-US" dirty="0"/>
+              <a:t> y </a:t>
+            </a:r>
+            <a:r>
+              <a:rPr lang="en-US" dirty="0" err="1"/>
+              <a:t>discusión</a:t>
+            </a:r>
+            <a:endParaRPr lang="es-CO" dirty="0"/>
+          </a:p>
+        </p:txBody>
+      </p:sp>
+      <p:sp>
+        <p:nvSpPr>
+          <p:cNvPr id="4" name="Slide Number Placeholder 3">
+            <a:extLst>
+              <a:ext uri="{FF2B5EF4-FFF2-40B4-BE49-F238E27FC236}">
+                <a16:creationId xmlns:a16="http://schemas.microsoft.com/office/drawing/2014/main" xmlns="" id="{03C00E0C-4761-4EA6-AB69-ADF1451D6B6B}"/>
+              </a:ext>
+            </a:extLst>
+          </p:cNvPr>
+          <p:cNvSpPr>
+            <a:spLocks noGrp="1"/>
+          </p:cNvSpPr>
+          <p:nvPr>
+            <p:ph type="sldNum" sz="quarter" idx="12"/>
+          </p:nvPr>
+        </p:nvSpPr>
+        <p:spPr/>
+        <p:txBody>
+          <a:bodyPr/>
+          <a:lstStyle/>
+          <a:p>
+            <a:fld id="{D57F1E4F-1CFF-5643-939E-217C01CDF565}" type="slidenum">
+              <a:rPr lang="en-US" smtClean="0"/>
+              <a:pPr/>
+              <a:t>7</a:t>
+            </a:fld>
+            <a:endParaRPr lang="en-US" dirty="0"/>
+          </a:p>
+        </p:txBody>
+      </p:sp>
+      <p:pic>
+        <p:nvPicPr>
+          <p:cNvPr id="6" name="Picture 5">
+            <a:extLst>
+              <a:ext uri="{FF2B5EF4-FFF2-40B4-BE49-F238E27FC236}">
+                <a16:creationId xmlns:a16="http://schemas.microsoft.com/office/drawing/2014/main" xmlns="" id="{2A277AE4-6D8E-4482-9713-7F80794EDD23}"/>
+              </a:ext>
+            </a:extLst>
+          </p:cNvPr>
+          <p:cNvPicPr>
+            <a:picLocks noChangeAspect="1"/>
+          </p:cNvPicPr>
+          <p:nvPr/>
+        </p:nvPicPr>
+        <p:blipFill>
+          <a:blip r:embed="rId2"/>
+          <a:stretch>
+            <a:fillRect/>
+          </a:stretch>
+        </p:blipFill>
+        <p:spPr>
+          <a:xfrm>
+            <a:off x="3582166" y="2703162"/>
+            <a:ext cx="5016550" cy="1217292"/>
+          </a:xfrm>
+          <a:prstGeom prst="rect">
+            <a:avLst/>
+          </a:prstGeom>
+        </p:spPr>
+      </p:pic>
+      <mc:AlternateContent xmlns:mc="http://schemas.openxmlformats.org/markup-compatibility/2006">
+        <mc:Choice xmlns:a14="http://schemas.microsoft.com/office/drawing/2010/main" Requires="a14">
+          <p:sp>
+            <p:nvSpPr>
+              <p:cNvPr id="3" name="CuadroTexto 2"/>
+              <p:cNvSpPr txBox="1"/>
+              <p:nvPr/>
+            </p:nvSpPr>
+            <p:spPr>
+              <a:xfrm>
+                <a:off x="6696075" y="3920454"/>
+                <a:ext cx="2301207" cy="369332"/>
+              </a:xfrm>
+              <a:prstGeom prst="rect">
+                <a:avLst/>
+              </a:prstGeom>
+              <a:noFill/>
+            </p:spPr>
+            <p:txBody>
+              <a:bodyPr wrap="none" rtlCol="0">
+                <a:spAutoFit/>
+              </a:bodyPr>
+              <a:lstStyle/>
+              <a:p>
+                <a14:m>
+                  <m:oMath xmlns:m="http://schemas.openxmlformats.org/officeDocument/2006/math">
+                    <m:r>
+                      <a:rPr lang="es-CO" b="0" i="1" smtClean="0">
+                        <a:latin typeface="Cambria Math" panose="02040503050406030204" pitchFamily="18" charset="0"/>
+                      </a:rPr>
+                      <m:t> </m:t>
+                    </m:r>
+                    <m:r>
+                      <a:rPr lang="es-CO" b="0" i="1" smtClean="0">
+                        <a:latin typeface="Cambria Math" panose="02040503050406030204" pitchFamily="18" charset="0"/>
+                      </a:rPr>
+                      <m:t>𝛼</m:t>
+                    </m:r>
+                  </m:oMath>
+                </a14:m>
+                <a:r>
+                  <a:rPr lang="es-CO" dirty="0" smtClean="0"/>
+                  <a:t>-</a:t>
+                </a:r>
+                <a:r>
+                  <a:rPr lang="es-CO" dirty="0" err="1" smtClean="0"/>
+                  <a:t>Hidroperoxi</a:t>
+                </a:r>
+                <a:r>
+                  <a:rPr lang="es-CO" dirty="0" smtClean="0"/>
+                  <a:t> éter.</a:t>
+                </a:r>
+                <a:endParaRPr lang="es-CO" dirty="0"/>
+              </a:p>
+            </p:txBody>
+          </p:sp>
+        </mc:Choice>
+        <mc:Fallback>
+          <p:sp>
+            <p:nvSpPr>
+              <p:cNvPr id="3" name="CuadroTexto 2"/>
+              <p:cNvSpPr txBox="1">
+                <a:spLocks noRot="1" noChangeAspect="1" noMove="1" noResize="1" noEditPoints="1" noAdjustHandles="1" noChangeArrowheads="1" noChangeShapeType="1" noTextEdit="1"/>
+              </p:cNvSpPr>
+              <p:nvPr/>
+            </p:nvSpPr>
+            <p:spPr>
+              <a:xfrm>
+                <a:off x="6696075" y="3920454"/>
+                <a:ext cx="2301207" cy="369332"/>
+              </a:xfrm>
+              <a:prstGeom prst="rect">
+                <a:avLst/>
+              </a:prstGeom>
+              <a:blipFill rotWithShape="0">
+                <a:blip r:embed="rId3"/>
+                <a:stretch>
+                  <a:fillRect t="-8197" r="-2116" b="-24590"/>
+                </a:stretch>
+              </a:blipFill>
+            </p:spPr>
+            <p:txBody>
+              <a:bodyPr/>
+              <a:lstStyle/>
+              <a:p>
+                <a:r>
+                  <a:rPr lang="es-CO">
+                    <a:noFill/>
+                  </a:rPr>
+                  <a:t> </a:t>
+                </a:r>
+              </a:p>
+            </p:txBody>
+          </p:sp>
+        </mc:Fallback>
+      </mc:AlternateContent>
+      <p:sp>
+        <p:nvSpPr>
+          <p:cNvPr id="5" name="Rectángulo 4"/>
+          <p:cNvSpPr/>
+          <p:nvPr/>
+        </p:nvSpPr>
+        <p:spPr>
+          <a:xfrm>
+            <a:off x="1943099" y="5935908"/>
+            <a:ext cx="8848725" cy="276999"/>
+          </a:xfrm>
+          <a:prstGeom prst="rect">
+            <a:avLst/>
+          </a:prstGeom>
+        </p:spPr>
+        <p:txBody>
+          <a:bodyPr wrap="square">
+            <a:spAutoFit/>
+          </a:bodyPr>
+          <a:lstStyle/>
+          <a:p>
+            <a:r>
+              <a:rPr lang="en-US" sz="1200" dirty="0" err="1"/>
+              <a:t>Keaveney</a:t>
+            </a:r>
+            <a:r>
+              <a:rPr lang="en-US" sz="1200" dirty="0"/>
+              <a:t>, W. P.; Berger, M. G.; Pappas, J. J. </a:t>
+            </a:r>
+            <a:r>
+              <a:rPr lang="en-US" sz="1200" i="1" dirty="0"/>
+              <a:t>The Journal of Organic Chemistry</a:t>
+            </a:r>
+            <a:r>
+              <a:rPr lang="en-US" sz="1200" dirty="0"/>
+              <a:t> </a:t>
+            </a:r>
+            <a:r>
+              <a:rPr lang="en-US" sz="1200" b="1" dirty="0"/>
+              <a:t>1967</a:t>
+            </a:r>
+            <a:r>
+              <a:rPr lang="en-US" sz="1200" dirty="0"/>
+              <a:t>, </a:t>
+            </a:r>
+            <a:r>
+              <a:rPr lang="en-US" sz="1200" i="1" dirty="0"/>
+              <a:t>32</a:t>
+            </a:r>
+            <a:r>
+              <a:rPr lang="en-US" sz="1200" dirty="0"/>
+              <a:t>, 1537– 1542.</a:t>
+            </a:r>
+            <a:endParaRPr lang="es-CO" sz="1200" dirty="0"/>
+          </a:p>
+        </p:txBody>
+      </p:sp>
+    </p:spTree>
+    <p:extLst>
+      <p:ext uri="{BB962C8B-B14F-4D97-AF65-F5344CB8AC3E}">
+        <p14:creationId xmlns:p14="http://schemas.microsoft.com/office/powerpoint/2010/main" val="3747334398"/>
       </p:ext>
     </p:extLst>
   </p:cSld>
@@ -17777,7 +17218,7 @@
           <p:cNvPr id="2" name="Title 1">
             <a:extLst>
               <a:ext uri="{FF2B5EF4-FFF2-40B4-BE49-F238E27FC236}">
-                <a16:creationId xmlns:a16="http://schemas.microsoft.com/office/drawing/2014/main" id="{AD7B020B-A422-4A38-AAE0-31EAE64146BF}"/>
+                <a16:creationId xmlns:a16="http://schemas.microsoft.com/office/drawing/2014/main" xmlns="" id="{F25B8E26-49D7-43CA-9159-76A91BB78FBA}"/>
               </a:ext>
             </a:extLst>
           </p:cNvPr>
@@ -17805,7 +17246,7 @@
               <a:rPr lang="en-US" dirty="0" err="1"/>
               <a:t>discusión</a:t>
             </a:r>
-            <a:endParaRPr lang="es-CO" dirty="0"/>
+            <a:endParaRPr lang="en-US" dirty="0"/>
           </a:p>
         </p:txBody>
       </p:sp>
@@ -17814,7 +17255,7 @@
           <p:cNvPr id="4" name="Slide Number Placeholder 3">
             <a:extLst>
               <a:ext uri="{FF2B5EF4-FFF2-40B4-BE49-F238E27FC236}">
-                <a16:creationId xmlns:a16="http://schemas.microsoft.com/office/drawing/2014/main" id="{03C00E0C-4761-4EA6-AB69-ADF1451D6B6B}"/>
+                <a16:creationId xmlns:a16="http://schemas.microsoft.com/office/drawing/2014/main" xmlns="" id="{BA7E69C3-56CF-45B5-8EB1-5EC4DC4FD7DE}"/>
               </a:ext>
             </a:extLst>
           </p:cNvPr>
@@ -17841,137 +17282,10 @@
       </p:sp>
       <p:pic>
         <p:nvPicPr>
-          <p:cNvPr id="6" name="Picture 5">
-            <a:extLst>
-              <a:ext uri="{FF2B5EF4-FFF2-40B4-BE49-F238E27FC236}">
-                <a16:creationId xmlns:a16="http://schemas.microsoft.com/office/drawing/2014/main" id="{2A277AE4-6D8E-4482-9713-7F80794EDD23}"/>
-              </a:ext>
-            </a:extLst>
-          </p:cNvPr>
-          <p:cNvPicPr>
-            <a:picLocks noChangeAspect="1"/>
-          </p:cNvPicPr>
-          <p:nvPr/>
-        </p:nvPicPr>
-        <p:blipFill>
-          <a:blip r:embed="rId2"/>
-          <a:stretch>
-            <a:fillRect/>
-          </a:stretch>
-        </p:blipFill>
-        <p:spPr>
-          <a:xfrm>
-            <a:off x="3582166" y="2703162"/>
-            <a:ext cx="5016550" cy="1217292"/>
-          </a:xfrm>
-          <a:prstGeom prst="rect">
-            <a:avLst/>
-          </a:prstGeom>
-        </p:spPr>
-      </p:pic>
-    </p:spTree>
-    <p:extLst>
-      <p:ext uri="{BB962C8B-B14F-4D97-AF65-F5344CB8AC3E}">
-        <p14:creationId xmlns:p14="http://schemas.microsoft.com/office/powerpoint/2010/main" val="3747334398"/>
-      </p:ext>
-    </p:extLst>
-  </p:cSld>
-  <p:clrMapOvr>
-    <a:masterClrMapping/>
-  </p:clrMapOvr>
-</p:sld>
-</file>
-
-<file path=ppt/slides/slide9.xml><?xml version="1.0" encoding="utf-8"?>
-<p:sld xmlns:a="http://schemas.openxmlformats.org/drawingml/2006/main" xmlns:r="http://schemas.openxmlformats.org/officeDocument/2006/relationships" xmlns:p="http://schemas.openxmlformats.org/presentationml/2006/main">
-  <p:cSld>
-    <p:spTree>
-      <p:nvGrpSpPr>
-        <p:cNvPr id="1" name=""/>
-        <p:cNvGrpSpPr/>
-        <p:nvPr/>
-      </p:nvGrpSpPr>
-      <p:grpSpPr>
-        <a:xfrm>
-          <a:off x="0" y="0"/>
-          <a:ext cx="0" cy="0"/>
-          <a:chOff x="0" y="0"/>
-          <a:chExt cx="0" cy="0"/>
-        </a:xfrm>
-      </p:grpSpPr>
-      <p:sp>
-        <p:nvSpPr>
-          <p:cNvPr id="2" name="Title 1">
-            <a:extLst>
-              <a:ext uri="{FF2B5EF4-FFF2-40B4-BE49-F238E27FC236}">
-                <a16:creationId xmlns:a16="http://schemas.microsoft.com/office/drawing/2014/main" id="{F25B8E26-49D7-43CA-9159-76A91BB78FBA}"/>
-              </a:ext>
-            </a:extLst>
-          </p:cNvPr>
-          <p:cNvSpPr>
-            <a:spLocks noGrp="1"/>
-          </p:cNvSpPr>
-          <p:nvPr>
-            <p:ph type="title"/>
-          </p:nvPr>
-        </p:nvSpPr>
-        <p:spPr/>
-        <p:txBody>
-          <a:bodyPr/>
-          <a:lstStyle/>
-          <a:p>
-            <a:r>
-              <a:rPr lang="en-US" dirty="0" err="1"/>
-              <a:t>Resultados</a:t>
-            </a:r>
-            <a:r>
-              <a:rPr lang="en-US" dirty="0"/>
-              <a:t> y </a:t>
-            </a:r>
-            <a:r>
-              <a:rPr lang="en-US" dirty="0" err="1"/>
-              <a:t>discusión</a:t>
-            </a:r>
-            <a:endParaRPr lang="en-US" dirty="0"/>
-          </a:p>
-        </p:txBody>
-      </p:sp>
-      <p:sp>
-        <p:nvSpPr>
-          <p:cNvPr id="4" name="Slide Number Placeholder 3">
-            <a:extLst>
-              <a:ext uri="{FF2B5EF4-FFF2-40B4-BE49-F238E27FC236}">
-                <a16:creationId xmlns:a16="http://schemas.microsoft.com/office/drawing/2014/main" id="{BA7E69C3-56CF-45B5-8EB1-5EC4DC4FD7DE}"/>
-              </a:ext>
-            </a:extLst>
-          </p:cNvPr>
-          <p:cNvSpPr>
-            <a:spLocks noGrp="1"/>
-          </p:cNvSpPr>
-          <p:nvPr>
-            <p:ph type="sldNum" sz="quarter" idx="12"/>
-          </p:nvPr>
-        </p:nvSpPr>
-        <p:spPr/>
-        <p:txBody>
-          <a:bodyPr/>
-          <a:lstStyle/>
-          <a:p>
-            <a:fld id="{D57F1E4F-1CFF-5643-939E-217C01CDF565}" type="slidenum">
-              <a:rPr lang="en-US" smtClean="0"/>
-              <a:pPr/>
-              <a:t>9</a:t>
-            </a:fld>
-            <a:endParaRPr lang="en-US" dirty="0"/>
-          </a:p>
-        </p:txBody>
-      </p:sp>
-      <p:pic>
-        <p:nvPicPr>
           <p:cNvPr id="9" name="Content Placeholder 8">
             <a:extLst>
               <a:ext uri="{FF2B5EF4-FFF2-40B4-BE49-F238E27FC236}">
-                <a16:creationId xmlns:a16="http://schemas.microsoft.com/office/drawing/2014/main" id="{169AF6C5-D67F-4FF8-9576-8267E6A295B5}"/>
+                <a16:creationId xmlns:a16="http://schemas.microsoft.com/office/drawing/2014/main" xmlns="" id="{169AF6C5-D67F-4FF8-9576-8267E6A295B5}"/>
               </a:ext>
             </a:extLst>
           </p:cNvPr>
@@ -18000,7 +17314,7 @@
           <p:cNvPr id="13" name="Table 12">
             <a:extLst>
               <a:ext uri="{FF2B5EF4-FFF2-40B4-BE49-F238E27FC236}">
-                <a16:creationId xmlns:a16="http://schemas.microsoft.com/office/drawing/2014/main" id="{39DD120D-4684-49DF-BD90-44A7C09FF317}"/>
+                <a16:creationId xmlns:a16="http://schemas.microsoft.com/office/drawing/2014/main" xmlns="" id="{39DD120D-4684-49DF-BD90-44A7C09FF317}"/>
               </a:ext>
             </a:extLst>
           </p:cNvPr>
@@ -18029,21 +17343,21 @@
                 <a:gridCol w="705168">
                   <a:extLst>
                     <a:ext uri="{9D8B030D-6E8A-4147-A177-3AD203B41FA5}">
-                      <a16:colId xmlns:a16="http://schemas.microsoft.com/office/drawing/2014/main" val="1145553956"/>
+                      <a16:colId xmlns:a16="http://schemas.microsoft.com/office/drawing/2014/main" xmlns="" val="1145553956"/>
                     </a:ext>
                   </a:extLst>
                 </a:gridCol>
                 <a:gridCol w="441643">
                   <a:extLst>
                     <a:ext uri="{9D8B030D-6E8A-4147-A177-3AD203B41FA5}">
-                      <a16:colId xmlns:a16="http://schemas.microsoft.com/office/drawing/2014/main" val="3391349660"/>
+                      <a16:colId xmlns:a16="http://schemas.microsoft.com/office/drawing/2014/main" xmlns="" val="3391349660"/>
                     </a:ext>
                   </a:extLst>
                 </a:gridCol>
                 <a:gridCol w="758433">
                   <a:extLst>
                     <a:ext uri="{9D8B030D-6E8A-4147-A177-3AD203B41FA5}">
-                      <a16:colId xmlns:a16="http://schemas.microsoft.com/office/drawing/2014/main" val="64411816"/>
+                      <a16:colId xmlns:a16="http://schemas.microsoft.com/office/drawing/2014/main" xmlns="" val="64411816"/>
                     </a:ext>
                   </a:extLst>
                 </a:gridCol>
@@ -18093,7 +17407,7 @@
                 </a:tc>
                 <a:extLst>
                   <a:ext uri="{0D108BD9-81ED-4DB2-BD59-A6C34878D82A}">
-                    <a16:rowId xmlns:a16="http://schemas.microsoft.com/office/drawing/2014/main" val="4007312235"/>
+                    <a16:rowId xmlns:a16="http://schemas.microsoft.com/office/drawing/2014/main" xmlns="" val="4007312235"/>
                   </a:ext>
                 </a:extLst>
               </a:tr>
@@ -18142,7 +17456,7 @@
                 </a:tc>
                 <a:extLst>
                   <a:ext uri="{0D108BD9-81ED-4DB2-BD59-A6C34878D82A}">
-                    <a16:rowId xmlns:a16="http://schemas.microsoft.com/office/drawing/2014/main" val="3982069718"/>
+                    <a16:rowId xmlns:a16="http://schemas.microsoft.com/office/drawing/2014/main" xmlns="" val="3982069718"/>
                   </a:ext>
                 </a:extLst>
               </a:tr>
@@ -18191,7 +17505,7 @@
                 </a:tc>
                 <a:extLst>
                   <a:ext uri="{0D108BD9-81ED-4DB2-BD59-A6C34878D82A}">
-                    <a16:rowId xmlns:a16="http://schemas.microsoft.com/office/drawing/2014/main" val="3488197243"/>
+                    <a16:rowId xmlns:a16="http://schemas.microsoft.com/office/drawing/2014/main" xmlns="" val="3488197243"/>
                   </a:ext>
                 </a:extLst>
               </a:tr>
@@ -18240,7 +17554,7 @@
                 </a:tc>
                 <a:extLst>
                   <a:ext uri="{0D108BD9-81ED-4DB2-BD59-A6C34878D82A}">
-                    <a16:rowId xmlns:a16="http://schemas.microsoft.com/office/drawing/2014/main" val="2124202204"/>
+                    <a16:rowId xmlns:a16="http://schemas.microsoft.com/office/drawing/2014/main" xmlns="" val="2124202204"/>
                   </a:ext>
                 </a:extLst>
               </a:tr>
@@ -18253,7 +17567,7 @@
           <p:cNvPr id="5" name="Picture 4">
             <a:extLst>
               <a:ext uri="{FF2B5EF4-FFF2-40B4-BE49-F238E27FC236}">
-                <a16:creationId xmlns:a16="http://schemas.microsoft.com/office/drawing/2014/main" id="{8EF13EB7-DD85-4629-81B0-E20EEA066909}"/>
+                <a16:creationId xmlns:a16="http://schemas.microsoft.com/office/drawing/2014/main" xmlns="" id="{8EF13EB7-DD85-4629-81B0-E20EEA066909}"/>
               </a:ext>
             </a:extLst>
           </p:cNvPr>
@@ -18282,6 +17596,162 @@
     <p:extLst>
       <p:ext uri="{BB962C8B-B14F-4D97-AF65-F5344CB8AC3E}">
         <p14:creationId xmlns:p14="http://schemas.microsoft.com/office/powerpoint/2010/main" val="2137464943"/>
+      </p:ext>
+    </p:extLst>
+  </p:cSld>
+  <p:clrMapOvr>
+    <a:masterClrMapping/>
+  </p:clrMapOvr>
+</p:sld>
+</file>
+
+<file path=ppt/slides/slide9.xml><?xml version="1.0" encoding="utf-8"?>
+<p:sld xmlns:a="http://schemas.openxmlformats.org/drawingml/2006/main" xmlns:r="http://schemas.openxmlformats.org/officeDocument/2006/relationships" xmlns:p="http://schemas.openxmlformats.org/presentationml/2006/main">
+  <p:cSld>
+    <p:spTree>
+      <p:nvGrpSpPr>
+        <p:cNvPr id="1" name=""/>
+        <p:cNvGrpSpPr/>
+        <p:nvPr/>
+      </p:nvGrpSpPr>
+      <p:grpSpPr>
+        <a:xfrm>
+          <a:off x="0" y="0"/>
+          <a:ext cx="0" cy="0"/>
+          <a:chOff x="0" y="0"/>
+          <a:chExt cx="0" cy="0"/>
+        </a:xfrm>
+      </p:grpSpPr>
+      <p:sp>
+        <p:nvSpPr>
+          <p:cNvPr id="2" name="Title 1">
+            <a:extLst>
+              <a:ext uri="{FF2B5EF4-FFF2-40B4-BE49-F238E27FC236}">
+                <a16:creationId xmlns:a16="http://schemas.microsoft.com/office/drawing/2014/main" xmlns="" id="{F25B8E26-49D7-43CA-9159-76A91BB78FBA}"/>
+              </a:ext>
+            </a:extLst>
+          </p:cNvPr>
+          <p:cNvSpPr>
+            <a:spLocks noGrp="1"/>
+          </p:cNvSpPr>
+          <p:nvPr>
+            <p:ph type="title"/>
+          </p:nvPr>
+        </p:nvSpPr>
+        <p:spPr/>
+        <p:txBody>
+          <a:bodyPr/>
+          <a:lstStyle/>
+          <a:p>
+            <a:r>
+              <a:rPr lang="en-US" dirty="0" err="1"/>
+              <a:t>Resultados</a:t>
+            </a:r>
+            <a:r>
+              <a:rPr lang="en-US" dirty="0"/>
+              <a:t> y </a:t>
+            </a:r>
+            <a:r>
+              <a:rPr lang="en-US" dirty="0" err="1"/>
+              <a:t>discusión</a:t>
+            </a:r>
+            <a:endParaRPr lang="en-US" dirty="0"/>
+          </a:p>
+        </p:txBody>
+      </p:sp>
+      <p:sp>
+        <p:nvSpPr>
+          <p:cNvPr id="4" name="Slide Number Placeholder 3">
+            <a:extLst>
+              <a:ext uri="{FF2B5EF4-FFF2-40B4-BE49-F238E27FC236}">
+                <a16:creationId xmlns:a16="http://schemas.microsoft.com/office/drawing/2014/main" xmlns="" id="{BA7E69C3-56CF-45B5-8EB1-5EC4DC4FD7DE}"/>
+              </a:ext>
+            </a:extLst>
+          </p:cNvPr>
+          <p:cNvSpPr>
+            <a:spLocks noGrp="1"/>
+          </p:cNvSpPr>
+          <p:nvPr>
+            <p:ph type="sldNum" sz="quarter" idx="12"/>
+          </p:nvPr>
+        </p:nvSpPr>
+        <p:spPr/>
+        <p:txBody>
+          <a:bodyPr/>
+          <a:lstStyle/>
+          <a:p>
+            <a:fld id="{D57F1E4F-1CFF-5643-939E-217C01CDF565}" type="slidenum">
+              <a:rPr lang="en-US" smtClean="0"/>
+              <a:pPr/>
+              <a:t>9</a:t>
+            </a:fld>
+            <a:endParaRPr lang="en-US" dirty="0"/>
+          </a:p>
+        </p:txBody>
+      </p:sp>
+      <p:pic>
+        <p:nvPicPr>
+          <p:cNvPr id="9" name="Content Placeholder 8">
+            <a:extLst>
+              <a:ext uri="{FF2B5EF4-FFF2-40B4-BE49-F238E27FC236}">
+                <a16:creationId xmlns:a16="http://schemas.microsoft.com/office/drawing/2014/main" xmlns="" id="{169AF6C5-D67F-4FF8-9576-8267E6A295B5}"/>
+              </a:ext>
+            </a:extLst>
+          </p:cNvPr>
+          <p:cNvPicPr>
+            <a:picLocks noGrp="1" noChangeAspect="1"/>
+          </p:cNvPicPr>
+          <p:nvPr>
+            <p:ph idx="1"/>
+          </p:nvPr>
+        </p:nvPicPr>
+        <p:blipFill>
+          <a:blip r:embed="rId2"/>
+          <a:stretch>
+            <a:fillRect/>
+          </a:stretch>
+        </p:blipFill>
+        <p:spPr>
+          <a:xfrm>
+            <a:off x="2994496" y="1412418"/>
+            <a:ext cx="5799280" cy="4077316"/>
+          </a:xfrm>
+        </p:spPr>
+      </p:pic>
+      <p:pic>
+        <p:nvPicPr>
+          <p:cNvPr id="7" name="Picture 6">
+            <a:extLst>
+              <a:ext uri="{FF2B5EF4-FFF2-40B4-BE49-F238E27FC236}">
+                <a16:creationId xmlns:a16="http://schemas.microsoft.com/office/drawing/2014/main" xmlns="" id="{BF401192-D675-453F-B882-A52D1DFB2692}"/>
+              </a:ext>
+            </a:extLst>
+          </p:cNvPr>
+          <p:cNvPicPr>
+            <a:picLocks noChangeAspect="1"/>
+          </p:cNvPicPr>
+          <p:nvPr/>
+        </p:nvPicPr>
+        <p:blipFill>
+          <a:blip r:embed="rId3"/>
+          <a:stretch>
+            <a:fillRect/>
+          </a:stretch>
+        </p:blipFill>
+        <p:spPr>
+          <a:xfrm>
+            <a:off x="9318608" y="1905000"/>
+            <a:ext cx="2229552" cy="1378347"/>
+          </a:xfrm>
+          <a:prstGeom prst="rect">
+            <a:avLst/>
+          </a:prstGeom>
+        </p:spPr>
+      </p:pic>
+    </p:spTree>
+    <p:extLst>
+      <p:ext uri="{BB962C8B-B14F-4D97-AF65-F5344CB8AC3E}">
+        <p14:creationId xmlns:p14="http://schemas.microsoft.com/office/powerpoint/2010/main" val="2720230602"/>
       </p:ext>
     </p:extLst>
   </p:cSld>
